--- a/Presentations/01 Python编程概述.pptx
+++ b/Presentations/01 Python编程概述.pptx
@@ -5,77 +5,66 @@
     <p:sldMasterId id="2147483658" r:id="rId1"/>
   </p:sldMasterIdLst>
   <p:notesMasterIdLst>
-    <p:notesMasterId r:id="rId41"/>
+    <p:notesMasterId r:id="rId37"/>
   </p:notesMasterIdLst>
   <p:sldIdLst>
     <p:sldId id="256" r:id="rId2"/>
     <p:sldId id="297" r:id="rId3"/>
-    <p:sldId id="299" r:id="rId4"/>
-    <p:sldId id="343" r:id="rId5"/>
-    <p:sldId id="298" r:id="rId6"/>
-    <p:sldId id="336" r:id="rId7"/>
-    <p:sldId id="337" r:id="rId8"/>
-    <p:sldId id="345" r:id="rId9"/>
-    <p:sldId id="300" r:id="rId10"/>
-    <p:sldId id="301" r:id="rId11"/>
-    <p:sldId id="302" r:id="rId12"/>
-    <p:sldId id="303" r:id="rId13"/>
-    <p:sldId id="304" r:id="rId14"/>
-    <p:sldId id="305" r:id="rId15"/>
-    <p:sldId id="341" r:id="rId16"/>
-    <p:sldId id="348" r:id="rId17"/>
-    <p:sldId id="306" r:id="rId18"/>
-    <p:sldId id="307" r:id="rId19"/>
-    <p:sldId id="308" r:id="rId20"/>
-    <p:sldId id="309" r:id="rId21"/>
-    <p:sldId id="311" r:id="rId22"/>
-    <p:sldId id="313" r:id="rId23"/>
-    <p:sldId id="314" r:id="rId24"/>
-    <p:sldId id="338" r:id="rId25"/>
-    <p:sldId id="315" r:id="rId26"/>
-    <p:sldId id="339" r:id="rId27"/>
-    <p:sldId id="333" r:id="rId28"/>
-    <p:sldId id="317" r:id="rId29"/>
-    <p:sldId id="318" r:id="rId30"/>
-    <p:sldId id="319" r:id="rId31"/>
-    <p:sldId id="320" r:id="rId32"/>
-    <p:sldId id="321" r:id="rId33"/>
-    <p:sldId id="322" r:id="rId34"/>
-    <p:sldId id="323" r:id="rId35"/>
-    <p:sldId id="324" r:id="rId36"/>
-    <p:sldId id="342" r:id="rId37"/>
-    <p:sldId id="346" r:id="rId38"/>
-    <p:sldId id="347" r:id="rId39"/>
-    <p:sldId id="332" r:id="rId40"/>
+    <p:sldId id="368" r:id="rId4"/>
+    <p:sldId id="299" r:id="rId5"/>
+    <p:sldId id="343" r:id="rId6"/>
+    <p:sldId id="298" r:id="rId7"/>
+    <p:sldId id="300" r:id="rId8"/>
+    <p:sldId id="301" r:id="rId9"/>
+    <p:sldId id="303" r:id="rId10"/>
+    <p:sldId id="305" r:id="rId11"/>
+    <p:sldId id="304" r:id="rId12"/>
+    <p:sldId id="341" r:id="rId13"/>
+    <p:sldId id="306" r:id="rId14"/>
+    <p:sldId id="307" r:id="rId15"/>
+    <p:sldId id="308" r:id="rId16"/>
+    <p:sldId id="309" r:id="rId17"/>
+    <p:sldId id="311" r:id="rId18"/>
+    <p:sldId id="312" r:id="rId19"/>
+    <p:sldId id="313" r:id="rId20"/>
+    <p:sldId id="314" r:id="rId21"/>
+    <p:sldId id="338" r:id="rId22"/>
+    <p:sldId id="315" r:id="rId23"/>
+    <p:sldId id="339" r:id="rId24"/>
+    <p:sldId id="333" r:id="rId25"/>
+    <p:sldId id="367" r:id="rId26"/>
+    <p:sldId id="318" r:id="rId27"/>
+    <p:sldId id="319" r:id="rId28"/>
+    <p:sldId id="320" r:id="rId29"/>
+    <p:sldId id="321" r:id="rId30"/>
+    <p:sldId id="322" r:id="rId31"/>
+    <p:sldId id="323" r:id="rId32"/>
+    <p:sldId id="324" r:id="rId33"/>
+    <p:sldId id="342" r:id="rId34"/>
+    <p:sldId id="346" r:id="rId35"/>
+    <p:sldId id="332" r:id="rId36"/>
   </p:sldIdLst>
   <p:sldSz cx="9144000" cy="6858000" type="screen4x3"/>
   <p:notesSz cx="6858000" cy="9144000"/>
   <p:embeddedFontLst>
     <p:embeddedFont>
-      <p:font typeface="Calibri" panose="020F0502020204030204" pitchFamily="34" charset="0"/>
-      <p:regular r:id="rId42"/>
-      <p:bold r:id="rId43"/>
-      <p:italic r:id="rId44"/>
-      <p:boldItalic r:id="rId45"/>
-    </p:embeddedFont>
-    <p:embeddedFont>
       <p:font typeface="Roboto" panose="02000000000000000000" pitchFamily="2" charset="0"/>
-      <p:regular r:id="rId46"/>
-      <p:bold r:id="rId47"/>
-      <p:italic r:id="rId48"/>
-      <p:boldItalic r:id="rId49"/>
+      <p:regular r:id="rId38"/>
+      <p:bold r:id="rId39"/>
+      <p:italic r:id="rId40"/>
+      <p:boldItalic r:id="rId41"/>
     </p:embeddedFont>
     <p:embeddedFont>
       <p:font typeface="Roboto Slab" pitchFamily="2" charset="0"/>
-      <p:regular r:id="rId50"/>
-      <p:bold r:id="rId51"/>
+      <p:regular r:id="rId42"/>
+      <p:bold r:id="rId43"/>
     </p:embeddedFont>
     <p:embeddedFont>
       <p:font typeface="Source Sans Pro" panose="020B0503030403020204" pitchFamily="34" charset="0"/>
-      <p:regular r:id="rId52"/>
-      <p:bold r:id="rId53"/>
-      <p:italic r:id="rId54"/>
-      <p:boldItalic r:id="rId55"/>
+      <p:regular r:id="rId44"/>
+      <p:bold r:id="rId45"/>
+      <p:italic r:id="rId46"/>
+      <p:boldItalic r:id="rId47"/>
     </p:embeddedFont>
   </p:embeddedFontLst>
   <p:defaultTextStyle>
@@ -1007,12 +996,7 @@
             <p:ph type="sldImg"/>
           </p:nvPr>
         </p:nvSpPr>
-        <p:spPr>
-          <a:xfrm>
-            <a:off x="1143000" y="685800"/>
-            <a:ext cx="4572000" cy="3429000"/>
-          </a:xfrm>
-        </p:spPr>
+        <p:spPr/>
       </p:sp>
       <p:sp>
         <p:nvSpPr>
@@ -1029,41 +1013,6 @@
           <a:bodyPr/>
           <a:lstStyle/>
           <a:p>
-            <a:r>
-              <a:rPr lang="en-US" altLang="zh-CN" dirty="0"/>
-              <a:t>https://en.wikipedia.org/wiki/Languages_used_on_the_Internet</a:t>
-            </a:r>
-            <a:endParaRPr lang="zh-CN" altLang="en-US" dirty="0"/>
-          </a:p>
-        </p:txBody>
-      </p:sp>
-      <p:sp>
-        <p:nvSpPr>
-          <p:cNvPr id="4" name="灯片编号占位符 3"/>
-          <p:cNvSpPr>
-            <a:spLocks noGrp="1"/>
-          </p:cNvSpPr>
-          <p:nvPr>
-            <p:ph type="sldNum" sz="quarter" idx="5"/>
-          </p:nvPr>
-        </p:nvSpPr>
-        <p:spPr>
-          <a:xfrm>
-            <a:off x="3884613" y="8685213"/>
-            <a:ext cx="2971800" cy="457200"/>
-          </a:xfrm>
-          <a:prstGeom prst="rect">
-            <a:avLst/>
-          </a:prstGeom>
-        </p:spPr>
-        <p:txBody>
-          <a:bodyPr/>
-          <a:lstStyle/>
-          <a:p>
-            <a:fld id="{4BAE99F5-F74F-450B-8692-DAF4B8A40DD8}" type="slidenum">
-              <a:rPr lang="zh-CN" altLang="en-US" smtClean="0"/>
-              <a:t>30</a:t>
-            </a:fld>
             <a:endParaRPr lang="zh-CN" altLang="en-US"/>
           </a:p>
         </p:txBody>
@@ -1071,7 +1020,7 @@
     </p:spTree>
     <p:extLst>
       <p:ext uri="{BB962C8B-B14F-4D97-AF65-F5344CB8AC3E}">
-        <p14:creationId xmlns:p14="http://schemas.microsoft.com/office/powerpoint/2010/main" val="2294334760"/>
+        <p14:creationId xmlns:p14="http://schemas.microsoft.com/office/powerpoint/2010/main" val="3862122838"/>
       </p:ext>
     </p:extLst>
   </p:cSld>
@@ -1131,10 +1080,10 @@
           <a:lstStyle/>
           <a:p>
             <a:r>
-              <a:rPr lang="en-US" altLang="zh-CN"/>
-              <a:t>https://www.jetbrains.com/pycharm/download/#section=windows</a:t>
-            </a:r>
-            <a:endParaRPr lang="zh-CN" altLang="en-US"/>
+              <a:rPr lang="en-US" altLang="zh-CN" dirty="0"/>
+              <a:t>https://en.wikipedia.org/wiki/Languages_used_on_the_Internet</a:t>
+            </a:r>
+            <a:endParaRPr lang="zh-CN" altLang="en-US" dirty="0"/>
           </a:p>
         </p:txBody>
       </p:sp>
@@ -1145,7 +1094,7 @@
             <a:spLocks noGrp="1"/>
           </p:cNvSpPr>
           <p:nvPr>
-            <p:ph type="sldNum" sz="quarter" idx="10"/>
+            <p:ph type="sldNum" sz="quarter" idx="5"/>
           </p:nvPr>
         </p:nvSpPr>
         <p:spPr>
@@ -1163,7 +1112,7 @@
           <a:p>
             <a:fld id="{4BAE99F5-F74F-450B-8692-DAF4B8A40DD8}" type="slidenum">
               <a:rPr lang="zh-CN" altLang="en-US" smtClean="0"/>
-              <a:t>31</a:t>
+              <a:t>27</a:t>
             </a:fld>
             <a:endParaRPr lang="zh-CN" altLang="en-US"/>
           </a:p>
@@ -1172,7 +1121,7 @@
     </p:spTree>
     <p:extLst>
       <p:ext uri="{BB962C8B-B14F-4D97-AF65-F5344CB8AC3E}">
-        <p14:creationId xmlns:p14="http://schemas.microsoft.com/office/powerpoint/2010/main" val="2814449868"/>
+        <p14:creationId xmlns:p14="http://schemas.microsoft.com/office/powerpoint/2010/main" val="2294334760"/>
       </p:ext>
     </p:extLst>
   </p:cSld>
@@ -1209,7 +1158,12 @@
             <p:ph type="sldImg"/>
           </p:nvPr>
         </p:nvSpPr>
-        <p:spPr/>
+        <p:spPr>
+          <a:xfrm>
+            <a:off x="1143000" y="685800"/>
+            <a:ext cx="4572000" cy="3429000"/>
+          </a:xfrm>
+        </p:spPr>
       </p:sp>
       <p:sp>
         <p:nvSpPr>
@@ -1226,14 +1180,49 @@
           <a:bodyPr/>
           <a:lstStyle/>
           <a:p>
-            <a:endParaRPr lang="zh-CN" altLang="en-US" dirty="0"/>
+            <a:r>
+              <a:rPr lang="en-US" altLang="zh-CN"/>
+              <a:t>https://www.jetbrains.com/pycharm/download/#section=windows</a:t>
+            </a:r>
+            <a:endParaRPr lang="zh-CN" altLang="en-US"/>
+          </a:p>
+        </p:txBody>
+      </p:sp>
+      <p:sp>
+        <p:nvSpPr>
+          <p:cNvPr id="4" name="灯片编号占位符 3"/>
+          <p:cNvSpPr>
+            <a:spLocks noGrp="1"/>
+          </p:cNvSpPr>
+          <p:nvPr>
+            <p:ph type="sldNum" sz="quarter" idx="10"/>
+          </p:nvPr>
+        </p:nvSpPr>
+        <p:spPr>
+          <a:xfrm>
+            <a:off x="3884613" y="8685213"/>
+            <a:ext cx="2971800" cy="457200"/>
+          </a:xfrm>
+          <a:prstGeom prst="rect">
+            <a:avLst/>
+          </a:prstGeom>
+        </p:spPr>
+        <p:txBody>
+          <a:bodyPr/>
+          <a:lstStyle/>
+          <a:p>
+            <a:fld id="{4BAE99F5-F74F-450B-8692-DAF4B8A40DD8}" type="slidenum">
+              <a:rPr lang="zh-CN" altLang="en-US" smtClean="0"/>
+              <a:t>28</a:t>
+            </a:fld>
+            <a:endParaRPr lang="zh-CN" altLang="en-US"/>
           </a:p>
         </p:txBody>
       </p:sp>
     </p:spTree>
     <p:extLst>
       <p:ext uri="{BB962C8B-B14F-4D97-AF65-F5344CB8AC3E}">
-        <p14:creationId xmlns:p14="http://schemas.microsoft.com/office/powerpoint/2010/main" val="3680248309"/>
+        <p14:creationId xmlns:p14="http://schemas.microsoft.com/office/powerpoint/2010/main" val="2814449868"/>
       </p:ext>
     </p:extLst>
   </p:cSld>
@@ -1294,7 +1283,7 @@
     </p:spTree>
     <p:extLst>
       <p:ext uri="{BB962C8B-B14F-4D97-AF65-F5344CB8AC3E}">
-        <p14:creationId xmlns:p14="http://schemas.microsoft.com/office/powerpoint/2010/main" val="3445762307"/>
+        <p14:creationId xmlns:p14="http://schemas.microsoft.com/office/powerpoint/2010/main" val="3680248309"/>
       </p:ext>
     </p:extLst>
   </p:cSld>
@@ -1409,50 +1398,14 @@
           <a:bodyPr/>
           <a:lstStyle/>
           <a:p>
-            <a:r>
-              <a:rPr lang="en-US" altLang="zh-CN" dirty="0"/>
-              <a:t>easy</a:t>
-            </a:r>
-          </a:p>
-          <a:p>
-            <a:pPr lvl="1"/>
-            <a:r>
-              <a:rPr lang="en-US" altLang="zh-CN" dirty="0"/>
-              <a:t>https://www.codewars.com/kata/50654ddff44f800200000004/train/python</a:t>
-            </a:r>
-          </a:p>
-          <a:p>
-            <a:r>
-              <a:rPr lang="en-US" altLang="zh-CN" dirty="0"/>
-              <a:t>normal</a:t>
-            </a:r>
-          </a:p>
-          <a:p>
-            <a:pPr lvl="1"/>
-            <a:r>
-              <a:rPr lang="en-US" altLang="zh-CN" dirty="0"/>
-              <a:t>https://www.codewars.com/kata/55c6126177c9441a570000cc/python</a:t>
-            </a:r>
-          </a:p>
-          <a:p>
-            <a:r>
-              <a:rPr lang="en-US" altLang="zh-CN" dirty="0"/>
-              <a:t>hard</a:t>
-            </a:r>
-          </a:p>
-          <a:p>
-            <a:pPr lvl="1"/>
-            <a:endParaRPr lang="en-US" altLang="zh-CN" dirty="0"/>
-          </a:p>
-          <a:p>
-            <a:endParaRPr lang="zh-CN" altLang="en-US" dirty="0"/>
+            <a:endParaRPr lang="zh-CN" altLang="en-US"/>
           </a:p>
         </p:txBody>
       </p:sp>
     </p:spTree>
     <p:extLst>
       <p:ext uri="{BB962C8B-B14F-4D97-AF65-F5344CB8AC3E}">
-        <p14:creationId xmlns:p14="http://schemas.microsoft.com/office/powerpoint/2010/main" val="845981069"/>
+        <p14:creationId xmlns:p14="http://schemas.microsoft.com/office/powerpoint/2010/main" val="2030895568"/>
       </p:ext>
     </p:extLst>
   </p:cSld>
@@ -1620,7 +1573,7 @@
           <a:p>
             <a:fld id="{4BAE99F5-F74F-450B-8692-DAF4B8A40DD8}" type="slidenum">
               <a:rPr lang="zh-CN" altLang="en-US" smtClean="0"/>
-              <a:t>9</a:t>
+              <a:t>7</a:t>
             </a:fld>
             <a:endParaRPr lang="zh-CN" altLang="en-US"/>
           </a:p>
@@ -1791,6 +1744,98 @@
             <p:ph type="sldImg"/>
           </p:nvPr>
         </p:nvSpPr>
+        <p:spPr/>
+      </p:sp>
+      <p:sp>
+        <p:nvSpPr>
+          <p:cNvPr id="3" name="备注占位符 2"/>
+          <p:cNvSpPr>
+            <a:spLocks noGrp="1"/>
+          </p:cNvSpPr>
+          <p:nvPr>
+            <p:ph type="body" idx="1"/>
+          </p:nvPr>
+        </p:nvSpPr>
+        <p:spPr/>
+        <p:txBody>
+          <a:bodyPr/>
+          <a:lstStyle/>
+          <a:p>
+            <a:r>
+              <a:rPr lang="en-US" altLang="zh-CN" dirty="0"/>
+              <a:t>GIL</a:t>
+            </a:r>
+            <a:r>
+              <a:rPr lang="zh-CN" altLang="en-US" dirty="0"/>
+              <a:t>： </a:t>
+            </a:r>
+            <a:r>
+              <a:rPr lang="en-US" altLang="zh-CN" dirty="0"/>
+              <a:t>global interpreter lock</a:t>
+            </a:r>
+            <a:r>
+              <a:rPr lang="zh-CN" altLang="en-US" dirty="0"/>
+              <a:t>使得</a:t>
+            </a:r>
+            <a:r>
+              <a:rPr lang="en-US" altLang="zh-CN" dirty="0"/>
+              <a:t>python</a:t>
+            </a:r>
+            <a:r>
+              <a:rPr lang="zh-CN" altLang="en-US" dirty="0"/>
+              <a:t>程序实际上不能并发运行，无法利用</a:t>
+            </a:r>
+            <a:r>
+              <a:rPr lang="en-US" altLang="zh-CN" dirty="0"/>
+              <a:t>CPU</a:t>
+            </a:r>
+            <a:r>
+              <a:rPr lang="zh-CN" altLang="en-US" dirty="0"/>
+              <a:t>多核</a:t>
+            </a:r>
+          </a:p>
+        </p:txBody>
+      </p:sp>
+    </p:spTree>
+    <p:extLst>
+      <p:ext uri="{BB962C8B-B14F-4D97-AF65-F5344CB8AC3E}">
+        <p14:creationId xmlns:p14="http://schemas.microsoft.com/office/powerpoint/2010/main" val="439870078"/>
+      </p:ext>
+    </p:extLst>
+  </p:cSld>
+  <p:clrMapOvr>
+    <a:masterClrMapping/>
+  </p:clrMapOvr>
+</p:notes>
+</file>
+
+<file path=ppt/notesSlides/notesSlide7.xml><?xml version="1.0" encoding="utf-8"?>
+<p:notes xmlns:a="http://schemas.openxmlformats.org/drawingml/2006/main" xmlns:r="http://schemas.openxmlformats.org/officeDocument/2006/relationships" xmlns:p="http://schemas.openxmlformats.org/presentationml/2006/main">
+  <p:cSld>
+    <p:spTree>
+      <p:nvGrpSpPr>
+        <p:cNvPr id="1" name=""/>
+        <p:cNvGrpSpPr/>
+        <p:nvPr/>
+      </p:nvGrpSpPr>
+      <p:grpSpPr>
+        <a:xfrm>
+          <a:off x="0" y="0"/>
+          <a:ext cx="0" cy="0"/>
+          <a:chOff x="0" y="0"/>
+          <a:chExt cx="0" cy="0"/>
+        </a:xfrm>
+      </p:grpSpPr>
+      <p:sp>
+        <p:nvSpPr>
+          <p:cNvPr id="2" name="幻灯片图像占位符 1"/>
+          <p:cNvSpPr>
+            <a:spLocks noGrp="1" noRot="1" noChangeAspect="1"/>
+          </p:cNvSpPr>
+          <p:nvPr>
+            <p:ph type="sldImg"/>
+          </p:nvPr>
+        </p:nvSpPr>
         <p:spPr>
           <a:xfrm>
             <a:off x="1143000" y="685800"/>
@@ -1976,7 +2021,7 @@
           <a:p>
             <a:fld id="{4BAE99F5-F74F-450B-8692-DAF4B8A40DD8}" type="slidenum">
               <a:rPr lang="zh-CN" altLang="en-US" smtClean="0"/>
-              <a:t>13</a:t>
+              <a:t>11</a:t>
             </a:fld>
             <a:endParaRPr lang="zh-CN" altLang="en-US"/>
           </a:p>
@@ -1986,98 +2031,6 @@
     <p:extLst>
       <p:ext uri="{BB962C8B-B14F-4D97-AF65-F5344CB8AC3E}">
         <p14:creationId xmlns:p14="http://schemas.microsoft.com/office/powerpoint/2010/main" val="1768938917"/>
-      </p:ext>
-    </p:extLst>
-  </p:cSld>
-  <p:clrMapOvr>
-    <a:masterClrMapping/>
-  </p:clrMapOvr>
-</p:notes>
-</file>
-
-<file path=ppt/notesSlides/notesSlide7.xml><?xml version="1.0" encoding="utf-8"?>
-<p:notes xmlns:a="http://schemas.openxmlformats.org/drawingml/2006/main" xmlns:r="http://schemas.openxmlformats.org/officeDocument/2006/relationships" xmlns:p="http://schemas.openxmlformats.org/presentationml/2006/main">
-  <p:cSld>
-    <p:spTree>
-      <p:nvGrpSpPr>
-        <p:cNvPr id="1" name=""/>
-        <p:cNvGrpSpPr/>
-        <p:nvPr/>
-      </p:nvGrpSpPr>
-      <p:grpSpPr>
-        <a:xfrm>
-          <a:off x="0" y="0"/>
-          <a:ext cx="0" cy="0"/>
-          <a:chOff x="0" y="0"/>
-          <a:chExt cx="0" cy="0"/>
-        </a:xfrm>
-      </p:grpSpPr>
-      <p:sp>
-        <p:nvSpPr>
-          <p:cNvPr id="2" name="幻灯片图像占位符 1"/>
-          <p:cNvSpPr>
-            <a:spLocks noGrp="1" noRot="1" noChangeAspect="1"/>
-          </p:cNvSpPr>
-          <p:nvPr>
-            <p:ph type="sldImg"/>
-          </p:nvPr>
-        </p:nvSpPr>
-        <p:spPr/>
-      </p:sp>
-      <p:sp>
-        <p:nvSpPr>
-          <p:cNvPr id="3" name="备注占位符 2"/>
-          <p:cNvSpPr>
-            <a:spLocks noGrp="1"/>
-          </p:cNvSpPr>
-          <p:nvPr>
-            <p:ph type="body" idx="1"/>
-          </p:nvPr>
-        </p:nvSpPr>
-        <p:spPr/>
-        <p:txBody>
-          <a:bodyPr/>
-          <a:lstStyle/>
-          <a:p>
-            <a:r>
-              <a:rPr lang="en-US" altLang="zh-CN" dirty="0"/>
-              <a:t>GIL</a:t>
-            </a:r>
-            <a:r>
-              <a:rPr lang="zh-CN" altLang="en-US" dirty="0"/>
-              <a:t>： </a:t>
-            </a:r>
-            <a:r>
-              <a:rPr lang="en-US" altLang="zh-CN" dirty="0"/>
-              <a:t>global interpreter lock</a:t>
-            </a:r>
-            <a:r>
-              <a:rPr lang="zh-CN" altLang="en-US" dirty="0"/>
-              <a:t>使得</a:t>
-            </a:r>
-            <a:r>
-              <a:rPr lang="en-US" altLang="zh-CN" dirty="0"/>
-              <a:t>python</a:t>
-            </a:r>
-            <a:r>
-              <a:rPr lang="zh-CN" altLang="en-US" dirty="0"/>
-              <a:t>程序实际上不能并发运行，无法利用</a:t>
-            </a:r>
-            <a:r>
-              <a:rPr lang="en-US" altLang="zh-CN" dirty="0"/>
-              <a:t>CPU</a:t>
-            </a:r>
-            <a:r>
-              <a:rPr lang="zh-CN" altLang="en-US" dirty="0"/>
-              <a:t>多核</a:t>
-            </a:r>
-          </a:p>
-        </p:txBody>
-      </p:sp>
-    </p:spTree>
-    <p:extLst>
-      <p:ext uri="{BB962C8B-B14F-4D97-AF65-F5344CB8AC3E}">
-        <p14:creationId xmlns:p14="http://schemas.microsoft.com/office/powerpoint/2010/main" val="439870078"/>
       </p:ext>
     </p:extLst>
   </p:cSld>
@@ -2288,7 +2241,7 @@
           <a:p>
             <a:fld id="{4BAE99F5-F74F-450B-8692-DAF4B8A40DD8}" type="slidenum">
               <a:rPr lang="zh-CN" altLang="en-US" smtClean="0"/>
-              <a:t>25</a:t>
+              <a:t>22</a:t>
             </a:fld>
             <a:endParaRPr lang="zh-CN" altLang="en-US"/>
           </a:p>
@@ -2986,7 +2939,7 @@
           <a:p>
             <a:fld id="{581A783B-FA21-427C-BB1F-F00F1D0FC79B}" type="datetime1">
               <a:rPr lang="zh-CN" altLang="en-US" smtClean="0"/>
-              <a:t>2023/8/27</a:t>
+              <a:t>2024/2/27</a:t>
             </a:fld>
             <a:endParaRPr lang="en-US"/>
           </a:p>
@@ -3283,7 +3236,7 @@
           <a:p>
             <a:fld id="{92C6830D-5A2E-4233-93B1-0D08F65EB96A}" type="datetime1">
               <a:rPr lang="zh-CN" altLang="en-US" smtClean="0"/>
-              <a:t>2023/8/27</a:t>
+              <a:t>2024/2/27</a:t>
             </a:fld>
             <a:endParaRPr lang="en-US"/>
           </a:p>
@@ -5109,7 +5062,7 @@
       </p:grpSpPr>
       <p:sp>
         <p:nvSpPr>
-          <p:cNvPr id="2" name="标题 1"/>
+          <p:cNvPr id="4" name="标题 3"/>
           <p:cNvSpPr>
             <a:spLocks noGrp="1"/>
           </p:cNvSpPr>
@@ -5119,8 +5072,8 @@
         </p:nvSpPr>
         <p:spPr>
           <a:xfrm>
-            <a:off x="2195736" y="764373"/>
-            <a:ext cx="6353904" cy="1080451"/>
+            <a:off x="1547664" y="764373"/>
+            <a:ext cx="7001976" cy="1293028"/>
           </a:xfrm>
         </p:spPr>
         <p:txBody>
@@ -5128,88 +5081,237 @@
           <a:lstStyle/>
           <a:p>
             <a:r>
-              <a:rPr lang="en-US" altLang="zh-CN" dirty="0">
-                <a:solidFill>
-                  <a:srgbClr val="0079BF"/>
-                </a:solidFill>
-                <a:latin typeface="Roboto" panose="020B0604020202020204" pitchFamily="2" charset="0"/>
-              </a:rPr>
-              <a:t>TIOBE Index</a:t>
-            </a:r>
+              <a:rPr lang="en-US" altLang="zh-CN"/>
+              <a:t>Python</a:t>
+            </a:r>
+            <a:r>
+              <a:rPr lang="zh-CN" altLang="en-US"/>
+              <a:t>语言的优点和缺点</a:t>
+            </a:r>
+          </a:p>
+        </p:txBody>
+      </p:sp>
+      <p:sp>
+        <p:nvSpPr>
+          <p:cNvPr id="5" name="内容占位符 4"/>
+          <p:cNvSpPr>
+            <a:spLocks noGrp="1"/>
+          </p:cNvSpPr>
+          <p:nvPr>
+            <p:ph sz="half" idx="1"/>
+          </p:nvPr>
+        </p:nvSpPr>
+        <p:spPr>
+          <a:xfrm>
+            <a:off x="561230" y="2168055"/>
+            <a:ext cx="3910579" cy="4069080"/>
+          </a:xfrm>
+        </p:spPr>
+        <p:txBody>
+          <a:bodyPr/>
+          <a:lstStyle/>
+          <a:p>
+            <a:pPr>
+              <a:lnSpc>
+                <a:spcPct val="120000"/>
+              </a:lnSpc>
+            </a:pPr>
+            <a:r>
+              <a:rPr lang="zh-CN" altLang="en-US" sz="2400" dirty="0"/>
+              <a:t>优点：</a:t>
+            </a:r>
+            <a:endParaRPr lang="en-US" altLang="zh-CN" sz="2400" dirty="0"/>
+          </a:p>
+          <a:p>
+            <a:pPr lvl="1">
+              <a:lnSpc>
+                <a:spcPct val="120000"/>
+              </a:lnSpc>
+            </a:pPr>
+            <a:r>
+              <a:rPr lang="zh-CN" altLang="en-US" sz="2200" dirty="0"/>
+              <a:t>全能的语言</a:t>
+            </a:r>
+            <a:endParaRPr lang="en-US" altLang="zh-CN" sz="2200" dirty="0"/>
+          </a:p>
+          <a:p>
+            <a:pPr lvl="1">
+              <a:lnSpc>
+                <a:spcPct val="120000"/>
+              </a:lnSpc>
+            </a:pPr>
+            <a:r>
+              <a:rPr lang="zh-CN" altLang="en-US" sz="2200" dirty="0"/>
+              <a:t>易于理解和使用</a:t>
+            </a:r>
+            <a:endParaRPr lang="en-US" altLang="zh-CN" sz="2200" dirty="0"/>
+          </a:p>
+          <a:p>
+            <a:pPr lvl="1">
+              <a:lnSpc>
+                <a:spcPct val="120000"/>
+              </a:lnSpc>
+            </a:pPr>
+            <a:r>
+              <a:rPr lang="zh-CN" altLang="en-US" sz="2200" dirty="0"/>
+              <a:t>活跃的开源社区</a:t>
+            </a:r>
+            <a:endParaRPr lang="en-US" altLang="zh-CN" sz="2200" dirty="0"/>
+          </a:p>
+          <a:p>
+            <a:pPr lvl="1">
+              <a:lnSpc>
+                <a:spcPct val="120000"/>
+              </a:lnSpc>
+            </a:pPr>
+            <a:r>
+              <a:rPr lang="zh-CN" altLang="en-US" sz="2200" dirty="0"/>
+              <a:t>丰富的软件库</a:t>
+            </a:r>
+            <a:endParaRPr lang="en-US" altLang="zh-CN" sz="2200" dirty="0"/>
+          </a:p>
+          <a:p>
+            <a:pPr lvl="1">
+              <a:lnSpc>
+                <a:spcPct val="120000"/>
+              </a:lnSpc>
+            </a:pPr>
+            <a:r>
+              <a:rPr lang="zh-CN" altLang="en-US" sz="2200" dirty="0"/>
+              <a:t>非常合适用于开发原型</a:t>
+            </a:r>
+            <a:endParaRPr lang="en-US" altLang="zh-CN" sz="2200" dirty="0"/>
+          </a:p>
+          <a:p>
+            <a:pPr lvl="1">
+              <a:lnSpc>
+                <a:spcPct val="120000"/>
+              </a:lnSpc>
+            </a:pPr>
+            <a:r>
+              <a:rPr lang="zh-CN" altLang="en-US" sz="2200" dirty="0"/>
+              <a:t>生产力高</a:t>
+            </a:r>
+            <a:endParaRPr lang="en-US" altLang="zh-CN" sz="2200" dirty="0"/>
+          </a:p>
+          <a:p>
+            <a:pPr lvl="1"/>
             <a:endParaRPr lang="zh-CN" altLang="en-US" dirty="0"/>
           </a:p>
         </p:txBody>
       </p:sp>
-      <p:pic>
-        <p:nvPicPr>
-          <p:cNvPr id="1026" name="Picture 2"/>
-          <p:cNvPicPr>
-            <a:picLocks noGrp="1" noChangeAspect="1" noChangeArrowheads="1"/>
-          </p:cNvPicPr>
-          <p:nvPr>
-            <p:ph idx="1"/>
-          </p:nvPr>
-        </p:nvPicPr>
-        <p:blipFill>
-          <a:blip r:embed="rId3">
-            <a:extLst>
-              <a:ext uri="{28A0092B-C50C-407E-A947-70E740481C1C}">
-                <a14:useLocalDpi xmlns:a14="http://schemas.microsoft.com/office/drawing/2010/main" val="0"/>
-              </a:ext>
-            </a:extLst>
-          </a:blip>
-          <a:srcRect/>
-          <a:stretch>
-            <a:fillRect/>
-          </a:stretch>
-        </p:blipFill>
-        <p:spPr bwMode="auto">
+      <p:sp>
+        <p:nvSpPr>
+          <p:cNvPr id="6" name="内容占位符 5"/>
+          <p:cNvSpPr>
+            <a:spLocks noGrp="1"/>
+          </p:cNvSpPr>
+          <p:nvPr>
+            <p:ph sz="half" idx="2"/>
+          </p:nvPr>
+        </p:nvSpPr>
+        <p:spPr>
           <a:xfrm>
-            <a:off x="179512" y="1772816"/>
-            <a:ext cx="8765116" cy="4824536"/>
+            <a:off x="4459357" y="2194560"/>
+            <a:ext cx="4505131" cy="4153229"/>
           </a:xfrm>
-          <a:prstGeom prst="rect">
-            <a:avLst/>
-          </a:prstGeom>
-          <a:noFill/>
-          <a:ln>
-            <a:noFill/>
-          </a:ln>
-          <a:effectLst/>
-          <a:extLst>
-            <a:ext uri="{909E8E84-426E-40DD-AFC4-6F175D3DCCD1}">
-              <a14:hiddenFill xmlns:a14="http://schemas.microsoft.com/office/drawing/2010/main">
-                <a:solidFill>
-                  <a:schemeClr val="accent1"/>
-                </a:solidFill>
-              </a14:hiddenFill>
-            </a:ext>
-            <a:ext uri="{91240B29-F687-4F45-9708-019B960494DF}">
-              <a14:hiddenLine xmlns:a14="http://schemas.microsoft.com/office/drawing/2010/main" w="9525">
-                <a:solidFill>
-                  <a:schemeClr val="tx1"/>
-                </a:solidFill>
-                <a:miter lim="800000"/>
-                <a:headEnd/>
-                <a:tailEnd/>
-              </a14:hiddenLine>
-            </a:ext>
-            <a:ext uri="{AF507438-7753-43E0-B8FC-AC1667EBCBE1}">
-              <a14:hiddenEffects xmlns:a14="http://schemas.microsoft.com/office/drawing/2010/main">
-                <a:effectLst>
-                  <a:outerShdw dist="35921" dir="2700000" algn="ctr" rotWithShape="0">
-                    <a:schemeClr val="bg2"/>
-                  </a:outerShdw>
-                </a:effectLst>
-              </a14:hiddenEffects>
-            </a:ext>
-          </a:extLst>
         </p:spPr>
-      </p:pic>
+        <p:txBody>
+          <a:bodyPr/>
+          <a:lstStyle/>
+          <a:p>
+            <a:r>
+              <a:rPr lang="zh-CN" altLang="en-US" sz="2400" dirty="0"/>
+              <a:t>缺点：</a:t>
+            </a:r>
+            <a:endParaRPr lang="en-US" altLang="zh-CN" sz="2400" dirty="0"/>
+          </a:p>
+          <a:p>
+            <a:pPr lvl="1">
+              <a:lnSpc>
+                <a:spcPct val="120000"/>
+              </a:lnSpc>
+            </a:pPr>
+            <a:r>
+              <a:rPr lang="zh-CN" altLang="en-US" sz="2200" dirty="0"/>
+              <a:t>性能相对较差</a:t>
+            </a:r>
+            <a:endParaRPr lang="en-US" altLang="zh-CN" sz="2200" dirty="0"/>
+          </a:p>
+          <a:p>
+            <a:pPr lvl="1">
+              <a:lnSpc>
+                <a:spcPct val="120000"/>
+              </a:lnSpc>
+            </a:pPr>
+            <a:r>
+              <a:rPr lang="zh-CN" altLang="en-US" sz="2200" dirty="0"/>
+              <a:t>多线程的问题</a:t>
+            </a:r>
+            <a:endParaRPr lang="en-US" altLang="zh-CN" sz="2200" dirty="0"/>
+          </a:p>
+          <a:p>
+            <a:pPr lvl="1">
+              <a:lnSpc>
+                <a:spcPct val="120000"/>
+              </a:lnSpc>
+            </a:pPr>
+            <a:r>
+              <a:rPr lang="zh-CN" altLang="en-US" sz="2200" dirty="0"/>
+              <a:t>不能用于开发原生移动应用</a:t>
+            </a:r>
+            <a:endParaRPr lang="en-US" altLang="zh-CN" sz="2200" dirty="0"/>
+          </a:p>
+          <a:p>
+            <a:pPr lvl="1">
+              <a:lnSpc>
+                <a:spcPct val="120000"/>
+              </a:lnSpc>
+            </a:pPr>
+            <a:r>
+              <a:rPr lang="zh-CN" altLang="en-US" sz="2200" dirty="0"/>
+              <a:t>内存消耗相对较大</a:t>
+            </a:r>
+            <a:endParaRPr lang="en-US" altLang="zh-CN" sz="2200" dirty="0"/>
+          </a:p>
+          <a:p>
+            <a:pPr lvl="1">
+              <a:lnSpc>
+                <a:spcPct val="120000"/>
+              </a:lnSpc>
+            </a:pPr>
+            <a:endParaRPr lang="en-US" altLang="zh-CN" dirty="0"/>
+          </a:p>
+          <a:p>
+            <a:pPr lvl="1">
+              <a:lnSpc>
+                <a:spcPct val="120000"/>
+              </a:lnSpc>
+            </a:pPr>
+            <a:endParaRPr lang="en-US" altLang="zh-CN" dirty="0"/>
+          </a:p>
+          <a:p>
+            <a:pPr lvl="1">
+              <a:lnSpc>
+                <a:spcPct val="120000"/>
+              </a:lnSpc>
+            </a:pPr>
+            <a:endParaRPr lang="en-US" altLang="zh-CN" dirty="0"/>
+          </a:p>
+          <a:p>
+            <a:pPr lvl="1"/>
+            <a:endParaRPr lang="en-US" altLang="zh-CN" dirty="0"/>
+          </a:p>
+          <a:p>
+            <a:pPr lvl="1"/>
+            <a:endParaRPr lang="zh-CN" altLang="en-US" dirty="0"/>
+          </a:p>
+        </p:txBody>
+      </p:sp>
     </p:spTree>
     <p:extLst>
       <p:ext uri="{BB962C8B-B14F-4D97-AF65-F5344CB8AC3E}">
-        <p14:creationId xmlns:p14="http://schemas.microsoft.com/office/powerpoint/2010/main" val="3539566927"/>
+        <p14:creationId xmlns:p14="http://schemas.microsoft.com/office/powerpoint/2010/main" val="1509325689"/>
       </p:ext>
     </p:extLst>
   </p:cSld>
@@ -5220,264 +5322,6 @@
 </file>
 
 <file path=ppt/slides/slide11.xml><?xml version="1.0" encoding="utf-8"?>
-<p:sld xmlns:a="http://schemas.openxmlformats.org/drawingml/2006/main" xmlns:r="http://schemas.openxmlformats.org/officeDocument/2006/relationships" xmlns:p="http://schemas.openxmlformats.org/presentationml/2006/main">
-  <p:cSld>
-    <p:spTree>
-      <p:nvGrpSpPr>
-        <p:cNvPr id="1" name=""/>
-        <p:cNvGrpSpPr/>
-        <p:nvPr/>
-      </p:nvGrpSpPr>
-      <p:grpSpPr>
-        <a:xfrm>
-          <a:off x="0" y="0"/>
-          <a:ext cx="0" cy="0"/>
-          <a:chOff x="0" y="0"/>
-          <a:chExt cx="0" cy="0"/>
-        </a:xfrm>
-      </p:grpSpPr>
-      <p:sp>
-        <p:nvSpPr>
-          <p:cNvPr id="2" name="标题 1"/>
-          <p:cNvSpPr>
-            <a:spLocks noGrp="1"/>
-          </p:cNvSpPr>
-          <p:nvPr>
-            <p:ph type="title"/>
-          </p:nvPr>
-        </p:nvSpPr>
-        <p:spPr>
-          <a:xfrm>
-            <a:off x="2555776" y="116632"/>
-            <a:ext cx="6425912" cy="720079"/>
-          </a:xfrm>
-        </p:spPr>
-        <p:txBody>
-          <a:bodyPr/>
-          <a:lstStyle/>
-          <a:p>
-            <a:r>
-              <a:rPr lang="en-US" altLang="zh-CN"/>
-              <a:t>Why PHYON? </a:t>
-            </a:r>
-            <a:endParaRPr lang="zh-CN" altLang="en-US"/>
-          </a:p>
-        </p:txBody>
-      </p:sp>
-      <p:pic>
-        <p:nvPicPr>
-          <p:cNvPr id="2050" name="Picture 2" descr="C:\微云同步助手\19软件Python\媒体\FEPIe-MXsAoVv_w.jpg"/>
-          <p:cNvPicPr>
-            <a:picLocks noGrp="1" noChangeAspect="1" noChangeArrowheads="1"/>
-          </p:cNvPicPr>
-          <p:nvPr>
-            <p:ph idx="1"/>
-          </p:nvPr>
-        </p:nvPicPr>
-        <p:blipFill>
-          <a:blip r:embed="rId2" cstate="print">
-            <a:extLst>
-              <a:ext uri="{28A0092B-C50C-407E-A947-70E740481C1C}">
-                <a14:useLocalDpi xmlns:a14="http://schemas.microsoft.com/office/drawing/2010/main" val="0"/>
-              </a:ext>
-            </a:extLst>
-          </a:blip>
-          <a:srcRect/>
-          <a:stretch>
-            <a:fillRect/>
-          </a:stretch>
-        </p:blipFill>
-        <p:spPr bwMode="auto">
-          <a:xfrm>
-            <a:off x="1851285" y="795576"/>
-            <a:ext cx="5161796" cy="6062423"/>
-          </a:xfrm>
-          <a:prstGeom prst="rect">
-            <a:avLst/>
-          </a:prstGeom>
-          <a:noFill/>
-          <a:extLst>
-            <a:ext uri="{909E8E84-426E-40DD-AFC4-6F175D3DCCD1}">
-              <a14:hiddenFill xmlns:a14="http://schemas.microsoft.com/office/drawing/2010/main">
-                <a:solidFill>
-                  <a:srgbClr val="FFFFFF"/>
-                </a:solidFill>
-              </a14:hiddenFill>
-            </a:ext>
-          </a:extLst>
-        </p:spPr>
-      </p:pic>
-    </p:spTree>
-    <p:extLst>
-      <p:ext uri="{BB962C8B-B14F-4D97-AF65-F5344CB8AC3E}">
-        <p14:creationId xmlns:p14="http://schemas.microsoft.com/office/powerpoint/2010/main" val="1613745871"/>
-      </p:ext>
-    </p:extLst>
-  </p:cSld>
-  <p:clrMapOvr>
-    <a:masterClrMapping/>
-  </p:clrMapOvr>
-</p:sld>
-</file>
-
-<file path=ppt/slides/slide12.xml><?xml version="1.0" encoding="utf-8"?>
-<p:sld xmlns:a="http://schemas.openxmlformats.org/drawingml/2006/main" xmlns:r="http://schemas.openxmlformats.org/officeDocument/2006/relationships" xmlns:p="http://schemas.openxmlformats.org/presentationml/2006/main">
-  <p:cSld>
-    <p:spTree>
-      <p:nvGrpSpPr>
-        <p:cNvPr id="1" name=""/>
-        <p:cNvGrpSpPr/>
-        <p:nvPr/>
-      </p:nvGrpSpPr>
-      <p:grpSpPr>
-        <a:xfrm>
-          <a:off x="0" y="0"/>
-          <a:ext cx="0" cy="0"/>
-          <a:chOff x="0" y="0"/>
-          <a:chExt cx="0" cy="0"/>
-        </a:xfrm>
-      </p:grpSpPr>
-      <p:sp>
-        <p:nvSpPr>
-          <p:cNvPr id="2" name="标题 1"/>
-          <p:cNvSpPr>
-            <a:spLocks noGrp="1"/>
-          </p:cNvSpPr>
-          <p:nvPr>
-            <p:ph type="title"/>
-          </p:nvPr>
-        </p:nvSpPr>
-        <p:spPr/>
-        <p:txBody>
-          <a:bodyPr/>
-          <a:lstStyle/>
-          <a:p>
-            <a:r>
-              <a:rPr lang="en-US" altLang="zh-CN"/>
-              <a:t>Python</a:t>
-            </a:r>
-            <a:r>
-              <a:rPr lang="zh-CN" altLang="en-US"/>
-              <a:t>语言可以做什么？</a:t>
-            </a:r>
-          </a:p>
-        </p:txBody>
-      </p:sp>
-      <p:sp>
-        <p:nvSpPr>
-          <p:cNvPr id="3" name="内容占位符 2"/>
-          <p:cNvSpPr>
-            <a:spLocks noGrp="1"/>
-          </p:cNvSpPr>
-          <p:nvPr>
-            <p:ph idx="1"/>
-          </p:nvPr>
-        </p:nvSpPr>
-        <p:spPr>
-          <a:xfrm>
-            <a:off x="323528" y="1628800"/>
-            <a:ext cx="8099296" cy="4536504"/>
-          </a:xfrm>
-        </p:spPr>
-        <p:txBody>
-          <a:bodyPr>
-            <a:normAutofit/>
-          </a:bodyPr>
-          <a:lstStyle/>
-          <a:p>
-            <a:r>
-              <a:rPr lang="zh-CN" altLang="en-US" dirty="0"/>
-              <a:t>数据科学</a:t>
-            </a:r>
-            <a:endParaRPr lang="en-US" altLang="zh-CN" dirty="0"/>
-          </a:p>
-          <a:p>
-            <a:r>
-              <a:rPr lang="zh-CN" altLang="en-US" dirty="0"/>
-              <a:t>人工智能</a:t>
-            </a:r>
-            <a:endParaRPr lang="en-US" altLang="zh-CN" dirty="0"/>
-          </a:p>
-          <a:p>
-            <a:r>
-              <a:rPr lang="zh-CN" altLang="en-US" dirty="0"/>
-              <a:t>科学运算</a:t>
-            </a:r>
-            <a:endParaRPr lang="en-US" altLang="zh-CN" dirty="0"/>
-          </a:p>
-          <a:p>
-            <a:r>
-              <a:rPr lang="en-US" altLang="zh-CN" dirty="0"/>
-              <a:t>Web</a:t>
-            </a:r>
-            <a:r>
-              <a:rPr lang="zh-CN" altLang="en-US" dirty="0"/>
-              <a:t>应用开发</a:t>
-            </a:r>
-            <a:r>
-              <a:rPr lang="en-US" altLang="zh-CN" dirty="0"/>
-              <a:t>(Django)</a:t>
-            </a:r>
-          </a:p>
-          <a:p>
-            <a:r>
-              <a:rPr lang="zh-CN" altLang="en-US" dirty="0"/>
-              <a:t>命令行程序</a:t>
-            </a:r>
-            <a:endParaRPr lang="en-US" altLang="zh-CN" dirty="0"/>
-          </a:p>
-          <a:p>
-            <a:r>
-              <a:rPr lang="zh-CN" altLang="en-US" dirty="0"/>
-              <a:t>网络爬虫</a:t>
-            </a:r>
-            <a:endParaRPr lang="en-US" altLang="zh-CN" dirty="0"/>
-          </a:p>
-          <a:p>
-            <a:r>
-              <a:rPr lang="zh-CN" altLang="en-US" dirty="0"/>
-              <a:t>嵌入式开发（</a:t>
-            </a:r>
-            <a:r>
-              <a:rPr lang="en-US" altLang="zh-CN" dirty="0" err="1"/>
-              <a:t>MicroPython</a:t>
-            </a:r>
-            <a:r>
-              <a:rPr lang="zh-CN" altLang="en-US" dirty="0"/>
-              <a:t>）</a:t>
-            </a:r>
-            <a:endParaRPr lang="en-US" altLang="zh-CN" dirty="0"/>
-          </a:p>
-          <a:p>
-            <a:r>
-              <a:rPr lang="zh-CN" altLang="en-US" dirty="0"/>
-              <a:t>游戏开发（</a:t>
-            </a:r>
-            <a:r>
-              <a:rPr lang="en-US" altLang="zh-CN" dirty="0"/>
-              <a:t>Pygame</a:t>
-            </a:r>
-            <a:r>
-              <a:rPr lang="zh-CN" altLang="en-US" dirty="0"/>
-              <a:t>）</a:t>
-            </a:r>
-          </a:p>
-        </p:txBody>
-      </p:sp>
-    </p:spTree>
-    <p:extLst>
-      <p:ext uri="{BB962C8B-B14F-4D97-AF65-F5344CB8AC3E}">
-        <p14:creationId xmlns:p14="http://schemas.microsoft.com/office/powerpoint/2010/main" val="4040546639"/>
-      </p:ext>
-    </p:extLst>
-  </p:cSld>
-  <p:clrMapOvr>
-    <a:masterClrMapping/>
-  </p:clrMapOvr>
-</p:sld>
-</file>
-
-<file path=ppt/slides/slide13.xml><?xml version="1.0" encoding="utf-8"?>
 <p:sld xmlns:a="http://schemas.openxmlformats.org/drawingml/2006/main" xmlns:r="http://schemas.openxmlformats.org/officeDocument/2006/relationships" xmlns:p="http://schemas.openxmlformats.org/presentationml/2006/main">
   <p:cSld>
     <p:spTree>
@@ -5670,6 +5514,373 @@
 </p:sld>
 </file>
 
+<file path=ppt/slides/slide12.xml><?xml version="1.0" encoding="utf-8"?>
+<p:sld xmlns:a="http://schemas.openxmlformats.org/drawingml/2006/main" xmlns:r="http://schemas.openxmlformats.org/officeDocument/2006/relationships" xmlns:p="http://schemas.openxmlformats.org/presentationml/2006/main">
+  <p:cSld>
+    <p:spTree>
+      <p:nvGrpSpPr>
+        <p:cNvPr id="1" name=""/>
+        <p:cNvGrpSpPr/>
+        <p:nvPr/>
+      </p:nvGrpSpPr>
+      <p:grpSpPr>
+        <a:xfrm>
+          <a:off x="0" y="0"/>
+          <a:ext cx="0" cy="0"/>
+          <a:chOff x="0" y="0"/>
+          <a:chExt cx="0" cy="0"/>
+        </a:xfrm>
+      </p:grpSpPr>
+      <p:sp>
+        <p:nvSpPr>
+          <p:cNvPr id="2" name="标题 1"/>
+          <p:cNvSpPr>
+            <a:spLocks noGrp="1"/>
+          </p:cNvSpPr>
+          <p:nvPr>
+            <p:ph type="title"/>
+          </p:nvPr>
+        </p:nvSpPr>
+        <p:spPr/>
+        <p:txBody>
+          <a:bodyPr/>
+          <a:lstStyle/>
+          <a:p>
+            <a:r>
+              <a:rPr lang="zh-CN" altLang="en-US"/>
+              <a:t>如何解决</a:t>
+            </a:r>
+            <a:r>
+              <a:rPr lang="en-US" altLang="zh-CN"/>
+              <a:t>Python</a:t>
+            </a:r>
+            <a:r>
+              <a:rPr lang="zh-CN" altLang="en-US"/>
+              <a:t>语言的性能问题</a:t>
+            </a:r>
+          </a:p>
+        </p:txBody>
+      </p:sp>
+      <p:sp>
+        <p:nvSpPr>
+          <p:cNvPr id="3" name="内容占位符 2"/>
+          <p:cNvSpPr>
+            <a:spLocks noGrp="1"/>
+          </p:cNvSpPr>
+          <p:nvPr>
+            <p:ph idx="1"/>
+          </p:nvPr>
+        </p:nvSpPr>
+        <p:spPr>
+          <a:xfrm>
+            <a:off x="395536" y="1628800"/>
+            <a:ext cx="8424936" cy="4536504"/>
+          </a:xfrm>
+        </p:spPr>
+        <p:txBody>
+          <a:bodyPr/>
+          <a:lstStyle/>
+          <a:p>
+            <a:r>
+              <a:rPr lang="en-US" altLang="zh-CN"/>
+              <a:t>Python 3.11</a:t>
+            </a:r>
+            <a:r>
+              <a:rPr lang="zh-CN" altLang="en-US"/>
+              <a:t>相比</a:t>
+            </a:r>
+            <a:r>
+              <a:rPr lang="en-US" altLang="zh-CN"/>
+              <a:t>Python 3.10</a:t>
+            </a:r>
+            <a:r>
+              <a:rPr lang="zh-CN" altLang="en-US"/>
+              <a:t>性能提升了</a:t>
+            </a:r>
+            <a:r>
+              <a:rPr lang="en-US" altLang="zh-CN"/>
+              <a:t>10%-60%</a:t>
+            </a:r>
+            <a:r>
+              <a:rPr lang="zh-CN" altLang="en-US"/>
+              <a:t>。</a:t>
+            </a:r>
+            <a:endParaRPr lang="en-US" altLang="zh-CN"/>
+          </a:p>
+          <a:p>
+            <a:r>
+              <a:rPr lang="zh-CN" altLang="en-US"/>
+              <a:t>即时编译特性（</a:t>
+            </a:r>
+            <a:r>
+              <a:rPr lang="en-US" altLang="zh-CN"/>
+              <a:t>JIT</a:t>
+            </a:r>
+            <a:r>
+              <a:rPr lang="zh-CN" altLang="en-US"/>
+              <a:t>）即将加入</a:t>
+            </a:r>
+            <a:r>
+              <a:rPr lang="en-US" altLang="zh-CN"/>
+              <a:t>Python 3.13.</a:t>
+            </a:r>
+          </a:p>
+          <a:p>
+            <a:r>
+              <a:rPr lang="en-US" altLang="zh-CN">
+                <a:solidFill>
+                  <a:schemeClr val="tx1"/>
+                </a:solidFill>
+              </a:rPr>
+              <a:t>Python</a:t>
+            </a:r>
+            <a:r>
+              <a:rPr lang="zh-CN" altLang="en-US">
+                <a:solidFill>
+                  <a:schemeClr val="tx1"/>
+                </a:solidFill>
+              </a:rPr>
+              <a:t>语言可以调用其他高性能编译语言编写的库（例如</a:t>
+            </a:r>
+            <a:r>
+              <a:rPr lang="en-US" altLang="zh-CN">
+                <a:solidFill>
+                  <a:schemeClr val="tx1"/>
+                </a:solidFill>
+              </a:rPr>
+              <a:t>Numpy</a:t>
+            </a:r>
+            <a:r>
+              <a:rPr lang="zh-CN" altLang="en-US">
+                <a:solidFill>
+                  <a:schemeClr val="tx1"/>
+                </a:solidFill>
+              </a:rPr>
+              <a:t>和</a:t>
+            </a:r>
+            <a:r>
+              <a:rPr lang="en-US" altLang="zh-CN">
+                <a:solidFill>
+                  <a:schemeClr val="tx1"/>
+                </a:solidFill>
+              </a:rPr>
+              <a:t>Pandas</a:t>
+            </a:r>
+            <a:r>
+              <a:rPr lang="zh-CN" altLang="en-US">
+                <a:solidFill>
+                  <a:schemeClr val="tx1"/>
+                </a:solidFill>
+              </a:rPr>
+              <a:t>），大大提升</a:t>
+            </a:r>
+            <a:r>
+              <a:rPr lang="en-US" altLang="zh-CN">
+                <a:solidFill>
+                  <a:schemeClr val="tx1"/>
+                </a:solidFill>
+              </a:rPr>
+              <a:t>Python</a:t>
+            </a:r>
+            <a:r>
+              <a:rPr lang="zh-CN" altLang="en-US">
+                <a:solidFill>
+                  <a:schemeClr val="tx1"/>
+                </a:solidFill>
+              </a:rPr>
+              <a:t>程序的性能。</a:t>
+            </a:r>
+            <a:endParaRPr lang="en-US" altLang="zh-CN">
+              <a:solidFill>
+                <a:schemeClr val="tx1"/>
+              </a:solidFill>
+            </a:endParaRPr>
+          </a:p>
+          <a:p>
+            <a:r>
+              <a:rPr lang="zh-CN" altLang="en-US">
+                <a:solidFill>
+                  <a:schemeClr val="tx1"/>
+                </a:solidFill>
+              </a:rPr>
+              <a:t>优化你的</a:t>
+            </a:r>
+            <a:r>
+              <a:rPr lang="en-US" altLang="zh-CN">
+                <a:solidFill>
+                  <a:schemeClr val="tx1"/>
+                </a:solidFill>
+              </a:rPr>
+              <a:t>Python</a:t>
+            </a:r>
+            <a:r>
+              <a:rPr lang="zh-CN" altLang="en-US">
+                <a:solidFill>
+                  <a:schemeClr val="tx1"/>
+                </a:solidFill>
+              </a:rPr>
+              <a:t>代码（数据结构和算法）。</a:t>
+            </a:r>
+            <a:endParaRPr lang="en-US" altLang="zh-CN">
+              <a:solidFill>
+                <a:schemeClr val="tx1"/>
+              </a:solidFill>
+            </a:endParaRPr>
+          </a:p>
+          <a:p>
+            <a:endParaRPr lang="zh-CN" altLang="en-US"/>
+          </a:p>
+        </p:txBody>
+      </p:sp>
+      <p:sp>
+        <p:nvSpPr>
+          <p:cNvPr id="4" name="灯片编号占位符 3"/>
+          <p:cNvSpPr>
+            <a:spLocks noGrp="1"/>
+          </p:cNvSpPr>
+          <p:nvPr>
+            <p:ph type="sldNum" sz="quarter" idx="12"/>
+          </p:nvPr>
+        </p:nvSpPr>
+        <p:spPr/>
+        <p:txBody>
+          <a:bodyPr/>
+          <a:lstStyle/>
+          <a:p>
+            <a:fld id="{3499BFCA-6CB1-449C-B6ED-D6AF360AA522}" type="slidenum">
+              <a:rPr lang="zh-CN" altLang="en-US" smtClean="0"/>
+              <a:t>12</a:t>
+            </a:fld>
+            <a:endParaRPr lang="en-US"/>
+          </a:p>
+        </p:txBody>
+      </p:sp>
+    </p:spTree>
+    <p:extLst>
+      <p:ext uri="{BB962C8B-B14F-4D97-AF65-F5344CB8AC3E}">
+        <p14:creationId xmlns:p14="http://schemas.microsoft.com/office/powerpoint/2010/main" val="3882257621"/>
+      </p:ext>
+    </p:extLst>
+  </p:cSld>
+  <p:clrMapOvr>
+    <a:masterClrMapping/>
+  </p:clrMapOvr>
+</p:sld>
+</file>
+
+<file path=ppt/slides/slide13.xml><?xml version="1.0" encoding="utf-8"?>
+<p:sld xmlns:a="http://schemas.openxmlformats.org/drawingml/2006/main" xmlns:r="http://schemas.openxmlformats.org/officeDocument/2006/relationships" xmlns:p="http://schemas.openxmlformats.org/presentationml/2006/main">
+  <p:cSld>
+    <p:spTree>
+      <p:nvGrpSpPr>
+        <p:cNvPr id="1" name=""/>
+        <p:cNvGrpSpPr/>
+        <p:nvPr/>
+      </p:nvGrpSpPr>
+      <p:grpSpPr>
+        <a:xfrm>
+          <a:off x="0" y="0"/>
+          <a:ext cx="0" cy="0"/>
+          <a:chOff x="0" y="0"/>
+          <a:chExt cx="0" cy="0"/>
+        </a:xfrm>
+      </p:grpSpPr>
+      <p:sp>
+        <p:nvSpPr>
+          <p:cNvPr id="2" name="标题 1"/>
+          <p:cNvSpPr>
+            <a:spLocks noGrp="1"/>
+          </p:cNvSpPr>
+          <p:nvPr>
+            <p:ph type="title"/>
+          </p:nvPr>
+        </p:nvSpPr>
+        <p:spPr/>
+        <p:txBody>
+          <a:bodyPr/>
+          <a:lstStyle/>
+          <a:p>
+            <a:r>
+              <a:rPr lang="zh-CN" altLang="en-US"/>
+              <a:t>主流编程语言的对比</a:t>
+            </a:r>
+          </a:p>
+        </p:txBody>
+      </p:sp>
+      <p:sp>
+        <p:nvSpPr>
+          <p:cNvPr id="3" name="内容占位符 2"/>
+          <p:cNvSpPr>
+            <a:spLocks noGrp="1"/>
+          </p:cNvSpPr>
+          <p:nvPr>
+            <p:ph idx="1"/>
+          </p:nvPr>
+        </p:nvSpPr>
+        <p:spPr/>
+        <p:txBody>
+          <a:bodyPr>
+            <a:normAutofit/>
+          </a:bodyPr>
+          <a:lstStyle/>
+          <a:p>
+            <a:r>
+              <a:rPr lang="en-US" altLang="zh-CN" dirty="0"/>
+              <a:t>C</a:t>
+            </a:r>
+          </a:p>
+          <a:p>
+            <a:r>
+              <a:rPr lang="en-US" altLang="zh-CN" dirty="0"/>
+              <a:t>C++</a:t>
+            </a:r>
+          </a:p>
+          <a:p>
+            <a:r>
+              <a:rPr lang="en-US" altLang="zh-CN" dirty="0"/>
+              <a:t>Java</a:t>
+            </a:r>
+          </a:p>
+          <a:p>
+            <a:r>
+              <a:rPr lang="en-US" altLang="zh-CN" dirty="0"/>
+              <a:t>Python</a:t>
+            </a:r>
+          </a:p>
+          <a:p>
+            <a:r>
+              <a:rPr lang="en-US" altLang="zh-CN" dirty="0"/>
+              <a:t>JavaScript</a:t>
+            </a:r>
+          </a:p>
+          <a:p>
+            <a:r>
+              <a:rPr lang="en-US" altLang="zh-CN" dirty="0"/>
+              <a:t>PHP</a:t>
+            </a:r>
+          </a:p>
+          <a:p>
+            <a:r>
+              <a:rPr lang="en-US" altLang="zh-CN"/>
+              <a:t>C#</a:t>
+            </a:r>
+            <a:endParaRPr lang="zh-CN" altLang="en-US" dirty="0"/>
+          </a:p>
+        </p:txBody>
+      </p:sp>
+    </p:spTree>
+    <p:extLst>
+      <p:ext uri="{BB962C8B-B14F-4D97-AF65-F5344CB8AC3E}">
+        <p14:creationId xmlns:p14="http://schemas.microsoft.com/office/powerpoint/2010/main" val="3082290875"/>
+      </p:ext>
+    </p:extLst>
+  </p:cSld>
+  <p:clrMapOvr>
+    <a:masterClrMapping/>
+  </p:clrMapOvr>
+</p:sld>
+</file>
+
 <file path=ppt/slides/slide14.xml><?xml version="1.0" encoding="utf-8"?>
 <p:sld xmlns:a="http://schemas.openxmlformats.org/drawingml/2006/main" xmlns:r="http://schemas.openxmlformats.org/officeDocument/2006/relationships" xmlns:p="http://schemas.openxmlformats.org/presentationml/2006/main">
   <p:cSld>
@@ -5689,18 +5900,44 @@
       </p:grpSpPr>
       <p:sp>
         <p:nvSpPr>
-          <p:cNvPr id="4" name="标题 3"/>
+          <p:cNvPr id="2" name="标题 1"/>
           <p:cNvSpPr>
             <a:spLocks noGrp="1"/>
           </p:cNvSpPr>
           <p:nvPr>
             <p:ph type="title"/>
+          </p:nvPr>
+        </p:nvSpPr>
+        <p:spPr/>
+        <p:txBody>
+          <a:bodyPr/>
+          <a:lstStyle/>
+          <a:p>
+            <a:r>
+              <a:rPr lang="en-US" altLang="zh-CN"/>
+              <a:t>C</a:t>
+            </a:r>
+            <a:r>
+              <a:rPr lang="zh-CN" altLang="en-US"/>
+              <a:t>语言</a:t>
+            </a:r>
+          </a:p>
+        </p:txBody>
+      </p:sp>
+      <p:sp>
+        <p:nvSpPr>
+          <p:cNvPr id="3" name="内容占位符 2"/>
+          <p:cNvSpPr>
+            <a:spLocks noGrp="1"/>
+          </p:cNvSpPr>
+          <p:nvPr>
+            <p:ph idx="1"/>
           </p:nvPr>
         </p:nvSpPr>
         <p:spPr>
           <a:xfrm>
-            <a:off x="1547664" y="764373"/>
-            <a:ext cx="7001976" cy="1293028"/>
+            <a:off x="395536" y="1556792"/>
+            <a:ext cx="8363272" cy="4680520"/>
           </a:xfrm>
         </p:spPr>
         <p:txBody>
@@ -5708,237 +5945,130 @@
           <a:lstStyle/>
           <a:p>
             <a:r>
-              <a:rPr lang="en-US" altLang="zh-CN"/>
-              <a:t>Python</a:t>
-            </a:r>
-            <a:r>
-              <a:rPr lang="zh-CN" altLang="en-US"/>
-              <a:t>语言的优点和缺点</a:t>
-            </a:r>
-          </a:p>
-        </p:txBody>
-      </p:sp>
-      <p:sp>
-        <p:nvSpPr>
-          <p:cNvPr id="5" name="内容占位符 4"/>
-          <p:cNvSpPr>
-            <a:spLocks noGrp="1"/>
-          </p:cNvSpPr>
-          <p:nvPr>
-            <p:ph sz="half" idx="1"/>
-          </p:nvPr>
-        </p:nvSpPr>
-        <p:spPr>
-          <a:xfrm>
-            <a:off x="561230" y="2168055"/>
-            <a:ext cx="3910579" cy="4069080"/>
-          </a:xfrm>
-        </p:spPr>
-        <p:txBody>
-          <a:bodyPr/>
-          <a:lstStyle/>
-          <a:p>
-            <a:pPr>
-              <a:lnSpc>
-                <a:spcPct val="120000"/>
-              </a:lnSpc>
-            </a:pPr>
-            <a:r>
-              <a:rPr lang="zh-CN" altLang="en-US" sz="2400" dirty="0"/>
-              <a:t>优点：</a:t>
-            </a:r>
-            <a:endParaRPr lang="en-US" altLang="zh-CN" sz="2400" dirty="0"/>
-          </a:p>
-          <a:p>
-            <a:pPr lvl="1">
-              <a:lnSpc>
-                <a:spcPct val="120000"/>
-              </a:lnSpc>
-            </a:pPr>
-            <a:r>
-              <a:rPr lang="zh-CN" altLang="en-US" sz="2200" dirty="0"/>
-              <a:t>全能的语言</a:t>
-            </a:r>
-            <a:endParaRPr lang="en-US" altLang="zh-CN" sz="2200" dirty="0"/>
-          </a:p>
-          <a:p>
-            <a:pPr lvl="1">
-              <a:lnSpc>
-                <a:spcPct val="120000"/>
-              </a:lnSpc>
-            </a:pPr>
-            <a:r>
-              <a:rPr lang="zh-CN" altLang="en-US" sz="2200" dirty="0"/>
-              <a:t>易于理解和使用</a:t>
-            </a:r>
-            <a:endParaRPr lang="en-US" altLang="zh-CN" sz="2200" dirty="0"/>
-          </a:p>
-          <a:p>
-            <a:pPr lvl="1">
-              <a:lnSpc>
-                <a:spcPct val="120000"/>
-              </a:lnSpc>
-            </a:pPr>
-            <a:r>
-              <a:rPr lang="zh-CN" altLang="en-US" sz="2200" dirty="0"/>
-              <a:t>活跃的开源社区</a:t>
-            </a:r>
-            <a:endParaRPr lang="en-US" altLang="zh-CN" sz="2200" dirty="0"/>
-          </a:p>
-          <a:p>
-            <a:pPr lvl="1">
-              <a:lnSpc>
-                <a:spcPct val="120000"/>
-              </a:lnSpc>
-            </a:pPr>
-            <a:r>
-              <a:rPr lang="zh-CN" altLang="en-US" sz="2200" dirty="0"/>
-              <a:t>丰富的软件库</a:t>
-            </a:r>
-            <a:endParaRPr lang="en-US" altLang="zh-CN" sz="2200" dirty="0"/>
-          </a:p>
-          <a:p>
-            <a:pPr lvl="1">
-              <a:lnSpc>
-                <a:spcPct val="120000"/>
-              </a:lnSpc>
-            </a:pPr>
-            <a:r>
-              <a:rPr lang="zh-CN" altLang="en-US" sz="2200" dirty="0"/>
-              <a:t>非常合适用于开发原型</a:t>
-            </a:r>
-            <a:endParaRPr lang="en-US" altLang="zh-CN" sz="2200" dirty="0"/>
-          </a:p>
-          <a:p>
-            <a:pPr lvl="1">
-              <a:lnSpc>
-                <a:spcPct val="120000"/>
-              </a:lnSpc>
-            </a:pPr>
-            <a:r>
-              <a:rPr lang="zh-CN" altLang="en-US" sz="2200" dirty="0"/>
-              <a:t>生产力高</a:t>
-            </a:r>
-            <a:endParaRPr lang="en-US" altLang="zh-CN" sz="2200" dirty="0"/>
+              <a:rPr lang="zh-CN" altLang="en-US" dirty="0"/>
+              <a:t>每一台计算机都运行着</a:t>
+            </a:r>
+            <a:r>
+              <a:rPr lang="en-US" altLang="zh-CN" dirty="0"/>
+              <a:t>C</a:t>
+            </a:r>
+            <a:r>
+              <a:rPr lang="zh-CN" altLang="en-US" dirty="0"/>
+              <a:t>语言。</a:t>
+            </a:r>
+            <a:endParaRPr lang="en-US" altLang="zh-CN" dirty="0"/>
+          </a:p>
+          <a:p>
+            <a:r>
+              <a:rPr lang="en-US" altLang="zh-CN" dirty="0"/>
+              <a:t>C</a:t>
+            </a:r>
+            <a:r>
+              <a:rPr lang="zh-CN" altLang="en-US" dirty="0"/>
+              <a:t>语言被广泛地用于</a:t>
+            </a:r>
+            <a:endParaRPr lang="en-US" altLang="zh-CN" dirty="0"/>
           </a:p>
           <a:p>
             <a:pPr lvl="1"/>
-            <a:endParaRPr lang="zh-CN" altLang="en-US" dirty="0"/>
-          </a:p>
-        </p:txBody>
-      </p:sp>
-      <p:sp>
-        <p:nvSpPr>
-          <p:cNvPr id="6" name="内容占位符 5"/>
-          <p:cNvSpPr>
-            <a:spLocks noGrp="1"/>
-          </p:cNvSpPr>
-          <p:nvPr>
-            <p:ph sz="half" idx="2"/>
-          </p:nvPr>
-        </p:nvSpPr>
-        <p:spPr>
-          <a:xfrm>
-            <a:off x="4459357" y="2194560"/>
-            <a:ext cx="4505131" cy="4153229"/>
-          </a:xfrm>
-        </p:spPr>
-        <p:txBody>
-          <a:bodyPr/>
-          <a:lstStyle/>
-          <a:p>
-            <a:r>
-              <a:rPr lang="zh-CN" altLang="en-US" sz="2400" dirty="0"/>
-              <a:t>缺点：</a:t>
-            </a:r>
-            <a:endParaRPr lang="en-US" altLang="zh-CN" sz="2400" dirty="0"/>
-          </a:p>
-          <a:p>
-            <a:pPr lvl="1">
-              <a:lnSpc>
-                <a:spcPct val="120000"/>
-              </a:lnSpc>
-            </a:pPr>
-            <a:r>
-              <a:rPr lang="zh-CN" altLang="en-US" sz="2200" dirty="0"/>
-              <a:t>性能相对较差</a:t>
-            </a:r>
-            <a:endParaRPr lang="en-US" altLang="zh-CN" sz="2200" dirty="0"/>
-          </a:p>
-          <a:p>
-            <a:pPr lvl="1">
-              <a:lnSpc>
-                <a:spcPct val="120000"/>
-              </a:lnSpc>
-            </a:pPr>
-            <a:r>
-              <a:rPr lang="zh-CN" altLang="en-US" sz="2200" dirty="0"/>
-              <a:t>多线程的问题</a:t>
-            </a:r>
-            <a:endParaRPr lang="en-US" altLang="zh-CN" sz="2200" dirty="0"/>
-          </a:p>
-          <a:p>
-            <a:pPr lvl="1">
-              <a:lnSpc>
-                <a:spcPct val="120000"/>
-              </a:lnSpc>
-            </a:pPr>
-            <a:r>
-              <a:rPr lang="zh-CN" altLang="en-US" sz="2200" dirty="0"/>
-              <a:t>不能用于开发原生移动应用</a:t>
-            </a:r>
-            <a:endParaRPr lang="en-US" altLang="zh-CN" sz="2200" dirty="0"/>
-          </a:p>
-          <a:p>
-            <a:pPr lvl="1">
-              <a:lnSpc>
-                <a:spcPct val="120000"/>
-              </a:lnSpc>
-            </a:pPr>
-            <a:r>
-              <a:rPr lang="zh-CN" altLang="en-US" sz="2200" dirty="0"/>
-              <a:t>内存消耗相对较大</a:t>
-            </a:r>
-            <a:endParaRPr lang="en-US" altLang="zh-CN" sz="2200" dirty="0"/>
-          </a:p>
-          <a:p>
-            <a:pPr lvl="1">
-              <a:lnSpc>
-                <a:spcPct val="120000"/>
-              </a:lnSpc>
-            </a:pPr>
+            <a:r>
+              <a:rPr lang="zh-CN" altLang="en-US" dirty="0"/>
+              <a:t>操作系统（驱动程序）</a:t>
+            </a:r>
             <a:endParaRPr lang="en-US" altLang="zh-CN" dirty="0"/>
           </a:p>
           <a:p>
-            <a:pPr lvl="1">
-              <a:lnSpc>
-                <a:spcPct val="120000"/>
-              </a:lnSpc>
-            </a:pPr>
+            <a:pPr lvl="1"/>
+            <a:r>
+              <a:rPr lang="zh-CN" altLang="en-US" dirty="0"/>
+              <a:t>嵌入式系统</a:t>
+            </a:r>
             <a:endParaRPr lang="en-US" altLang="zh-CN" dirty="0"/>
           </a:p>
           <a:p>
-            <a:pPr lvl="1">
-              <a:lnSpc>
-                <a:spcPct val="120000"/>
-              </a:lnSpc>
-            </a:pPr>
+            <a:pPr lvl="1"/>
+            <a:r>
+              <a:rPr lang="zh-CN" altLang="en-US" dirty="0"/>
+              <a:t>数据库</a:t>
+            </a:r>
             <a:endParaRPr lang="en-US" altLang="zh-CN" dirty="0"/>
           </a:p>
           <a:p>
             <a:pPr lvl="1"/>
+            <a:r>
+              <a:rPr lang="zh-CN" altLang="en-US" dirty="0"/>
+              <a:t>编译器、解释器</a:t>
+            </a:r>
+            <a:r>
+              <a:rPr lang="en-US" altLang="zh-CN" dirty="0"/>
+              <a:t>(</a:t>
+            </a:r>
+            <a:r>
+              <a:rPr lang="en-US" altLang="zh-CN" dirty="0" err="1"/>
+              <a:t>CPython</a:t>
+            </a:r>
+            <a:r>
+              <a:rPr lang="en-US" altLang="zh-CN" dirty="0"/>
+              <a:t>)</a:t>
+            </a:r>
+          </a:p>
+          <a:p>
+            <a:pPr lvl="1"/>
+            <a:r>
+              <a:rPr lang="zh-CN" altLang="en-US" dirty="0"/>
+              <a:t>基础软件包（</a:t>
+            </a:r>
+            <a:r>
+              <a:rPr lang="en-US" altLang="zh-CN" dirty="0"/>
+              <a:t>Numpy</a:t>
+            </a:r>
+            <a:r>
+              <a:rPr lang="zh-CN" altLang="en-US" dirty="0"/>
+              <a:t>，</a:t>
+            </a:r>
+            <a:r>
+              <a:rPr lang="en-US" altLang="zh-CN" dirty="0"/>
+              <a:t>Pandas</a:t>
+            </a:r>
+            <a:r>
+              <a:rPr lang="zh-CN" altLang="en-US" dirty="0"/>
+              <a:t>）</a:t>
+            </a:r>
             <a:endParaRPr lang="en-US" altLang="zh-CN" dirty="0"/>
           </a:p>
           <a:p>
+            <a:r>
+              <a:rPr lang="en-US" altLang="zh-CN" dirty="0"/>
+              <a:t>C</a:t>
+            </a:r>
+            <a:r>
+              <a:rPr lang="zh-CN" altLang="en-US" dirty="0"/>
+              <a:t>语言的优点：</a:t>
+            </a:r>
+            <a:endParaRPr lang="en-US" altLang="zh-CN" dirty="0"/>
+          </a:p>
+          <a:p>
             <a:pPr lvl="1"/>
-            <a:endParaRPr lang="zh-CN" altLang="en-US" dirty="0"/>
+            <a:r>
+              <a:rPr lang="zh-CN" altLang="en-US" dirty="0"/>
+              <a:t>运行效率高</a:t>
+            </a:r>
+            <a:endParaRPr lang="en-US" altLang="zh-CN" dirty="0"/>
+          </a:p>
+          <a:p>
+            <a:pPr lvl="1"/>
+            <a:r>
+              <a:rPr lang="zh-CN" altLang="en-US" dirty="0"/>
+              <a:t>占用空间小</a:t>
+            </a:r>
+            <a:endParaRPr lang="en-US" altLang="zh-CN" dirty="0"/>
           </a:p>
         </p:txBody>
       </p:sp>
     </p:spTree>
     <p:extLst>
       <p:ext uri="{BB962C8B-B14F-4D97-AF65-F5344CB8AC3E}">
-        <p14:creationId xmlns:p14="http://schemas.microsoft.com/office/powerpoint/2010/main" val="1509325689"/>
+        <p14:creationId xmlns:p14="http://schemas.microsoft.com/office/powerpoint/2010/main" val="1355161320"/>
       </p:ext>
     </p:extLst>
   </p:cSld>
@@ -5981,17 +6111,10 @@
           <a:lstStyle/>
           <a:p>
             <a:r>
-              <a:rPr lang="zh-CN" altLang="en-US"/>
-              <a:t>如何解决</a:t>
-            </a:r>
-            <a:r>
               <a:rPr lang="en-US" altLang="zh-CN"/>
-              <a:t>Python</a:t>
-            </a:r>
-            <a:r>
-              <a:rPr lang="zh-CN" altLang="en-US"/>
-              <a:t>语言的性能问题</a:t>
-            </a:r>
+              <a:t>C++</a:t>
+            </a:r>
+            <a:endParaRPr lang="zh-CN" altLang="en-US"/>
           </a:p>
         </p:txBody>
       </p:sp>
@@ -6007,8 +6130,8 @@
         </p:nvSpPr>
         <p:spPr>
           <a:xfrm>
-            <a:off x="343136" y="1774086"/>
-            <a:ext cx="8405328" cy="4391218"/>
+            <a:off x="395536" y="1628800"/>
+            <a:ext cx="8280920" cy="4752528"/>
           </a:xfrm>
         </p:spPr>
         <p:txBody>
@@ -6016,169 +6139,79 @@
           <a:lstStyle/>
           <a:p>
             <a:r>
+              <a:rPr lang="en-US" altLang="zh-CN"/>
+              <a:t>C++</a:t>
+            </a:r>
+            <a:r>
               <a:rPr lang="zh-CN" altLang="en-US"/>
-              <a:t>最新的</a:t>
+              <a:t>可以用于：</a:t>
+            </a:r>
+            <a:endParaRPr lang="en-US" altLang="zh-CN"/>
+          </a:p>
+          <a:p>
+            <a:pPr lvl="1"/>
+            <a:r>
+              <a:rPr lang="zh-CN" altLang="en-US"/>
+              <a:t>游戏</a:t>
             </a:r>
             <a:r>
               <a:rPr lang="en-US" altLang="zh-CN"/>
-              <a:t>Python 3.11</a:t>
+              <a:t>(</a:t>
             </a:r>
             <a:r>
               <a:rPr lang="zh-CN" altLang="en-US"/>
-              <a:t>相比</a:t>
+              <a:t>图形学</a:t>
             </a:r>
             <a:r>
               <a:rPr lang="en-US" altLang="zh-CN"/>
-              <a:t>Python 3.10</a:t>
-            </a:r>
+              <a:t>)</a:t>
+            </a:r>
+          </a:p>
+          <a:p>
+            <a:pPr lvl="1"/>
             <a:r>
               <a:rPr lang="zh-CN" altLang="en-US"/>
-              <a:t>性能提升了</a:t>
-            </a:r>
+              <a:t>图形界面</a:t>
+            </a:r>
+            <a:endParaRPr lang="en-US" altLang="zh-CN"/>
+          </a:p>
+          <a:p>
+            <a:pPr lvl="1"/>
+            <a:r>
+              <a:rPr lang="zh-CN" altLang="en-US"/>
+              <a:t>数据库</a:t>
+            </a:r>
+            <a:endParaRPr lang="en-US" altLang="zh-CN"/>
+          </a:p>
+          <a:p>
+            <a:pPr lvl="1"/>
+            <a:r>
+              <a:rPr lang="zh-CN" altLang="en-US"/>
+              <a:t>操作系统</a:t>
+            </a:r>
+            <a:endParaRPr lang="en-US" altLang="zh-CN"/>
+          </a:p>
+          <a:p>
+            <a:pPr lvl="1"/>
             <a:r>
               <a:rPr lang="en-US" altLang="zh-CN"/>
-              <a:t>10%-60%</a:t>
-            </a:r>
-            <a:r>
-              <a:rPr lang="zh-CN" altLang="en-US"/>
-              <a:t>。</a:t>
-            </a:r>
+              <a:t>...</a:t>
+            </a:r>
+          </a:p>
+          <a:p>
+            <a:pPr lvl="1"/>
             <a:endParaRPr lang="en-US" altLang="zh-CN"/>
           </a:p>
           <a:p>
-            <a:r>
-              <a:rPr lang="en-US" altLang="zh-CN">
-                <a:solidFill>
-                  <a:schemeClr val="tx1"/>
-                </a:solidFill>
-              </a:rPr>
-              <a:t>Python</a:t>
-            </a:r>
-            <a:r>
-              <a:rPr lang="zh-CN" altLang="en-US">
-                <a:solidFill>
-                  <a:schemeClr val="tx1"/>
-                </a:solidFill>
-              </a:rPr>
-              <a:t>语言可以调用其他高性能编译语言编写的库（例如</a:t>
-            </a:r>
-            <a:r>
-              <a:rPr lang="en-US" altLang="zh-CN">
-                <a:solidFill>
-                  <a:schemeClr val="tx1"/>
-                </a:solidFill>
-              </a:rPr>
-              <a:t>Numpy</a:t>
-            </a:r>
-            <a:r>
-              <a:rPr lang="zh-CN" altLang="en-US">
-                <a:solidFill>
-                  <a:schemeClr val="tx1"/>
-                </a:solidFill>
-              </a:rPr>
-              <a:t>和</a:t>
-            </a:r>
-            <a:r>
-              <a:rPr lang="en-US" altLang="zh-CN">
-                <a:solidFill>
-                  <a:schemeClr val="tx1"/>
-                </a:solidFill>
-              </a:rPr>
-              <a:t>Pandas</a:t>
-            </a:r>
-            <a:r>
-              <a:rPr lang="zh-CN" altLang="en-US">
-                <a:solidFill>
-                  <a:schemeClr val="tx1"/>
-                </a:solidFill>
-              </a:rPr>
-              <a:t>），大大提升</a:t>
-            </a:r>
-            <a:r>
-              <a:rPr lang="en-US" altLang="zh-CN">
-                <a:solidFill>
-                  <a:schemeClr val="tx1"/>
-                </a:solidFill>
-              </a:rPr>
-              <a:t>Python</a:t>
-            </a:r>
-            <a:r>
-              <a:rPr lang="zh-CN" altLang="en-US">
-                <a:solidFill>
-                  <a:schemeClr val="tx1"/>
-                </a:solidFill>
-              </a:rPr>
-              <a:t>程序的性能。</a:t>
-            </a:r>
-            <a:endParaRPr lang="en-US" altLang="zh-CN">
-              <a:solidFill>
-                <a:schemeClr val="tx1"/>
-              </a:solidFill>
-            </a:endParaRPr>
-          </a:p>
-          <a:p>
-            <a:r>
-              <a:rPr lang="zh-CN" altLang="en-US">
-                <a:solidFill>
-                  <a:schemeClr val="tx1"/>
-                </a:solidFill>
-              </a:rPr>
-              <a:t>优化你的</a:t>
-            </a:r>
-            <a:r>
-              <a:rPr lang="en-US" altLang="zh-CN">
-                <a:solidFill>
-                  <a:schemeClr val="tx1"/>
-                </a:solidFill>
-              </a:rPr>
-              <a:t>Python</a:t>
-            </a:r>
-            <a:r>
-              <a:rPr lang="zh-CN" altLang="en-US">
-                <a:solidFill>
-                  <a:schemeClr val="tx1"/>
-                </a:solidFill>
-              </a:rPr>
-              <a:t>代码（数据结构和算法）。</a:t>
-            </a:r>
-            <a:endParaRPr lang="en-US" altLang="zh-CN">
-              <a:solidFill>
-                <a:schemeClr val="tx1"/>
-              </a:solidFill>
-            </a:endParaRPr>
-          </a:p>
-          <a:p>
+            <a:pPr lvl="1"/>
             <a:endParaRPr lang="zh-CN" altLang="en-US"/>
-          </a:p>
-        </p:txBody>
-      </p:sp>
-      <p:sp>
-        <p:nvSpPr>
-          <p:cNvPr id="4" name="灯片编号占位符 3"/>
-          <p:cNvSpPr>
-            <a:spLocks noGrp="1"/>
-          </p:cNvSpPr>
-          <p:nvPr>
-            <p:ph type="sldNum" sz="quarter" idx="12"/>
-          </p:nvPr>
-        </p:nvSpPr>
-        <p:spPr/>
-        <p:txBody>
-          <a:bodyPr/>
-          <a:lstStyle/>
-          <a:p>
-            <a:fld id="{3499BFCA-6CB1-449C-B6ED-D6AF360AA522}" type="slidenum">
-              <a:rPr lang="zh-CN" altLang="en-US" smtClean="0"/>
-              <a:t>15</a:t>
-            </a:fld>
-            <a:endParaRPr lang="en-US"/>
           </a:p>
         </p:txBody>
       </p:sp>
     </p:spTree>
     <p:extLst>
       <p:ext uri="{BB962C8B-B14F-4D97-AF65-F5344CB8AC3E}">
-        <p14:creationId xmlns:p14="http://schemas.microsoft.com/office/powerpoint/2010/main" val="3882257621"/>
+        <p14:creationId xmlns:p14="http://schemas.microsoft.com/office/powerpoint/2010/main" val="3583153812"/>
       </p:ext>
     </p:extLst>
   </p:cSld>
@@ -6207,13 +6240,7 @@
       </p:grpSpPr>
       <p:sp>
         <p:nvSpPr>
-          <p:cNvPr id="2" name="标题 1">
-            <a:extLst>
-              <a:ext uri="{FF2B5EF4-FFF2-40B4-BE49-F238E27FC236}">
-                <a16:creationId xmlns:a16="http://schemas.microsoft.com/office/drawing/2014/main" id="{969FD0E7-6677-C83E-CC48-3DE7622CE086}"/>
-              </a:ext>
-            </a:extLst>
-          </p:cNvPr>
+          <p:cNvPr id="2" name="标题 1"/>
           <p:cNvSpPr>
             <a:spLocks noGrp="1"/>
           </p:cNvSpPr>
@@ -6228,24 +6255,15 @@
           <a:p>
             <a:r>
               <a:rPr lang="en-US" altLang="zh-CN"/>
-              <a:t>Python</a:t>
-            </a:r>
-            <a:r>
-              <a:rPr lang="zh-CN" altLang="en-US"/>
-              <a:t>语言的一致性</a:t>
-            </a:r>
-          </a:p>
-        </p:txBody>
-      </p:sp>
-      <p:sp>
-        <p:nvSpPr>
-          <p:cNvPr id="3" name="内容占位符 2">
-            <a:extLst>
-              <a:ext uri="{FF2B5EF4-FFF2-40B4-BE49-F238E27FC236}">
-                <a16:creationId xmlns:a16="http://schemas.microsoft.com/office/drawing/2014/main" id="{31ECBEC1-9981-D85F-7432-0C0F1D3939FA}"/>
-              </a:ext>
-            </a:extLst>
-          </p:cNvPr>
+              <a:t>Java</a:t>
+            </a:r>
+            <a:endParaRPr lang="zh-CN" altLang="en-US"/>
+          </a:p>
+        </p:txBody>
+      </p:sp>
+      <p:sp>
+        <p:nvSpPr>
+          <p:cNvPr id="3" name="内容占位符 2"/>
           <p:cNvSpPr>
             <a:spLocks noGrp="1"/>
           </p:cNvSpPr>
@@ -6258,101 +6276,77 @@
           <a:bodyPr/>
           <a:lstStyle/>
           <a:p>
-            <a:pPr>
-              <a:lnSpc>
-                <a:spcPct val="150000"/>
-              </a:lnSpc>
-            </a:pPr>
-            <a:r>
-              <a:rPr lang="en-US" altLang="zh-CN" sz="2400" b="0" i="0">
-                <a:solidFill>
-                  <a:srgbClr val="000000"/>
-                </a:solidFill>
-                <a:effectLst/>
-                <a:latin typeface="+mn-lt"/>
-              </a:rPr>
-              <a:t>One of the best qualities of Python is its </a:t>
-            </a:r>
-            <a:r>
-              <a:rPr lang="en-US" altLang="zh-CN" sz="2400" b="1" i="0">
-                <a:solidFill>
-                  <a:srgbClr val="FF0000"/>
-                </a:solidFill>
-                <a:effectLst/>
-                <a:latin typeface="+mn-lt"/>
-              </a:rPr>
-              <a:t>consistency</a:t>
-            </a:r>
-            <a:r>
-              <a:rPr lang="en-US" altLang="zh-CN" sz="2400" b="0" i="0">
-                <a:solidFill>
-                  <a:srgbClr val="000000"/>
-                </a:solidFill>
-                <a:effectLst/>
-                <a:latin typeface="+mn-lt"/>
-              </a:rPr>
-              <a:t>. After working with Python for a while, you are able to start making informed, correct guesses about features that are new to you.</a:t>
-            </a:r>
-            <a:r>
-              <a:rPr lang="en-US" altLang="zh-CN" sz="2400">
-                <a:latin typeface="+mn-lt"/>
-              </a:rPr>
-              <a:t> </a:t>
-            </a:r>
-          </a:p>
-          <a:p>
-            <a:pPr marL="38100" indent="0">
-              <a:lnSpc>
-                <a:spcPct val="150000"/>
-              </a:lnSpc>
-              <a:buNone/>
-            </a:pPr>
-            <a:r>
-              <a:rPr lang="en-US" altLang="zh-CN" sz="2400">
-                <a:latin typeface="+mn-lt"/>
-              </a:rPr>
-              <a:t>                                           --- Luciano《Fluent Python》</a:t>
-            </a:r>
-            <a:br>
-              <a:rPr lang="en-US" altLang="zh-CN"/>
-            </a:br>
-            <a:endParaRPr lang="zh-CN" altLang="en-US"/>
-          </a:p>
-        </p:txBody>
-      </p:sp>
-      <p:sp>
-        <p:nvSpPr>
-          <p:cNvPr id="4" name="灯片编号占位符 3">
-            <a:extLst>
-              <a:ext uri="{FF2B5EF4-FFF2-40B4-BE49-F238E27FC236}">
-                <a16:creationId xmlns:a16="http://schemas.microsoft.com/office/drawing/2014/main" id="{C23FAAAB-D8C9-63C0-B46A-A1552E704231}"/>
-              </a:ext>
-            </a:extLst>
-          </p:cNvPr>
-          <p:cNvSpPr>
-            <a:spLocks noGrp="1"/>
-          </p:cNvSpPr>
-          <p:nvPr>
-            <p:ph type="sldNum" sz="quarter" idx="12"/>
-          </p:nvPr>
-        </p:nvSpPr>
-        <p:spPr/>
-        <p:txBody>
-          <a:bodyPr/>
-          <a:lstStyle/>
-          <a:p>
-            <a:fld id="{3499BFCA-6CB1-449C-B6ED-D6AF360AA522}" type="slidenum">
-              <a:rPr lang="zh-CN" altLang="en-US" smtClean="0"/>
-              <a:t>16</a:t>
-            </a:fld>
-            <a:endParaRPr lang="en-US"/>
+            <a:r>
+              <a:rPr lang="en-US" altLang="zh-CN" dirty="0"/>
+              <a:t>Java</a:t>
+            </a:r>
+            <a:r>
+              <a:rPr lang="zh-CN" altLang="en-US" dirty="0"/>
+              <a:t>从</a:t>
+            </a:r>
+            <a:r>
+              <a:rPr lang="en-US" altLang="zh-CN" dirty="0"/>
+              <a:t>2000</a:t>
+            </a:r>
+            <a:r>
+              <a:rPr lang="zh-CN" altLang="en-US" dirty="0"/>
+              <a:t>年后开始长期占据编程语言排行榜（</a:t>
+            </a:r>
+            <a:r>
+              <a:rPr lang="en-US" altLang="zh-CN" dirty="0"/>
+              <a:t>TIOBE</a:t>
+            </a:r>
+            <a:r>
+              <a:rPr lang="zh-CN" altLang="en-US" dirty="0"/>
+              <a:t>）第一的位置。</a:t>
+            </a:r>
+            <a:endParaRPr lang="en-US" altLang="zh-CN" dirty="0"/>
+          </a:p>
+          <a:p>
+            <a:r>
+              <a:rPr lang="en-US" altLang="zh-CN" dirty="0"/>
+              <a:t>Spring</a:t>
+            </a:r>
+            <a:r>
+              <a:rPr lang="zh-CN" altLang="en-US" dirty="0"/>
+              <a:t>框架使得使用</a:t>
+            </a:r>
+            <a:r>
+              <a:rPr lang="en-US" altLang="zh-CN" dirty="0"/>
+              <a:t>Java</a:t>
+            </a:r>
+            <a:r>
+              <a:rPr lang="zh-CN" altLang="en-US" dirty="0"/>
+              <a:t>创建企业级的软件非常容易，大约</a:t>
+            </a:r>
+            <a:r>
+              <a:rPr lang="en-US" altLang="zh-CN" dirty="0"/>
+              <a:t>97%</a:t>
+            </a:r>
+            <a:r>
+              <a:rPr lang="zh-CN" altLang="en-US" dirty="0"/>
+              <a:t>的企业级软件使用的是</a:t>
+            </a:r>
+            <a:r>
+              <a:rPr lang="en-US" altLang="zh-CN" dirty="0"/>
+              <a:t>Java</a:t>
+            </a:r>
+            <a:r>
+              <a:rPr lang="zh-CN" altLang="en-US" dirty="0"/>
+              <a:t>。</a:t>
+            </a:r>
+            <a:endParaRPr lang="en-US" altLang="zh-CN" dirty="0"/>
+          </a:p>
+          <a:p>
+            <a:pPr lvl="1"/>
+            <a:endParaRPr lang="zh-CN" altLang="en-US" dirty="0"/>
           </a:p>
         </p:txBody>
       </p:sp>
     </p:spTree>
     <p:extLst>
       <p:ext uri="{BB962C8B-B14F-4D97-AF65-F5344CB8AC3E}">
-        <p14:creationId xmlns:p14="http://schemas.microsoft.com/office/powerpoint/2010/main" val="4041863881"/>
+        <p14:creationId xmlns:p14="http://schemas.microsoft.com/office/powerpoint/2010/main" val="1354274522"/>
       </p:ext>
     </p:extLst>
   </p:cSld>
@@ -6395,9 +6389,10 @@
           <a:lstStyle/>
           <a:p>
             <a:r>
-              <a:rPr lang="zh-CN" altLang="en-US"/>
-              <a:t>主流编程语言的对比</a:t>
-            </a:r>
+              <a:rPr lang="en-US" altLang="zh-CN"/>
+              <a:t>C#</a:t>
+            </a:r>
+            <a:endParaRPr lang="zh-CN" altLang="en-US"/>
           </a:p>
         </p:txBody>
       </p:sp>
@@ -6411,52 +6406,73 @@
             <p:ph idx="1"/>
           </p:nvPr>
         </p:nvSpPr>
-        <p:spPr/>
-        <p:txBody>
-          <a:bodyPr>
-            <a:normAutofit/>
-          </a:bodyPr>
+        <p:spPr>
+          <a:xfrm>
+            <a:off x="323528" y="1772816"/>
+            <a:ext cx="7974888" cy="4070350"/>
+          </a:xfrm>
+        </p:spPr>
+        <p:txBody>
+          <a:bodyPr/>
           <a:lstStyle/>
           <a:p>
             <a:r>
-              <a:rPr lang="en-US" altLang="zh-CN" dirty="0"/>
-              <a:t>C</a:t>
-            </a:r>
-          </a:p>
-          <a:p>
-            <a:r>
-              <a:rPr lang="en-US" altLang="zh-CN" dirty="0"/>
-              <a:t>C++</a:t>
-            </a:r>
-          </a:p>
-          <a:p>
+              <a:rPr lang="zh-CN" altLang="en-US" dirty="0"/>
+              <a:t>微软的</a:t>
+            </a:r>
             <a:r>
               <a:rPr lang="en-US" altLang="zh-CN" dirty="0"/>
               <a:t>Java</a:t>
             </a:r>
-          </a:p>
-          <a:p>
+            <a:r>
+              <a:rPr lang="zh-CN" altLang="en-US" dirty="0"/>
+              <a:t>语言（原名</a:t>
+            </a:r>
             <a:r>
               <a:rPr lang="en-US" altLang="zh-CN" dirty="0"/>
-              <a:t>Python</a:t>
-            </a:r>
-          </a:p>
-          <a:p>
-            <a:r>
-              <a:rPr lang="en-US" altLang="zh-CN" dirty="0"/>
-              <a:t>JavaScript</a:t>
-            </a:r>
-          </a:p>
-          <a:p>
-            <a:r>
-              <a:rPr lang="en-US" altLang="zh-CN" dirty="0"/>
-              <a:t>PHP</a:t>
-            </a:r>
-          </a:p>
-          <a:p>
+              <a:t>Visual Java</a:t>
+            </a:r>
+            <a:r>
+              <a:rPr lang="zh-CN" altLang="en-US" dirty="0"/>
+              <a:t>）。</a:t>
+            </a:r>
+            <a:endParaRPr lang="en-US" altLang="zh-CN" dirty="0"/>
+          </a:p>
+          <a:p>
+            <a:r>
+              <a:rPr lang="zh-CN" altLang="en-US" dirty="0"/>
+              <a:t>主要用于</a:t>
+            </a:r>
             <a:r>
               <a:rPr lang="en-US" altLang="zh-CN"/>
-              <a:t>C#</a:t>
+              <a:t>Windows</a:t>
+            </a:r>
+            <a:r>
+              <a:rPr lang="zh-CN" altLang="en-US"/>
+              <a:t>平台和微软云（</a:t>
+            </a:r>
+            <a:r>
+              <a:rPr lang="en-US" altLang="zh-CN"/>
+              <a:t>Azure</a:t>
+            </a:r>
+            <a:r>
+              <a:rPr lang="zh-CN" altLang="en-US"/>
+              <a:t>）的开发</a:t>
+            </a:r>
+            <a:r>
+              <a:rPr lang="zh-CN" altLang="en-US" dirty="0"/>
+              <a:t>。</a:t>
+            </a:r>
+            <a:endParaRPr lang="en-US" altLang="zh-CN" dirty="0"/>
+          </a:p>
+          <a:p>
+            <a:r>
+              <a:rPr lang="en-US" altLang="zh-CN"/>
+              <a:t>Unity</a:t>
+            </a:r>
+            <a:r>
+              <a:rPr lang="zh-CN" altLang="en-US"/>
+              <a:t>游戏引擎</a:t>
             </a:r>
             <a:endParaRPr lang="zh-CN" altLang="en-US" dirty="0"/>
           </a:p>
@@ -6465,7 +6481,7 @@
     </p:spTree>
     <p:extLst>
       <p:ext uri="{BB962C8B-B14F-4D97-AF65-F5344CB8AC3E}">
-        <p14:creationId xmlns:p14="http://schemas.microsoft.com/office/powerpoint/2010/main" val="3082290875"/>
+        <p14:creationId xmlns:p14="http://schemas.microsoft.com/office/powerpoint/2010/main" val="3980324214"/>
       </p:ext>
     </p:extLst>
   </p:cSld>
@@ -6509,7 +6525,7 @@
           <a:p>
             <a:r>
               <a:rPr lang="en-US" altLang="zh-CN"/>
-              <a:t>C</a:t>
+              <a:t>Python</a:t>
             </a:r>
             <a:r>
               <a:rPr lang="zh-CN" altLang="en-US"/>
@@ -6528,141 +6544,62 @@
             <p:ph idx="1"/>
           </p:nvPr>
         </p:nvSpPr>
-        <p:spPr>
-          <a:xfrm>
-            <a:off x="395536" y="1556792"/>
-            <a:ext cx="8363272" cy="4680520"/>
-          </a:xfrm>
-        </p:spPr>
+        <p:spPr/>
         <p:txBody>
           <a:bodyPr/>
           <a:lstStyle/>
           <a:p>
             <a:r>
-              <a:rPr lang="zh-CN" altLang="en-US" dirty="0"/>
-              <a:t>每一台计算机都运行着</a:t>
-            </a:r>
-            <a:r>
-              <a:rPr lang="en-US" altLang="zh-CN" dirty="0"/>
-              <a:t>C</a:t>
-            </a:r>
-            <a:r>
-              <a:rPr lang="zh-CN" altLang="en-US" dirty="0"/>
-              <a:t>语言。</a:t>
-            </a:r>
-            <a:endParaRPr lang="en-US" altLang="zh-CN" dirty="0"/>
-          </a:p>
-          <a:p>
-            <a:r>
-              <a:rPr lang="en-US" altLang="zh-CN" dirty="0"/>
-              <a:t>C</a:t>
-            </a:r>
-            <a:r>
-              <a:rPr lang="zh-CN" altLang="en-US" dirty="0"/>
-              <a:t>语言被广泛地用于</a:t>
-            </a:r>
-            <a:endParaRPr lang="en-US" altLang="zh-CN" dirty="0"/>
+              <a:rPr lang="en-US" altLang="zh-CN"/>
+              <a:t>Python</a:t>
+            </a:r>
+            <a:r>
+              <a:rPr lang="zh-CN" altLang="en-US"/>
+              <a:t>是非常全能的语言，最常用于：</a:t>
+            </a:r>
+            <a:endParaRPr lang="en-US" altLang="zh-CN"/>
           </a:p>
           <a:p>
             <a:pPr lvl="1"/>
             <a:r>
-              <a:rPr lang="zh-CN" altLang="en-US" dirty="0"/>
-              <a:t>操作系统（驱动程序）</a:t>
-            </a:r>
-            <a:endParaRPr lang="en-US" altLang="zh-CN" dirty="0"/>
+              <a:rPr lang="en-US" altLang="zh-CN"/>
+              <a:t>Data Science</a:t>
+            </a:r>
           </a:p>
           <a:p>
             <a:pPr lvl="1"/>
             <a:r>
-              <a:rPr lang="zh-CN" altLang="en-US" dirty="0"/>
-              <a:t>嵌入式系统</a:t>
-            </a:r>
-            <a:endParaRPr lang="en-US" altLang="zh-CN" dirty="0"/>
+              <a:rPr lang="zh-CN" altLang="en-US"/>
+              <a:t>机器学习</a:t>
+            </a:r>
+            <a:endParaRPr lang="en-US" altLang="zh-CN"/>
           </a:p>
           <a:p>
             <a:pPr lvl="1"/>
             <a:r>
-              <a:rPr lang="zh-CN" altLang="en-US" dirty="0"/>
-              <a:t>数据库</a:t>
-            </a:r>
-            <a:endParaRPr lang="en-US" altLang="zh-CN" dirty="0"/>
+              <a:rPr lang="en-US" altLang="zh-CN"/>
+              <a:t>Web</a:t>
+            </a:r>
+            <a:r>
+              <a:rPr lang="zh-CN" altLang="en-US"/>
+              <a:t>开发</a:t>
+            </a:r>
+            <a:endParaRPr lang="en-US" altLang="zh-CN"/>
           </a:p>
           <a:p>
             <a:pPr lvl="1"/>
             <a:r>
-              <a:rPr lang="zh-CN" altLang="en-US" dirty="0"/>
-              <a:t>编译器、解释器</a:t>
-            </a:r>
-            <a:r>
-              <a:rPr lang="en-US" altLang="zh-CN" dirty="0"/>
-              <a:t>(</a:t>
-            </a:r>
-            <a:r>
-              <a:rPr lang="en-US" altLang="zh-CN" dirty="0" err="1"/>
-              <a:t>CPython</a:t>
-            </a:r>
-            <a:r>
-              <a:rPr lang="en-US" altLang="zh-CN" dirty="0"/>
-              <a:t>)</a:t>
-            </a:r>
-          </a:p>
-          <a:p>
-            <a:pPr lvl="1"/>
-            <a:r>
-              <a:rPr lang="zh-CN" altLang="en-US" dirty="0"/>
-              <a:t>基础软件包（</a:t>
-            </a:r>
-            <a:r>
-              <a:rPr lang="en-US" altLang="zh-CN" dirty="0"/>
-              <a:t>Numpy</a:t>
-            </a:r>
-            <a:r>
-              <a:rPr lang="zh-CN" altLang="en-US" dirty="0"/>
-              <a:t>，</a:t>
-            </a:r>
-            <a:r>
-              <a:rPr lang="en-US" altLang="zh-CN" dirty="0"/>
-              <a:t>Pandas</a:t>
-            </a:r>
-            <a:r>
-              <a:rPr lang="zh-CN" altLang="en-US" dirty="0"/>
-              <a:t>）</a:t>
-            </a:r>
-            <a:endParaRPr lang="en-US" altLang="zh-CN" dirty="0"/>
-          </a:p>
-          <a:p>
-            <a:r>
-              <a:rPr lang="en-US" altLang="zh-CN" dirty="0"/>
-              <a:t>C</a:t>
-            </a:r>
-            <a:r>
-              <a:rPr lang="zh-CN" altLang="en-US" dirty="0"/>
-              <a:t>语言的优点：</a:t>
-            </a:r>
-            <a:endParaRPr lang="en-US" altLang="zh-CN" dirty="0"/>
-          </a:p>
-          <a:p>
-            <a:pPr lvl="1"/>
-            <a:r>
-              <a:rPr lang="zh-CN" altLang="en-US" dirty="0"/>
-              <a:t>运行效率高</a:t>
-            </a:r>
-            <a:endParaRPr lang="en-US" altLang="zh-CN" dirty="0"/>
-          </a:p>
-          <a:p>
-            <a:pPr lvl="1"/>
-            <a:r>
-              <a:rPr lang="zh-CN" altLang="en-US" dirty="0"/>
-              <a:t>占用空间小</a:t>
-            </a:r>
-            <a:endParaRPr lang="en-US" altLang="zh-CN" dirty="0"/>
+              <a:rPr lang="en-US" altLang="zh-CN"/>
+              <a:t>...</a:t>
+            </a:r>
+            <a:endParaRPr lang="zh-CN" altLang="en-US"/>
           </a:p>
         </p:txBody>
       </p:sp>
     </p:spTree>
     <p:extLst>
       <p:ext uri="{BB962C8B-B14F-4D97-AF65-F5344CB8AC3E}">
-        <p14:creationId xmlns:p14="http://schemas.microsoft.com/office/powerpoint/2010/main" val="1355161320"/>
+        <p14:creationId xmlns:p14="http://schemas.microsoft.com/office/powerpoint/2010/main" val="826959064"/>
       </p:ext>
     </p:extLst>
   </p:cSld>
@@ -6706,7 +6643,7 @@
           <a:p>
             <a:r>
               <a:rPr lang="en-US" altLang="zh-CN"/>
-              <a:t>C++</a:t>
+              <a:t>PHP</a:t>
             </a:r>
             <a:endParaRPr lang="zh-CN" altLang="en-US"/>
           </a:p>
@@ -6722,90 +6659,77 @@
             <p:ph idx="1"/>
           </p:nvPr>
         </p:nvSpPr>
-        <p:spPr>
-          <a:xfrm>
-            <a:off x="395536" y="1628800"/>
-            <a:ext cx="8280920" cy="4752528"/>
-          </a:xfrm>
-        </p:spPr>
+        <p:spPr/>
         <p:txBody>
           <a:bodyPr/>
           <a:lstStyle/>
           <a:p>
             <a:r>
-              <a:rPr lang="en-US" altLang="zh-CN"/>
-              <a:t>C++</a:t>
-            </a:r>
-            <a:r>
-              <a:rPr lang="zh-CN" altLang="en-US"/>
-              <a:t>可以用于：</a:t>
-            </a:r>
-            <a:endParaRPr lang="en-US" altLang="zh-CN"/>
-          </a:p>
-          <a:p>
-            <a:pPr lvl="1"/>
-            <a:r>
-              <a:rPr lang="zh-CN" altLang="en-US"/>
-              <a:t>游戏</a:t>
-            </a:r>
-            <a:r>
-              <a:rPr lang="en-US" altLang="zh-CN"/>
-              <a:t>(</a:t>
-            </a:r>
-            <a:r>
-              <a:rPr lang="zh-CN" altLang="en-US"/>
-              <a:t>图形学</a:t>
-            </a:r>
-            <a:r>
-              <a:rPr lang="en-US" altLang="zh-CN"/>
-              <a:t>)</a:t>
-            </a:r>
-          </a:p>
-          <a:p>
-            <a:pPr lvl="1"/>
-            <a:r>
-              <a:rPr lang="zh-CN" altLang="en-US"/>
-              <a:t>图形界面</a:t>
-            </a:r>
-            <a:endParaRPr lang="en-US" altLang="zh-CN"/>
-          </a:p>
-          <a:p>
-            <a:pPr lvl="1"/>
-            <a:r>
-              <a:rPr lang="zh-CN" altLang="en-US"/>
-              <a:t>数据库</a:t>
-            </a:r>
-            <a:endParaRPr lang="en-US" altLang="zh-CN"/>
-          </a:p>
-          <a:p>
-            <a:pPr lvl="1"/>
-            <a:r>
-              <a:rPr lang="zh-CN" altLang="en-US"/>
-              <a:t>操作系统</a:t>
-            </a:r>
-            <a:endParaRPr lang="en-US" altLang="zh-CN"/>
-          </a:p>
-          <a:p>
-            <a:pPr lvl="1"/>
-            <a:r>
-              <a:rPr lang="en-US" altLang="zh-CN"/>
-              <a:t>...</a:t>
-            </a:r>
-          </a:p>
-          <a:p>
-            <a:pPr lvl="1"/>
-            <a:endParaRPr lang="en-US" altLang="zh-CN"/>
-          </a:p>
-          <a:p>
-            <a:pPr lvl="1"/>
-            <a:endParaRPr lang="zh-CN" altLang="en-US"/>
+              <a:rPr lang="en-US" altLang="zh-CN" dirty="0"/>
+              <a:t>PHP</a:t>
+            </a:r>
+            <a:r>
+              <a:rPr lang="zh-CN" altLang="en-US" dirty="0"/>
+              <a:t>最便捷的</a:t>
+            </a:r>
+            <a:r>
+              <a:rPr lang="en-US" altLang="zh-CN" dirty="0"/>
+              <a:t>WEB</a:t>
+            </a:r>
+            <a:r>
+              <a:rPr lang="zh-CN" altLang="en-US" dirty="0"/>
+              <a:t>后端编程语言，最适合建立简单的</a:t>
+            </a:r>
+            <a:r>
+              <a:rPr lang="en-US" altLang="zh-CN" dirty="0"/>
+              <a:t>Web</a:t>
+            </a:r>
+            <a:r>
+              <a:rPr lang="zh-CN" altLang="en-US" dirty="0"/>
+              <a:t>网站。</a:t>
+            </a:r>
+            <a:endParaRPr lang="en-US" altLang="zh-CN" dirty="0"/>
+          </a:p>
+          <a:p>
+            <a:r>
+              <a:rPr lang="en-US" altLang="zh-CN" dirty="0"/>
+              <a:t>WordPress</a:t>
+            </a:r>
+            <a:r>
+              <a:rPr lang="zh-CN" altLang="en-US" dirty="0"/>
+              <a:t>是一个使用</a:t>
+            </a:r>
+            <a:r>
+              <a:rPr lang="en-US" altLang="zh-CN" dirty="0"/>
+              <a:t>PHP</a:t>
+            </a:r>
+            <a:r>
+              <a:rPr lang="zh-CN" altLang="en-US" dirty="0"/>
+              <a:t>语言的开源软件，全世界有</a:t>
+            </a:r>
+            <a:r>
+              <a:rPr lang="en-US" altLang="zh-CN" dirty="0"/>
+              <a:t>7500</a:t>
+            </a:r>
+            <a:r>
+              <a:rPr lang="zh-CN" altLang="en-US" dirty="0"/>
+              <a:t>万网站是使用</a:t>
+            </a:r>
+            <a:r>
+              <a:rPr lang="en-US" altLang="zh-CN" dirty="0"/>
+              <a:t>WordPress</a:t>
+            </a:r>
+            <a:r>
+              <a:rPr lang="zh-CN" altLang="en-US" dirty="0"/>
+              <a:t>创建的。</a:t>
+            </a:r>
           </a:p>
         </p:txBody>
       </p:sp>
     </p:spTree>
     <p:extLst>
       <p:ext uri="{BB962C8B-B14F-4D97-AF65-F5344CB8AC3E}">
-        <p14:creationId xmlns:p14="http://schemas.microsoft.com/office/powerpoint/2010/main" val="3583153812"/>
+        <p14:creationId xmlns:p14="http://schemas.microsoft.com/office/powerpoint/2010/main" val="3460606636"/>
       </p:ext>
     </p:extLst>
   </p:cSld>
@@ -6859,9 +6783,10 @@
           <a:lstStyle/>
           <a:p>
             <a:r>
-              <a:rPr lang="zh-CN" altLang="en-US" dirty="0"/>
-              <a:t>联系方式以及课程网站</a:t>
-            </a:r>
+              <a:rPr lang="zh-CN" altLang="en-US"/>
+              <a:t>联系方式</a:t>
+            </a:r>
+            <a:endParaRPr lang="zh-CN" altLang="en-US" dirty="0"/>
           </a:p>
         </p:txBody>
       </p:sp>
@@ -6883,13 +6808,13 @@
         </p:nvSpPr>
         <p:spPr>
           <a:xfrm>
-            <a:off x="166129" y="1556792"/>
-            <a:ext cx="8640960" cy="4968334"/>
+            <a:off x="251520" y="1268760"/>
+            <a:ext cx="8496944" cy="5256584"/>
           </a:xfrm>
         </p:spPr>
         <p:txBody>
           <a:bodyPr>
-            <a:normAutofit fontScale="92500"/>
+            <a:normAutofit/>
           </a:bodyPr>
           <a:lstStyle/>
           <a:p>
@@ -6901,47 +6826,37 @@
           <a:p>
             <a:r>
               <a:rPr lang="en-US" altLang="zh-CN" sz="2800" dirty="0"/>
-              <a:t>EMAIL: </a:t>
-            </a:r>
-            <a:r>
-              <a:rPr lang="en-US" altLang="zh-CN" sz="2800" dirty="0">
-                <a:hlinkClick r:id="rId2"/>
+              <a:t>EMAIL</a:t>
+            </a:r>
+            <a:r>
+              <a:rPr lang="en-US" altLang="zh-CN" sz="2800"/>
+              <a:t>: </a:t>
+            </a:r>
+            <a:r>
+              <a:rPr lang="en-US" altLang="zh-CN" sz="2800">
+                <a:hlinkClick r:id="rId3"/>
               </a:rPr>
               <a:t>8259558@QQ.COM</a:t>
             </a:r>
+            <a:endParaRPr lang="en-US" altLang="zh-CN" sz="2800"/>
+          </a:p>
+          <a:p>
+            <a:r>
+              <a:rPr lang="en-US" altLang="zh-CN" sz="2800"/>
+              <a:t>QQ</a:t>
+            </a:r>
+            <a:r>
+              <a:rPr lang="zh-CN" altLang="en-US" sz="2800"/>
+              <a:t>群</a:t>
+            </a:r>
+            <a:endParaRPr lang="en-US" altLang="zh-CN" sz="2800"/>
+          </a:p>
+          <a:p>
             <a:endParaRPr lang="en-US" altLang="zh-CN" sz="2800" dirty="0"/>
           </a:p>
           <a:p>
-            <a:endParaRPr lang="en-US" altLang="zh-CN" sz="2800" dirty="0"/>
-          </a:p>
-          <a:p>
-            <a:endParaRPr lang="en-US" altLang="zh-CN" sz="2800" dirty="0"/>
-          </a:p>
-          <a:p>
-            <a:endParaRPr lang="en-US" altLang="zh-CN" sz="2800" dirty="0"/>
-          </a:p>
-          <a:p>
-            <a:endParaRPr lang="en-US" altLang="zh-CN" sz="2800" dirty="0"/>
-          </a:p>
-          <a:p>
-            <a:endParaRPr lang="en-US" altLang="zh-CN" sz="2800" dirty="0"/>
-          </a:p>
-          <a:p>
-            <a:r>
-              <a:rPr lang="en-US" altLang="zh-CN" sz="2800" b="1" dirty="0" err="1"/>
-              <a:t>Github</a:t>
-            </a:r>
-            <a:r>
-              <a:rPr lang="zh-CN" altLang="en-US" sz="2800" b="1" dirty="0"/>
-              <a:t>地址：</a:t>
-            </a:r>
-            <a:endParaRPr lang="en-US" altLang="zh-CN" sz="2800" b="1" dirty="0"/>
-          </a:p>
-          <a:p>
-            <a:r>
-              <a:rPr lang="en-US" altLang="zh-CN" sz="3000" b="1" dirty="0"/>
-              <a:t>https://github.com/zhoujing204/python_course</a:t>
-            </a:r>
+            <a:pPr lvl="1"/>
+            <a:endParaRPr lang="en-US" altLang="zh-CN" sz="2600" dirty="0"/>
           </a:p>
           <a:p>
             <a:endParaRPr lang="en-US" altLang="zh-CN" sz="2800" dirty="0"/>
@@ -6950,32 +6865,43 @@
       </p:sp>
       <p:pic>
         <p:nvPicPr>
-          <p:cNvPr id="5" name="图片 4">
-            <a:extLst>
-              <a:ext uri="{FF2B5EF4-FFF2-40B4-BE49-F238E27FC236}">
-                <a16:creationId xmlns:a16="http://schemas.microsoft.com/office/drawing/2014/main" id="{B23AFCCF-1BCE-4DD4-A151-3407EC54B31A}"/>
-              </a:ext>
-            </a:extLst>
-          </p:cNvPr>
+          <p:cNvPr id="1026" name="Picture 2" descr="C:\微云同步助手\21软件Python\21软件Python课程群群二维码.png"/>
           <p:cNvPicPr>
-            <a:picLocks noChangeAspect="1"/>
+            <a:picLocks noChangeAspect="1" noChangeArrowheads="1"/>
           </p:cNvPicPr>
           <p:nvPr/>
         </p:nvPicPr>
         <p:blipFill>
-          <a:blip r:embed="rId3"/>
+          <a:blip r:embed="rId4">
+            <a:extLst>
+              <a:ext uri="{28A0092B-C50C-407E-A947-70E740481C1C}">
+                <a14:useLocalDpi xmlns:a14="http://schemas.microsoft.com/office/drawing/2010/main" val="0"/>
+              </a:ext>
+            </a:extLst>
+          </a:blip>
+          <a:srcRect/>
           <a:stretch>
             <a:fillRect/>
           </a:stretch>
         </p:blipFill>
-        <p:spPr>
+        <p:spPr bwMode="auto">
           <a:xfrm>
-            <a:off x="5378371" y="1196963"/>
-            <a:ext cx="3586117" cy="4601653"/>
+            <a:off x="2868053" y="2636912"/>
+            <a:ext cx="3128127" cy="4013968"/>
           </a:xfrm>
           <a:prstGeom prst="rect">
             <a:avLst/>
           </a:prstGeom>
+          <a:noFill/>
+          <a:extLst>
+            <a:ext uri="{909E8E84-426E-40DD-AFC4-6F175D3DCCD1}">
+              <a14:hiddenFill xmlns:a14="http://schemas.microsoft.com/office/drawing/2010/main">
+                <a:solidFill>
+                  <a:srgbClr val="FFFFFF"/>
+                </a:solidFill>
+              </a14:hiddenFill>
+            </a:ext>
+          </a:extLst>
         </p:spPr>
       </p:pic>
     </p:spTree>
@@ -7024,10 +6950,10 @@
           <a:lstStyle/>
           <a:p>
             <a:r>
-              <a:rPr lang="en-US" altLang="zh-CN"/>
-              <a:t>Java</a:t>
-            </a:r>
-            <a:endParaRPr lang="zh-CN" altLang="en-US"/>
+              <a:rPr lang="en-US" altLang="zh-CN" dirty="0"/>
+              <a:t>JavaScript</a:t>
+            </a:r>
+            <a:endParaRPr lang="zh-CN" altLang="en-US" dirty="0"/>
           </a:p>
         </p:txBody>
       </p:sp>
@@ -7041,82 +6967,78 @@
             <p:ph idx="1"/>
           </p:nvPr>
         </p:nvSpPr>
-        <p:spPr/>
+        <p:spPr>
+          <a:xfrm>
+            <a:off x="467544" y="2204864"/>
+            <a:ext cx="7955280" cy="4179478"/>
+          </a:xfrm>
+        </p:spPr>
         <p:txBody>
           <a:bodyPr/>
           <a:lstStyle/>
           <a:p>
             <a:r>
               <a:rPr lang="en-US" altLang="zh-CN" dirty="0"/>
-              <a:t>Java</a:t>
-            </a:r>
-            <a:r>
-              <a:rPr lang="zh-CN" altLang="en-US" dirty="0"/>
-              <a:t>从</a:t>
+              <a:t>JavaScript</a:t>
+            </a:r>
+            <a:r>
+              <a:rPr lang="zh-CN" altLang="en-US" dirty="0"/>
+              <a:t>是一种可以用于</a:t>
+            </a:r>
+            <a:r>
+              <a:rPr lang="zh-CN" altLang="en-US" b="1" dirty="0">
+                <a:solidFill>
+                  <a:srgbClr val="FF0000"/>
+                </a:solidFill>
+              </a:rPr>
+              <a:t>前端</a:t>
+            </a:r>
+            <a:r>
+              <a:rPr lang="zh-CN" altLang="en-US" dirty="0"/>
+              <a:t>和服务端（</a:t>
             </a:r>
             <a:r>
               <a:rPr lang="en-US" altLang="zh-CN" dirty="0"/>
-              <a:t>2000</a:t>
-            </a:r>
-            <a:r>
-              <a:rPr lang="zh-CN" altLang="en-US" dirty="0"/>
-              <a:t>年后开始长期占据编程语言排行榜（</a:t>
-            </a:r>
+              <a:t>Node.js</a:t>
+            </a:r>
+            <a:r>
+              <a:rPr lang="zh-CN" altLang="en-US" dirty="0"/>
+              <a:t>）的脚本语言。</a:t>
+            </a:r>
+            <a:endParaRPr lang="en-US" altLang="zh-CN" dirty="0"/>
+          </a:p>
+          <a:p>
+            <a:r>
+              <a:rPr lang="zh-CN" altLang="en-US" dirty="0"/>
+              <a:t>前端技术被广泛用于创建</a:t>
+            </a:r>
+            <a:endParaRPr lang="en-US" altLang="zh-CN" dirty="0"/>
+          </a:p>
+          <a:p>
+            <a:pPr lvl="1"/>
             <a:r>
               <a:rPr lang="en-US" altLang="zh-CN" dirty="0"/>
-              <a:t>TIOBE</a:t>
-            </a:r>
-            <a:r>
-              <a:rPr lang="zh-CN" altLang="en-US" dirty="0"/>
-              <a:t>）第一的位置。</a:t>
+              <a:t>Web</a:t>
+            </a:r>
+            <a:r>
+              <a:rPr lang="zh-CN" altLang="en-US" dirty="0"/>
+              <a:t>应用界面</a:t>
             </a:r>
             <a:endParaRPr lang="en-US" altLang="zh-CN" dirty="0"/>
           </a:p>
           <a:p>
-            <a:r>
-              <a:rPr lang="en-US" altLang="zh-CN" dirty="0"/>
-              <a:t>Spring</a:t>
-            </a:r>
-            <a:r>
-              <a:rPr lang="zh-CN" altLang="en-US" dirty="0"/>
-              <a:t>框架使得使用</a:t>
-            </a:r>
-            <a:r>
-              <a:rPr lang="en-US" altLang="zh-CN" dirty="0"/>
-              <a:t>Java</a:t>
-            </a:r>
-            <a:r>
-              <a:rPr lang="zh-CN" altLang="en-US" dirty="0"/>
-              <a:t>创建企业级的软件非常容易，大约</a:t>
-            </a:r>
-            <a:r>
-              <a:rPr lang="en-US" altLang="zh-CN" dirty="0"/>
-              <a:t>97%</a:t>
-            </a:r>
-            <a:r>
-              <a:rPr lang="zh-CN" altLang="en-US" dirty="0"/>
-              <a:t>的企业级软件使用的是</a:t>
-            </a:r>
-            <a:r>
-              <a:rPr lang="en-US" altLang="zh-CN" dirty="0"/>
-              <a:t>Java</a:t>
-            </a:r>
-            <a:r>
-              <a:rPr lang="zh-CN" altLang="en-US" dirty="0"/>
-              <a:t>。</a:t>
-            </a:r>
-            <a:endParaRPr lang="en-US" altLang="zh-CN" dirty="0"/>
-          </a:p>
-          <a:p>
             <a:pPr lvl="1"/>
-            <a:endParaRPr lang="zh-CN" altLang="en-US" dirty="0"/>
+            <a:r>
+              <a:rPr lang="zh-CN" altLang="en-US" dirty="0"/>
+              <a:t>移动应用的界面</a:t>
+            </a:r>
           </a:p>
         </p:txBody>
       </p:sp>
     </p:spTree>
     <p:extLst>
       <p:ext uri="{BB962C8B-B14F-4D97-AF65-F5344CB8AC3E}">
-        <p14:creationId xmlns:p14="http://schemas.microsoft.com/office/powerpoint/2010/main" val="1354274522"/>
+        <p14:creationId xmlns:p14="http://schemas.microsoft.com/office/powerpoint/2010/main" val="3098223933"/>
       </p:ext>
     </p:extLst>
   </p:cSld>
@@ -7159,10 +7081,9 @@
           <a:lstStyle/>
           <a:p>
             <a:r>
-              <a:rPr lang="en-US" altLang="zh-CN"/>
-              <a:t>C#</a:t>
-            </a:r>
-            <a:endParaRPr lang="zh-CN" altLang="en-US"/>
+              <a:rPr lang="zh-CN" altLang="en-US"/>
+              <a:t>新的编程语言的介绍</a:t>
+            </a:r>
           </a:p>
         </p:txBody>
       </p:sp>
@@ -7176,61 +7097,100 @@
             <p:ph idx="1"/>
           </p:nvPr>
         </p:nvSpPr>
-        <p:spPr/>
+        <p:spPr>
+          <a:xfrm>
+            <a:off x="343136" y="1774086"/>
+            <a:ext cx="8261312" cy="4175194"/>
+          </a:xfrm>
+        </p:spPr>
         <p:txBody>
           <a:bodyPr/>
           <a:lstStyle/>
           <a:p>
             <a:r>
-              <a:rPr lang="zh-CN" altLang="en-US" dirty="0"/>
-              <a:t>微软的</a:t>
-            </a:r>
-            <a:r>
               <a:rPr lang="en-US" altLang="zh-CN" dirty="0"/>
-              <a:t>Java</a:t>
-            </a:r>
-            <a:r>
-              <a:rPr lang="zh-CN" altLang="en-US" dirty="0"/>
-              <a:t>语言（原名</a:t>
-            </a:r>
+              <a:t>Rust     --- &gt;  c,  </a:t>
+            </a:r>
+            <a:r>
+              <a:rPr lang="en-US" altLang="zh-CN" dirty="0" err="1"/>
+              <a:t>c++</a:t>
+            </a:r>
+            <a:endParaRPr lang="en-US" altLang="zh-CN" dirty="0"/>
+          </a:p>
+          <a:p>
+            <a:r>
+              <a:rPr lang="en-US" altLang="zh-CN"/>
+              <a:t>Go    --- &gt;  c++, Java, Python</a:t>
+            </a:r>
+            <a:endParaRPr lang="en-US" altLang="zh-CN" dirty="0"/>
+          </a:p>
+          <a:p>
             <a:r>
               <a:rPr lang="en-US" altLang="zh-CN" dirty="0"/>
-              <a:t>Visual Java</a:t>
-            </a:r>
-            <a:r>
-              <a:rPr lang="zh-CN" altLang="en-US" dirty="0"/>
-              <a:t>）。</a:t>
+              <a:t>Kotlin    ---- &gt;  Java</a:t>
+            </a:r>
+          </a:p>
+          <a:p>
+            <a:r>
+              <a:rPr lang="en-US" altLang="zh-CN" dirty="0"/>
+              <a:t>TypeScript    ----</a:t>
+            </a:r>
+            <a:r>
+              <a:rPr lang="en-US" altLang="zh-CN" dirty="0">
+                <a:sym typeface="Wingdings" panose="05000000000000000000" pitchFamily="2" charset="2"/>
+              </a:rPr>
+              <a:t> </a:t>
+            </a:r>
+            <a:r>
+              <a:rPr lang="en-US" altLang="zh-CN" dirty="0"/>
+              <a:t>&gt;</a:t>
+            </a:r>
+            <a:r>
+              <a:rPr lang="en-US" altLang="zh-CN" dirty="0">
+                <a:sym typeface="Wingdings" panose="05000000000000000000" pitchFamily="2" charset="2"/>
+              </a:rPr>
+              <a:t>  JavaScript</a:t>
             </a:r>
             <a:endParaRPr lang="en-US" altLang="zh-CN" dirty="0"/>
           </a:p>
           <a:p>
             <a:r>
-              <a:rPr lang="zh-CN" altLang="en-US" dirty="0"/>
-              <a:t>主要用于</a:t>
-            </a:r>
-            <a:r>
               <a:rPr lang="en-US" altLang="zh-CN" dirty="0"/>
-              <a:t>Windows</a:t>
-            </a:r>
-            <a:r>
-              <a:rPr lang="zh-CN" altLang="en-US" dirty="0"/>
-              <a:t>平台的应用开发。</a:t>
-            </a:r>
-            <a:endParaRPr lang="en-US" altLang="zh-CN" dirty="0"/>
-          </a:p>
-          <a:p>
-            <a:r>
-              <a:rPr lang="en-US" altLang="zh-CN" dirty="0"/>
-              <a:t>Unity</a:t>
-            </a:r>
+              <a:t>Julia       ---- &gt;   Python</a:t>
+            </a:r>
+          </a:p>
+          <a:p>
             <a:endParaRPr lang="zh-CN" altLang="en-US" dirty="0"/>
+          </a:p>
+        </p:txBody>
+      </p:sp>
+      <p:sp>
+        <p:nvSpPr>
+          <p:cNvPr id="4" name="灯片编号占位符 3"/>
+          <p:cNvSpPr>
+            <a:spLocks noGrp="1"/>
+          </p:cNvSpPr>
+          <p:nvPr>
+            <p:ph type="sldNum" sz="quarter" idx="12"/>
+          </p:nvPr>
+        </p:nvSpPr>
+        <p:spPr/>
+        <p:txBody>
+          <a:bodyPr/>
+          <a:lstStyle/>
+          <a:p>
+            <a:fld id="{3499BFCA-6CB1-449C-B6ED-D6AF360AA522}" type="slidenum">
+              <a:rPr lang="zh-CN" altLang="en-US" smtClean="0"/>
+              <a:t>21</a:t>
+            </a:fld>
+            <a:endParaRPr lang="en-US"/>
           </a:p>
         </p:txBody>
       </p:sp>
     </p:spTree>
     <p:extLst>
       <p:ext uri="{BB962C8B-B14F-4D97-AF65-F5344CB8AC3E}">
-        <p14:creationId xmlns:p14="http://schemas.microsoft.com/office/powerpoint/2010/main" val="3980324214"/>
+        <p14:creationId xmlns:p14="http://schemas.microsoft.com/office/powerpoint/2010/main" val="1321499863"/>
       </p:ext>
     </p:extLst>
   </p:cSld>
@@ -7273,10 +7233,13 @@
           <a:lstStyle/>
           <a:p>
             <a:r>
-              <a:rPr lang="en-US" altLang="zh-CN"/>
-              <a:t>PHP</a:t>
-            </a:r>
-            <a:endParaRPr lang="zh-CN" altLang="en-US"/>
+              <a:rPr lang="en-US" altLang="zh-CN" dirty="0"/>
+              <a:t>Go</a:t>
+            </a:r>
+            <a:r>
+              <a:rPr lang="zh-CN" altLang="en-US" dirty="0"/>
+              <a:t>语言</a:t>
+            </a:r>
           </a:p>
         </p:txBody>
       </p:sp>
@@ -7290,69 +7253,34 @@
             <p:ph idx="1"/>
           </p:nvPr>
         </p:nvSpPr>
-        <p:spPr/>
+        <p:spPr>
+          <a:xfrm>
+            <a:off x="179512" y="1981200"/>
+            <a:ext cx="8507288" cy="3968080"/>
+          </a:xfrm>
+        </p:spPr>
         <p:txBody>
           <a:bodyPr/>
           <a:lstStyle/>
           <a:p>
             <a:r>
-              <a:rPr lang="en-US" altLang="zh-CN" dirty="0"/>
-              <a:t>PHP</a:t>
-            </a:r>
-            <a:r>
-              <a:rPr lang="zh-CN" altLang="en-US" dirty="0"/>
-              <a:t>最便捷的</a:t>
-            </a:r>
-            <a:r>
-              <a:rPr lang="en-US" altLang="zh-CN" dirty="0"/>
-              <a:t>WEB</a:t>
-            </a:r>
-            <a:r>
-              <a:rPr lang="zh-CN" altLang="en-US" dirty="0"/>
-              <a:t>后端编程语言，最适合建立简单的</a:t>
-            </a:r>
-            <a:r>
-              <a:rPr lang="en-US" altLang="zh-CN" dirty="0"/>
-              <a:t>Web</a:t>
-            </a:r>
-            <a:r>
-              <a:rPr lang="zh-CN" altLang="en-US" dirty="0"/>
-              <a:t>网站。</a:t>
-            </a:r>
-            <a:endParaRPr lang="en-US" altLang="zh-CN" dirty="0"/>
-          </a:p>
-          <a:p>
-            <a:r>
-              <a:rPr lang="en-US" altLang="zh-CN" dirty="0"/>
-              <a:t>WordPress</a:t>
-            </a:r>
-            <a:r>
-              <a:rPr lang="zh-CN" altLang="en-US" dirty="0"/>
-              <a:t>是一个使用</a:t>
-            </a:r>
-            <a:r>
-              <a:rPr lang="en-US" altLang="zh-CN" dirty="0"/>
-              <a:t>PHP</a:t>
-            </a:r>
-            <a:r>
-              <a:rPr lang="zh-CN" altLang="en-US" dirty="0"/>
-              <a:t>语言的开源软件，全世界有</a:t>
-            </a:r>
-            <a:r>
-              <a:rPr lang="en-US" altLang="zh-CN" dirty="0"/>
-              <a:t>7500</a:t>
-            </a:r>
-            <a:r>
-              <a:rPr lang="zh-CN" altLang="en-US" dirty="0"/>
-              <a:t>万网站是使用</a:t>
-            </a:r>
-            <a:r>
-              <a:rPr lang="en-US" altLang="zh-CN" dirty="0"/>
-              <a:t>WordPress</a:t>
-            </a:r>
-            <a:r>
-              <a:rPr lang="zh-CN" altLang="en-US" dirty="0"/>
-              <a:t>创建的。</a:t>
+              <a:rPr lang="en-US" altLang="zh-CN"/>
+              <a:t>Go</a:t>
+            </a:r>
+            <a:r>
+              <a:rPr lang="zh-CN" altLang="en-US"/>
+              <a:t>语言用于大规模的服务端或者大的分布式系统。</a:t>
+            </a:r>
+            <a:endParaRPr lang="en-US" altLang="zh-CN"/>
+          </a:p>
+          <a:p>
+            <a:r>
+              <a:rPr lang="en-US" altLang="zh-CN"/>
+              <a:t>Go</a:t>
+            </a:r>
+            <a:r>
+              <a:rPr lang="zh-CN" altLang="en-US"/>
+              <a:t>语言最主要的特点是多线程和并发编程。</a:t>
             </a:r>
           </a:p>
         </p:txBody>
@@ -7360,7 +7288,7 @@
     </p:spTree>
     <p:extLst>
       <p:ext uri="{BB962C8B-B14F-4D97-AF65-F5344CB8AC3E}">
-        <p14:creationId xmlns:p14="http://schemas.microsoft.com/office/powerpoint/2010/main" val="3460606636"/>
+        <p14:creationId xmlns:p14="http://schemas.microsoft.com/office/powerpoint/2010/main" val="4165848435"/>
       </p:ext>
     </p:extLst>
   </p:cSld>
@@ -7403,10 +7331,13 @@
           <a:lstStyle/>
           <a:p>
             <a:r>
-              <a:rPr lang="en-US" altLang="zh-CN" dirty="0"/>
-              <a:t>JavaScript</a:t>
-            </a:r>
-            <a:endParaRPr lang="zh-CN" altLang="en-US" dirty="0"/>
+              <a:rPr lang="en-US" altLang="zh-CN"/>
+              <a:t>Kotlin</a:t>
+            </a:r>
+            <a:r>
+              <a:rPr lang="zh-CN" altLang="en-US"/>
+              <a:t>语言</a:t>
+            </a:r>
           </a:p>
         </p:txBody>
       </p:sp>
@@ -7420,70 +7351,61 @@
             <p:ph idx="1"/>
           </p:nvPr>
         </p:nvSpPr>
-        <p:spPr>
-          <a:xfrm>
-            <a:off x="467544" y="2204864"/>
-            <a:ext cx="7955280" cy="4179478"/>
-          </a:xfrm>
-        </p:spPr>
+        <p:spPr/>
         <p:txBody>
           <a:bodyPr/>
           <a:lstStyle/>
           <a:p>
             <a:r>
-              <a:rPr lang="en-US" altLang="zh-CN" dirty="0"/>
-              <a:t>JavaScript</a:t>
-            </a:r>
-            <a:r>
-              <a:rPr lang="zh-CN" altLang="en-US" dirty="0"/>
-              <a:t>是一种可以用于</a:t>
-            </a:r>
-            <a:r>
-              <a:rPr lang="zh-CN" altLang="en-US" b="1" dirty="0">
-                <a:solidFill>
-                  <a:srgbClr val="FF0000"/>
-                </a:solidFill>
-              </a:rPr>
-              <a:t>前端</a:t>
-            </a:r>
-            <a:r>
-              <a:rPr lang="zh-CN" altLang="en-US" dirty="0"/>
-              <a:t>和服务端（</a:t>
-            </a:r>
-            <a:r>
-              <a:rPr lang="en-US" altLang="zh-CN" dirty="0"/>
-              <a:t>Node.js</a:t>
-            </a:r>
-            <a:r>
-              <a:rPr lang="zh-CN" altLang="en-US" dirty="0"/>
-              <a:t>）的脚本语言。</a:t>
-            </a:r>
-            <a:endParaRPr lang="en-US" altLang="zh-CN" dirty="0"/>
-          </a:p>
-          <a:p>
-            <a:r>
-              <a:rPr lang="zh-CN" altLang="en-US" dirty="0"/>
-              <a:t>前端技术被广泛用于创建</a:t>
-            </a:r>
-            <a:endParaRPr lang="en-US" altLang="zh-CN" dirty="0"/>
-          </a:p>
-          <a:p>
-            <a:pPr lvl="1"/>
-            <a:r>
-              <a:rPr lang="en-US" altLang="zh-CN" dirty="0"/>
-              <a:t>Web</a:t>
-            </a:r>
-            <a:r>
-              <a:rPr lang="zh-CN" altLang="en-US" dirty="0"/>
-              <a:t>应用界面</a:t>
-            </a:r>
-            <a:endParaRPr lang="en-US" altLang="zh-CN" dirty="0"/>
-          </a:p>
-          <a:p>
-            <a:pPr lvl="1"/>
-            <a:r>
-              <a:rPr lang="zh-CN" altLang="en-US" dirty="0"/>
-              <a:t>移动应用的界面</a:t>
+              <a:rPr lang="en-US" altLang="zh-CN"/>
+              <a:t>Kotlin</a:t>
+            </a:r>
+            <a:r>
+              <a:rPr lang="zh-CN" altLang="en-US"/>
+              <a:t>目前主要用于</a:t>
+            </a:r>
+            <a:r>
+              <a:rPr lang="en-US" altLang="zh-CN"/>
+              <a:t>Android</a:t>
+            </a:r>
+            <a:r>
+              <a:rPr lang="zh-CN" altLang="en-US"/>
+              <a:t>应用的开发。</a:t>
+            </a:r>
+            <a:endParaRPr lang="en-US" altLang="zh-CN"/>
+          </a:p>
+          <a:p>
+            <a:r>
+              <a:rPr lang="en-US" altLang="zh-CN"/>
+              <a:t>Kotlin</a:t>
+            </a:r>
+            <a:r>
+              <a:rPr lang="zh-CN" altLang="en-US"/>
+              <a:t>完全与</a:t>
+            </a:r>
+            <a:r>
+              <a:rPr lang="en-US" altLang="zh-CN"/>
+              <a:t>Java</a:t>
+            </a:r>
+            <a:r>
+              <a:rPr lang="zh-CN" altLang="en-US"/>
+              <a:t>相互兼容，可以相互操作，在所有可以应用</a:t>
+            </a:r>
+            <a:r>
+              <a:rPr lang="en-US" altLang="zh-CN"/>
+              <a:t>Java</a:t>
+            </a:r>
+            <a:r>
+              <a:rPr lang="zh-CN" altLang="en-US"/>
+              <a:t>的地方都可以使用</a:t>
+            </a:r>
+            <a:r>
+              <a:rPr lang="en-US" altLang="zh-CN"/>
+              <a:t>Kotlin</a:t>
+            </a:r>
+            <a:r>
+              <a:rPr lang="zh-CN" altLang="en-US"/>
+              <a:t>。</a:t>
             </a:r>
           </a:p>
         </p:txBody>
@@ -7491,7 +7413,7 @@
     </p:spTree>
     <p:extLst>
       <p:ext uri="{BB962C8B-B14F-4D97-AF65-F5344CB8AC3E}">
-        <p14:creationId xmlns:p14="http://schemas.microsoft.com/office/powerpoint/2010/main" val="3098223933"/>
+        <p14:creationId xmlns:p14="http://schemas.microsoft.com/office/powerpoint/2010/main" val="2490786592"/>
       </p:ext>
     </p:extLst>
   </p:cSld>
@@ -7506,7 +7428,7 @@
   <p:cSld>
     <p:spTree>
       <p:nvGrpSpPr>
-        <p:cNvPr id="1" name=""/>
+        <p:cNvPr id="1" name="Shape 246"/>
         <p:cNvGrpSpPr/>
         <p:nvPr/>
       </p:nvGrpSpPr>
@@ -7520,134 +7442,84 @@
       </p:grpSpPr>
       <p:sp>
         <p:nvSpPr>
-          <p:cNvPr id="2" name="标题 1"/>
-          <p:cNvSpPr>
+          <p:cNvPr id="247" name="Google Shape;247;p27"/>
+          <p:cNvSpPr txBox="1">
             <a:spLocks noGrp="1"/>
           </p:cNvSpPr>
           <p:nvPr>
-            <p:ph type="title"/>
-          </p:nvPr>
-        </p:nvSpPr>
-        <p:spPr/>
-        <p:txBody>
-          <a:bodyPr/>
-          <a:lstStyle/>
-          <a:p>
-            <a:r>
-              <a:rPr lang="zh-CN" altLang="en-US"/>
-              <a:t>新的编程语言的介绍</a:t>
-            </a:r>
-          </a:p>
-        </p:txBody>
-      </p:sp>
-      <p:sp>
-        <p:nvSpPr>
-          <p:cNvPr id="3" name="内容占位符 2"/>
-          <p:cNvSpPr>
-            <a:spLocks noGrp="1"/>
-          </p:cNvSpPr>
-          <p:nvPr>
-            <p:ph idx="1"/>
+            <p:ph type="ctrTitle" idx="4294967295"/>
           </p:nvPr>
         </p:nvSpPr>
         <p:spPr>
           <a:xfrm>
-            <a:off x="343136" y="1774086"/>
-            <a:ext cx="8261312" cy="4175194"/>
+            <a:off x="755576" y="1556792"/>
+            <a:ext cx="7918648" cy="2088231"/>
           </a:xfrm>
+          <a:prstGeom prst="rect">
+            <a:avLst/>
+          </a:prstGeom>
         </p:spPr>
         <p:txBody>
-          <a:bodyPr/>
+          <a:bodyPr spcFirstLastPara="1" wrap="square" lIns="91425" tIns="91425" rIns="91425" bIns="91425" anchor="b" anchorCtr="0">
+            <a:noAutofit/>
+          </a:bodyPr>
           <a:lstStyle/>
           <a:p>
-            <a:r>
-              <a:rPr lang="en-US" altLang="zh-CN" dirty="0"/>
-              <a:t>Rust     --- &gt;  c,  </a:t>
-            </a:r>
-            <a:r>
-              <a:rPr lang="en-US" altLang="zh-CN" dirty="0" err="1"/>
-              <a:t>c++</a:t>
-            </a:r>
-            <a:endParaRPr lang="en-US" altLang="zh-CN" dirty="0"/>
-          </a:p>
-          <a:p>
-            <a:r>
-              <a:rPr lang="en-US" altLang="zh-CN"/>
-              <a:t>Go </a:t>
-            </a:r>
-            <a:r>
-              <a:rPr lang="zh-CN" altLang="en-US"/>
-              <a:t>擅长并发编程</a:t>
-            </a:r>
-            <a:endParaRPr lang="en-US" altLang="zh-CN" dirty="0"/>
-          </a:p>
-          <a:p>
-            <a:r>
-              <a:rPr lang="en-US" altLang="zh-CN" dirty="0"/>
-              <a:t>Kotlin    ---- &gt;  Java</a:t>
-            </a:r>
-          </a:p>
-          <a:p>
-            <a:r>
-              <a:rPr lang="en-US" altLang="zh-CN" dirty="0"/>
-              <a:t>TypeScript    ----</a:t>
-            </a:r>
-            <a:r>
-              <a:rPr lang="en-US" altLang="zh-CN" dirty="0">
-                <a:sym typeface="Wingdings" panose="05000000000000000000" pitchFamily="2" charset="2"/>
-              </a:rPr>
-              <a:t> </a:t>
-            </a:r>
-            <a:r>
-              <a:rPr lang="en-US" altLang="zh-CN" dirty="0"/>
-              <a:t>&gt;</a:t>
-            </a:r>
-            <a:r>
-              <a:rPr lang="en-US" altLang="zh-CN" dirty="0">
-                <a:sym typeface="Wingdings" panose="05000000000000000000" pitchFamily="2" charset="2"/>
-              </a:rPr>
-              <a:t>  JavaScript</a:t>
-            </a:r>
-            <a:endParaRPr lang="en-US" altLang="zh-CN" dirty="0"/>
-          </a:p>
-          <a:p>
-            <a:r>
-              <a:rPr lang="en-US" altLang="zh-CN" dirty="0"/>
-              <a:t>Julia       ---- &gt;   Python</a:t>
-            </a:r>
-          </a:p>
-          <a:p>
-            <a:endParaRPr lang="zh-CN" altLang="en-US" dirty="0"/>
-          </a:p>
-        </p:txBody>
-      </p:sp>
-      <p:sp>
-        <p:nvSpPr>
-          <p:cNvPr id="4" name="灯片编号占位符 3"/>
-          <p:cNvSpPr>
+            <a:pPr lvl="0" algn="ctr"/>
+            <a:r>
+              <a:rPr lang="zh-CN" altLang="en-US" sz="6000" dirty="0"/>
+              <a:t>哪种编程语言是你最偏好的编程语言？</a:t>
+            </a:r>
+            <a:endParaRPr sz="6000" b="1" dirty="0"/>
+          </a:p>
+        </p:txBody>
+      </p:sp>
+      <p:sp>
+        <p:nvSpPr>
+          <p:cNvPr id="249" name="Google Shape;249;p27"/>
+          <p:cNvSpPr txBox="1">
             <a:spLocks noGrp="1"/>
           </p:cNvSpPr>
           <p:nvPr>
-            <p:ph type="sldNum" sz="quarter" idx="12"/>
-          </p:nvPr>
-        </p:nvSpPr>
-        <p:spPr/>
-        <p:txBody>
-          <a:bodyPr/>
+            <p:ph type="sldNum" idx="12"/>
+          </p:nvPr>
+        </p:nvSpPr>
+        <p:spPr>
+          <a:xfrm>
+            <a:off x="8404384" y="6333135"/>
+            <a:ext cx="548700" cy="524800"/>
+          </a:xfrm>
+          <a:prstGeom prst="rect">
+            <a:avLst/>
+          </a:prstGeom>
+        </p:spPr>
+        <p:txBody>
+          <a:bodyPr spcFirstLastPara="1" wrap="square" lIns="91425" tIns="91425" rIns="91425" bIns="91425" anchor="t" anchorCtr="0">
+            <a:noAutofit/>
+          </a:bodyPr>
           <a:lstStyle/>
           <a:p>
-            <a:fld id="{3499BFCA-6CB1-449C-B6ED-D6AF360AA522}" type="slidenum">
-              <a:rPr lang="zh-CN" altLang="en-US" smtClean="0"/>
+            <a:pPr marL="0" lvl="0" indent="0" algn="r" rtl="0">
+              <a:spcBef>
+                <a:spcPts val="0"/>
+              </a:spcBef>
+              <a:spcAft>
+                <a:spcPts val="0"/>
+              </a:spcAft>
+              <a:buNone/>
+            </a:pPr>
+            <a:fld id="{00000000-1234-1234-1234-123412341234}" type="slidenum">
+              <a:rPr lang="en"/>
               <a:t>24</a:t>
             </a:fld>
-            <a:endParaRPr lang="en-US"/>
+            <a:endParaRPr/>
           </a:p>
         </p:txBody>
       </p:sp>
     </p:spTree>
     <p:extLst>
       <p:ext uri="{BB962C8B-B14F-4D97-AF65-F5344CB8AC3E}">
-        <p14:creationId xmlns:p14="http://schemas.microsoft.com/office/powerpoint/2010/main" val="1321499863"/>
+        <p14:creationId xmlns:p14="http://schemas.microsoft.com/office/powerpoint/2010/main" val="715012436"/>
       </p:ext>
     </p:extLst>
   </p:cSld>
@@ -7676,32 +7548,6 @@
       </p:grpSpPr>
       <p:sp>
         <p:nvSpPr>
-          <p:cNvPr id="2" name="标题 1"/>
-          <p:cNvSpPr>
-            <a:spLocks noGrp="1"/>
-          </p:cNvSpPr>
-          <p:nvPr>
-            <p:ph type="title"/>
-          </p:nvPr>
-        </p:nvSpPr>
-        <p:spPr/>
-        <p:txBody>
-          <a:bodyPr/>
-          <a:lstStyle/>
-          <a:p>
-            <a:r>
-              <a:rPr lang="en-US" altLang="zh-CN" dirty="0"/>
-              <a:t>Go</a:t>
-            </a:r>
-            <a:r>
-              <a:rPr lang="zh-CN" altLang="en-US" dirty="0"/>
-              <a:t>语言</a:t>
-            </a:r>
-          </a:p>
-        </p:txBody>
-      </p:sp>
-      <p:sp>
-        <p:nvSpPr>
           <p:cNvPr id="3" name="内容占位符 2"/>
           <p:cNvSpPr>
             <a:spLocks noGrp="1"/>
@@ -7712,40 +7558,144 @@
         </p:nvSpPr>
         <p:spPr>
           <a:xfrm>
-            <a:off x="179512" y="1981200"/>
-            <a:ext cx="8507288" cy="3968080"/>
+            <a:off x="395536" y="1196752"/>
+            <a:ext cx="5328592" cy="4320480"/>
           </a:xfrm>
         </p:spPr>
         <p:txBody>
-          <a:bodyPr/>
+          <a:bodyPr>
+            <a:normAutofit/>
+          </a:bodyPr>
           <a:lstStyle/>
           <a:p>
             <a:r>
-              <a:rPr lang="en-US" altLang="zh-CN"/>
-              <a:t>Go</a:t>
-            </a:r>
-            <a:r>
-              <a:rPr lang="zh-CN" altLang="en-US"/>
-              <a:t>语言用于大规模的服务端或者大的分布式系统。</a:t>
-            </a:r>
-            <a:endParaRPr lang="en-US" altLang="zh-CN"/>
-          </a:p>
-          <a:p>
-            <a:r>
-              <a:rPr lang="en-US" altLang="zh-CN"/>
-              <a:t>Go</a:t>
-            </a:r>
-            <a:r>
-              <a:rPr lang="zh-CN" altLang="en-US"/>
-              <a:t>语言最主要的特点是多线程和并发编程。</a:t>
-            </a:r>
-          </a:p>
-        </p:txBody>
-      </p:sp>
+              <a:rPr lang="en-US" altLang="zh-CN" sz="2800" dirty="0"/>
+              <a:t>“The limits of my language are the limits of my world”—</a:t>
+            </a:r>
+            <a:r>
+              <a:rPr lang="en-US" altLang="zh-CN" sz="2800" i="1" dirty="0"/>
+              <a:t>Ludwig Wittgenstein (1889-1951</a:t>
+            </a:r>
+            <a:r>
+              <a:rPr lang="en-US" altLang="zh-CN" sz="2800" i="1"/>
+              <a:t>)</a:t>
+            </a:r>
+            <a:r>
+              <a:rPr lang="en-US" altLang="zh-CN" sz="2800"/>
+              <a:t> </a:t>
+            </a:r>
+          </a:p>
+          <a:p>
+            <a:endParaRPr lang="en-US" altLang="zh-CN" sz="2800"/>
+          </a:p>
+          <a:p>
+            <a:endParaRPr lang="en-US" altLang="zh-CN" sz="2800"/>
+          </a:p>
+          <a:p>
+            <a:r>
+              <a:rPr lang="zh-CN" altLang="en-US" sz="2800"/>
+              <a:t>“我的语言的局限就是我的世界的局限</a:t>
+            </a:r>
+            <a:r>
+              <a:rPr lang="en-US" altLang="zh-CN" sz="2800"/>
+              <a:t>.”--</a:t>
+            </a:r>
+            <a:r>
+              <a:rPr lang="en-US" altLang="zh-CN" sz="2800" i="1"/>
+              <a:t> Ludwig Wittgenstein (1889-1951)</a:t>
+            </a:r>
+            <a:r>
+              <a:rPr lang="en-US" altLang="zh-CN" sz="2800"/>
+              <a:t> </a:t>
+            </a:r>
+            <a:endParaRPr lang="zh-CN" altLang="en-US" sz="2800" dirty="0"/>
+          </a:p>
+        </p:txBody>
+      </p:sp>
+      <p:sp>
+        <p:nvSpPr>
+          <p:cNvPr id="4" name="AutoShape 2" descr="35. Portrait of Wittgenstein.jpg"/>
+          <p:cNvSpPr>
+            <a:spLocks noChangeAspect="1" noChangeArrowheads="1"/>
+          </p:cNvSpPr>
+          <p:nvPr/>
+        </p:nvSpPr>
+        <p:spPr bwMode="auto">
+          <a:xfrm>
+            <a:off x="1259681" y="748904"/>
+            <a:ext cx="228600" cy="228601"/>
+          </a:xfrm>
+          <a:prstGeom prst="rect">
+            <a:avLst/>
+          </a:prstGeom>
+          <a:noFill/>
+          <a:extLst>
+            <a:ext uri="{909E8E84-426E-40DD-AFC4-6F175D3DCCD1}">
+              <a14:hiddenFill xmlns:a14="http://schemas.microsoft.com/office/drawing/2010/main">
+                <a:solidFill>
+                  <a:srgbClr val="FFFFFF"/>
+                </a:solidFill>
+              </a14:hiddenFill>
+            </a:ext>
+          </a:extLst>
+        </p:spPr>
+        <p:txBody>
+          <a:bodyPr vert="horz" wrap="square" lIns="68580" tIns="34290" rIns="68580" bIns="34290" numCol="1" anchor="t" anchorCtr="0" compatLnSpc="1">
+            <a:prstTxWarp prst="textNoShape">
+              <a:avLst/>
+            </a:prstTxWarp>
+          </a:bodyPr>
+          <a:lstStyle/>
+          <a:p>
+            <a:endParaRPr lang="zh-CN" altLang="en-US" sz="1050"/>
+          </a:p>
+        </p:txBody>
+      </p:sp>
+      <p:pic>
+        <p:nvPicPr>
+          <p:cNvPr id="1027" name="Picture 3" descr="C:\微云同步助手\19软件Python\其他\媒体\35._Portrait_of_Wittgenstein.jpg"/>
+          <p:cNvPicPr>
+            <a:picLocks noChangeAspect="1" noChangeArrowheads="1"/>
+          </p:cNvPicPr>
+          <p:nvPr/>
+        </p:nvPicPr>
+        <p:blipFill>
+          <a:blip r:embed="rId3">
+            <a:extLst>
+              <a:ext uri="{28A0092B-C50C-407E-A947-70E740481C1C}">
+                <a14:useLocalDpi xmlns:a14="http://schemas.microsoft.com/office/drawing/2010/main" val="0"/>
+              </a:ext>
+            </a:extLst>
+          </a:blip>
+          <a:srcRect/>
+          <a:stretch>
+            <a:fillRect/>
+          </a:stretch>
+        </p:blipFill>
+        <p:spPr bwMode="auto">
+          <a:xfrm>
+            <a:off x="5716502" y="977504"/>
+            <a:ext cx="3421098" cy="4755752"/>
+          </a:xfrm>
+          <a:prstGeom prst="rect">
+            <a:avLst/>
+          </a:prstGeom>
+          <a:noFill/>
+          <a:extLst>
+            <a:ext uri="{909E8E84-426E-40DD-AFC4-6F175D3DCCD1}">
+              <a14:hiddenFill xmlns:a14="http://schemas.microsoft.com/office/drawing/2010/main">
+                <a:solidFill>
+                  <a:srgbClr val="FFFFFF"/>
+                </a:solidFill>
+              </a14:hiddenFill>
+            </a:ext>
+          </a:extLst>
+        </p:spPr>
+      </p:pic>
     </p:spTree>
     <p:extLst>
       <p:ext uri="{BB962C8B-B14F-4D97-AF65-F5344CB8AC3E}">
-        <p14:creationId xmlns:p14="http://schemas.microsoft.com/office/powerpoint/2010/main" val="4165848435"/>
+        <p14:creationId xmlns:p14="http://schemas.microsoft.com/office/powerpoint/2010/main" val="1365238013"/>
       </p:ext>
     </p:extLst>
   </p:cSld>
@@ -7788,12 +7738,8 @@
           <a:lstStyle/>
           <a:p>
             <a:r>
-              <a:rPr lang="en-US" altLang="zh-CN"/>
-              <a:t>Kotlin</a:t>
-            </a:r>
-            <a:r>
               <a:rPr lang="zh-CN" altLang="en-US"/>
-              <a:t>语言</a:t>
+              <a:t>英语</a:t>
             </a:r>
           </a:p>
         </p:txBody>
@@ -7806,298 +7752,12 @@
           </p:cNvSpPr>
           <p:nvPr>
             <p:ph idx="1"/>
-          </p:nvPr>
-        </p:nvSpPr>
-        <p:spPr/>
-        <p:txBody>
-          <a:bodyPr/>
-          <a:lstStyle/>
-          <a:p>
-            <a:r>
-              <a:rPr lang="en-US" altLang="zh-CN"/>
-              <a:t>Kotlin</a:t>
-            </a:r>
-            <a:r>
-              <a:rPr lang="zh-CN" altLang="en-US"/>
-              <a:t>目前主要用于</a:t>
-            </a:r>
-            <a:r>
-              <a:rPr lang="en-US" altLang="zh-CN"/>
-              <a:t>Android</a:t>
-            </a:r>
-            <a:r>
-              <a:rPr lang="zh-CN" altLang="en-US"/>
-              <a:t>应用的开发。</a:t>
-            </a:r>
-            <a:endParaRPr lang="en-US" altLang="zh-CN"/>
-          </a:p>
-          <a:p>
-            <a:r>
-              <a:rPr lang="en-US" altLang="zh-CN"/>
-              <a:t>Kotlin</a:t>
-            </a:r>
-            <a:r>
-              <a:rPr lang="zh-CN" altLang="en-US"/>
-              <a:t>完全与</a:t>
-            </a:r>
-            <a:r>
-              <a:rPr lang="en-US" altLang="zh-CN"/>
-              <a:t>Java</a:t>
-            </a:r>
-            <a:r>
-              <a:rPr lang="zh-CN" altLang="en-US"/>
-              <a:t>相互兼容，可以相互操作，在所有可以应用</a:t>
-            </a:r>
-            <a:r>
-              <a:rPr lang="en-US" altLang="zh-CN"/>
-              <a:t>Java</a:t>
-            </a:r>
-            <a:r>
-              <a:rPr lang="zh-CN" altLang="en-US"/>
-              <a:t>的地方都可以使用</a:t>
-            </a:r>
-            <a:r>
-              <a:rPr lang="en-US" altLang="zh-CN"/>
-              <a:t>Kotlin</a:t>
-            </a:r>
-            <a:r>
-              <a:rPr lang="zh-CN" altLang="en-US"/>
-              <a:t>。</a:t>
-            </a:r>
-          </a:p>
-        </p:txBody>
-      </p:sp>
-    </p:spTree>
-    <p:extLst>
-      <p:ext uri="{BB962C8B-B14F-4D97-AF65-F5344CB8AC3E}">
-        <p14:creationId xmlns:p14="http://schemas.microsoft.com/office/powerpoint/2010/main" val="2490786592"/>
-      </p:ext>
-    </p:extLst>
-  </p:cSld>
-  <p:clrMapOvr>
-    <a:masterClrMapping/>
-  </p:clrMapOvr>
-</p:sld>
-</file>
-
-<file path=ppt/slides/slide27.xml><?xml version="1.0" encoding="utf-8"?>
-<p:sld xmlns:a="http://schemas.openxmlformats.org/drawingml/2006/main" xmlns:r="http://schemas.openxmlformats.org/officeDocument/2006/relationships" xmlns:p="http://schemas.openxmlformats.org/presentationml/2006/main">
-  <p:cSld>
-    <p:spTree>
-      <p:nvGrpSpPr>
-        <p:cNvPr id="1" name="Shape 246"/>
-        <p:cNvGrpSpPr/>
-        <p:nvPr/>
-      </p:nvGrpSpPr>
-      <p:grpSpPr>
-        <a:xfrm>
-          <a:off x="0" y="0"/>
-          <a:ext cx="0" cy="0"/>
-          <a:chOff x="0" y="0"/>
-          <a:chExt cx="0" cy="0"/>
-        </a:xfrm>
-      </p:grpSpPr>
-      <p:sp>
-        <p:nvSpPr>
-          <p:cNvPr id="247" name="Google Shape;247;p27"/>
-          <p:cNvSpPr txBox="1">
-            <a:spLocks noGrp="1"/>
-          </p:cNvSpPr>
-          <p:nvPr>
-            <p:ph type="ctrTitle" idx="4294967295"/>
           </p:nvPr>
         </p:nvSpPr>
         <p:spPr>
           <a:xfrm>
-            <a:off x="755576" y="1556792"/>
-            <a:ext cx="7918648" cy="2088231"/>
-          </a:xfrm>
-          <a:prstGeom prst="rect">
-            <a:avLst/>
-          </a:prstGeom>
-        </p:spPr>
-        <p:txBody>
-          <a:bodyPr spcFirstLastPara="1" wrap="square" lIns="91425" tIns="91425" rIns="91425" bIns="91425" anchor="b" anchorCtr="0">
-            <a:noAutofit/>
-          </a:bodyPr>
-          <a:lstStyle/>
-          <a:p>
-            <a:pPr lvl="0" algn="ctr"/>
-            <a:r>
-              <a:rPr lang="zh-CN" altLang="en-US" sz="6000" dirty="0"/>
-              <a:t>哪种编程语言是你最偏好的编程语言？</a:t>
-            </a:r>
-            <a:endParaRPr sz="6000" b="1" dirty="0"/>
-          </a:p>
-        </p:txBody>
-      </p:sp>
-      <p:sp>
-        <p:nvSpPr>
-          <p:cNvPr id="249" name="Google Shape;249;p27"/>
-          <p:cNvSpPr txBox="1">
-            <a:spLocks noGrp="1"/>
-          </p:cNvSpPr>
-          <p:nvPr>
-            <p:ph type="sldNum" idx="12"/>
-          </p:nvPr>
-        </p:nvSpPr>
-        <p:spPr>
-          <a:xfrm>
-            <a:off x="8404384" y="6333135"/>
-            <a:ext cx="548700" cy="524800"/>
-          </a:xfrm>
-          <a:prstGeom prst="rect">
-            <a:avLst/>
-          </a:prstGeom>
-        </p:spPr>
-        <p:txBody>
-          <a:bodyPr spcFirstLastPara="1" wrap="square" lIns="91425" tIns="91425" rIns="91425" bIns="91425" anchor="t" anchorCtr="0">
-            <a:noAutofit/>
-          </a:bodyPr>
-          <a:lstStyle/>
-          <a:p>
-            <a:pPr marL="0" lvl="0" indent="0" algn="r" rtl="0">
-              <a:spcBef>
-                <a:spcPts val="0"/>
-              </a:spcBef>
-              <a:spcAft>
-                <a:spcPts val="0"/>
-              </a:spcAft>
-              <a:buNone/>
-            </a:pPr>
-            <a:fld id="{00000000-1234-1234-1234-123412341234}" type="slidenum">
-              <a:rPr lang="en"/>
-              <a:t>27</a:t>
-            </a:fld>
-            <a:endParaRPr/>
-          </a:p>
-        </p:txBody>
-      </p:sp>
-    </p:spTree>
-    <p:extLst>
-      <p:ext uri="{BB962C8B-B14F-4D97-AF65-F5344CB8AC3E}">
-        <p14:creationId xmlns:p14="http://schemas.microsoft.com/office/powerpoint/2010/main" val="715012436"/>
-      </p:ext>
-    </p:extLst>
-  </p:cSld>
-  <p:clrMapOvr>
-    <a:masterClrMapping/>
-  </p:clrMapOvr>
-</p:sld>
-</file>
-
-<file path=ppt/slides/slide28.xml><?xml version="1.0" encoding="utf-8"?>
-<p:sld xmlns:a="http://schemas.openxmlformats.org/drawingml/2006/main" xmlns:r="http://schemas.openxmlformats.org/officeDocument/2006/relationships" xmlns:p="http://schemas.openxmlformats.org/presentationml/2006/main">
-  <p:cSld>
-    <p:spTree>
-      <p:nvGrpSpPr>
-        <p:cNvPr id="1" name=""/>
-        <p:cNvGrpSpPr/>
-        <p:nvPr/>
-      </p:nvGrpSpPr>
-      <p:grpSpPr>
-        <a:xfrm>
-          <a:off x="0" y="0"/>
-          <a:ext cx="0" cy="0"/>
-          <a:chOff x="0" y="0"/>
-          <a:chExt cx="0" cy="0"/>
-        </a:xfrm>
-      </p:grpSpPr>
-      <p:pic>
-        <p:nvPicPr>
-          <p:cNvPr id="4" name="内容占位符 3"/>
-          <p:cNvPicPr>
-            <a:picLocks noGrp="1" noChangeAspect="1"/>
-          </p:cNvPicPr>
-          <p:nvPr>
-            <p:ph idx="1"/>
-          </p:nvPr>
-        </p:nvPicPr>
-        <p:blipFill>
-          <a:blip r:embed="rId2">
-            <a:extLst>
-              <a:ext uri="{28A0092B-C50C-407E-A947-70E740481C1C}">
-                <a14:useLocalDpi xmlns:a14="http://schemas.microsoft.com/office/drawing/2010/main" val="0"/>
-              </a:ext>
-            </a:extLst>
-          </a:blip>
-          <a:stretch>
-            <a:fillRect/>
-          </a:stretch>
-        </p:blipFill>
-        <p:spPr>
-          <a:xfrm>
-            <a:off x="2123728" y="476672"/>
-            <a:ext cx="4660154" cy="6192688"/>
-          </a:xfrm>
-        </p:spPr>
-      </p:pic>
-    </p:spTree>
-    <p:extLst>
-      <p:ext uri="{BB962C8B-B14F-4D97-AF65-F5344CB8AC3E}">
-        <p14:creationId xmlns:p14="http://schemas.microsoft.com/office/powerpoint/2010/main" val="3688900476"/>
-      </p:ext>
-    </p:extLst>
-  </p:cSld>
-  <p:clrMapOvr>
-    <a:masterClrMapping/>
-  </p:clrMapOvr>
-</p:sld>
-</file>
-
-<file path=ppt/slides/slide29.xml><?xml version="1.0" encoding="utf-8"?>
-<p:sld xmlns:a="http://schemas.openxmlformats.org/drawingml/2006/main" xmlns:r="http://schemas.openxmlformats.org/officeDocument/2006/relationships" xmlns:p="http://schemas.openxmlformats.org/presentationml/2006/main">
-  <p:cSld>
-    <p:spTree>
-      <p:nvGrpSpPr>
-        <p:cNvPr id="1" name=""/>
-        <p:cNvGrpSpPr/>
-        <p:nvPr/>
-      </p:nvGrpSpPr>
-      <p:grpSpPr>
-        <a:xfrm>
-          <a:off x="0" y="0"/>
-          <a:ext cx="0" cy="0"/>
-          <a:chOff x="0" y="0"/>
-          <a:chExt cx="0" cy="0"/>
-        </a:xfrm>
-      </p:grpSpPr>
-      <p:sp>
-        <p:nvSpPr>
-          <p:cNvPr id="2" name="标题 1"/>
-          <p:cNvSpPr>
-            <a:spLocks noGrp="1"/>
-          </p:cNvSpPr>
-          <p:nvPr>
-            <p:ph type="title"/>
-          </p:nvPr>
-        </p:nvSpPr>
-        <p:spPr/>
-        <p:txBody>
-          <a:bodyPr/>
-          <a:lstStyle/>
-          <a:p>
-            <a:r>
-              <a:rPr lang="zh-CN" altLang="en-US"/>
-              <a:t>英语</a:t>
-            </a:r>
-          </a:p>
-        </p:txBody>
-      </p:sp>
-      <p:sp>
-        <p:nvSpPr>
-          <p:cNvPr id="3" name="内容占位符 2"/>
-          <p:cNvSpPr>
-            <a:spLocks noGrp="1"/>
-          </p:cNvSpPr>
-          <p:nvPr>
-            <p:ph idx="1"/>
-          </p:nvPr>
-        </p:nvSpPr>
-        <p:spPr>
-          <a:xfrm>
-            <a:off x="395536" y="1916832"/>
-            <a:ext cx="8208912" cy="4104456"/>
+            <a:off x="467544" y="1628800"/>
+            <a:ext cx="8280920" cy="4104456"/>
           </a:xfrm>
         </p:spPr>
         <p:txBody>
@@ -8178,155 +7838,7 @@
 </p:sld>
 </file>
 
-<file path=ppt/slides/slide3.xml><?xml version="1.0" encoding="utf-8"?>
-<p:sld xmlns:a="http://schemas.openxmlformats.org/drawingml/2006/main" xmlns:r="http://schemas.openxmlformats.org/officeDocument/2006/relationships" xmlns:p="http://schemas.openxmlformats.org/presentationml/2006/main">
-  <p:cSld>
-    <p:spTree>
-      <p:nvGrpSpPr>
-        <p:cNvPr id="1" name=""/>
-        <p:cNvGrpSpPr/>
-        <p:nvPr/>
-      </p:nvGrpSpPr>
-      <p:grpSpPr>
-        <a:xfrm>
-          <a:off x="0" y="0"/>
-          <a:ext cx="0" cy="0"/>
-          <a:chOff x="0" y="0"/>
-          <a:chExt cx="0" cy="0"/>
-        </a:xfrm>
-      </p:grpSpPr>
-      <p:sp>
-        <p:nvSpPr>
-          <p:cNvPr id="2" name="标题 1"/>
-          <p:cNvSpPr>
-            <a:spLocks noGrp="1"/>
-          </p:cNvSpPr>
-          <p:nvPr>
-            <p:ph type="title"/>
-          </p:nvPr>
-        </p:nvSpPr>
-        <p:spPr/>
-        <p:txBody>
-          <a:bodyPr/>
-          <a:lstStyle/>
-          <a:p>
-            <a:r>
-              <a:rPr lang="zh-CN" altLang="en-US" dirty="0"/>
-              <a:t>第</a:t>
-            </a:r>
-            <a:r>
-              <a:rPr lang="en-US" altLang="zh-CN" dirty="0"/>
-              <a:t>1</a:t>
-            </a:r>
-            <a:r>
-              <a:rPr lang="zh-CN" altLang="en-US" dirty="0"/>
-              <a:t>章 </a:t>
-            </a:r>
-            <a:r>
-              <a:rPr lang="en-US" altLang="zh-CN" dirty="0"/>
-              <a:t>Python</a:t>
-            </a:r>
-            <a:r>
-              <a:rPr lang="zh-CN" altLang="en-US" dirty="0"/>
-              <a:t>概述</a:t>
-            </a:r>
-          </a:p>
-        </p:txBody>
-      </p:sp>
-      <p:sp>
-        <p:nvSpPr>
-          <p:cNvPr id="3" name="内容占位符 2"/>
-          <p:cNvSpPr>
-            <a:spLocks noGrp="1"/>
-          </p:cNvSpPr>
-          <p:nvPr>
-            <p:ph idx="1"/>
-          </p:nvPr>
-        </p:nvSpPr>
-        <p:spPr/>
-        <p:txBody>
-          <a:bodyPr/>
-          <a:lstStyle/>
-          <a:p>
-            <a:r>
-              <a:rPr lang="zh-CN" altLang="en-US" dirty="0"/>
-              <a:t>课程介绍</a:t>
-            </a:r>
-            <a:endParaRPr lang="en-US" altLang="zh-CN" dirty="0"/>
-          </a:p>
-          <a:p>
-            <a:r>
-              <a:rPr lang="en-US" altLang="zh-CN" dirty="0"/>
-              <a:t>Why Python</a:t>
-            </a:r>
-            <a:r>
-              <a:rPr lang="zh-CN" altLang="en-US" dirty="0"/>
-              <a:t>？</a:t>
-            </a:r>
-            <a:endParaRPr lang="en-US" altLang="zh-CN" dirty="0"/>
-          </a:p>
-          <a:p>
-            <a:pPr lvl="1"/>
-            <a:r>
-              <a:rPr lang="en-US" altLang="zh-CN" dirty="0"/>
-              <a:t>Python</a:t>
-            </a:r>
-            <a:r>
-              <a:rPr lang="zh-CN" altLang="en-US" dirty="0"/>
-              <a:t>语言的介绍</a:t>
-            </a:r>
-            <a:endParaRPr lang="en-US" altLang="zh-CN" dirty="0"/>
-          </a:p>
-          <a:p>
-            <a:pPr lvl="1"/>
-            <a:r>
-              <a:rPr lang="en-US" altLang="zh-CN" dirty="0"/>
-              <a:t>Python</a:t>
-            </a:r>
-            <a:r>
-              <a:rPr lang="zh-CN" altLang="en-US" dirty="0"/>
-              <a:t>与其他编程语言的对比</a:t>
-            </a:r>
-            <a:endParaRPr lang="en-US" altLang="zh-CN" dirty="0"/>
-          </a:p>
-          <a:p>
-            <a:r>
-              <a:rPr lang="en-US" altLang="zh-CN" dirty="0"/>
-              <a:t>Python</a:t>
-            </a:r>
-            <a:r>
-              <a:rPr lang="zh-CN" altLang="en-US" dirty="0"/>
-              <a:t>开发环境</a:t>
-            </a:r>
-            <a:endParaRPr lang="en-US" altLang="zh-CN" dirty="0"/>
-          </a:p>
-          <a:p>
-            <a:r>
-              <a:rPr lang="en-US" altLang="zh-CN" dirty="0"/>
-              <a:t>Python</a:t>
-            </a:r>
-            <a:r>
-              <a:rPr lang="zh-CN" altLang="en-US" dirty="0"/>
-              <a:t>应用展示</a:t>
-            </a:r>
-            <a:endParaRPr lang="en-US" altLang="zh-CN" dirty="0"/>
-          </a:p>
-        </p:txBody>
-      </p:sp>
-    </p:spTree>
-    <p:extLst>
-      <p:ext uri="{BB962C8B-B14F-4D97-AF65-F5344CB8AC3E}">
-        <p14:creationId xmlns:p14="http://schemas.microsoft.com/office/powerpoint/2010/main" val="1353943256"/>
-      </p:ext>
-    </p:extLst>
-  </p:cSld>
-  <p:clrMapOvr>
-    <a:masterClrMapping/>
-  </p:clrMapOvr>
-</p:sld>
-</file>
-
-<file path=ppt/slides/slide30.xml><?xml version="1.0" encoding="utf-8"?>
+<file path=ppt/slides/slide27.xml><?xml version="1.0" encoding="utf-8"?>
 <p:sld xmlns:a="http://schemas.openxmlformats.org/drawingml/2006/main" xmlns:r="http://schemas.openxmlformats.org/officeDocument/2006/relationships" xmlns:p="http://schemas.openxmlformats.org/presentationml/2006/main">
   <p:cSld>
     <p:spTree>
@@ -8418,7 +7930,7 @@
 </p:sld>
 </file>
 
-<file path=ppt/slides/slide31.xml><?xml version="1.0" encoding="utf-8"?>
+<file path=ppt/slides/slide28.xml><?xml version="1.0" encoding="utf-8"?>
 <p:sld xmlns:a="http://schemas.openxmlformats.org/drawingml/2006/main" xmlns:r="http://schemas.openxmlformats.org/officeDocument/2006/relationships" xmlns:p="http://schemas.openxmlformats.org/presentationml/2006/main">
   <p:cSld>
     <p:spTree>
@@ -8489,8 +8001,8 @@
         </p:nvSpPr>
         <p:spPr>
           <a:xfrm>
-            <a:off x="611560" y="1628800"/>
-            <a:ext cx="7811264" cy="4824536"/>
+            <a:off x="539552" y="1628800"/>
+            <a:ext cx="7883272" cy="4392488"/>
           </a:xfrm>
         </p:spPr>
         <p:txBody>
@@ -8523,12 +8035,17 @@
             <a:pPr lvl="1"/>
             <a:r>
               <a:rPr lang="zh-CN" altLang="en-US" dirty="0"/>
-              <a:t>建议 </a:t>
-            </a:r>
-            <a:r>
-              <a:rPr lang="en-US" altLang="zh-CN" dirty="0"/>
-              <a:t>3.7+</a:t>
-            </a:r>
+              <a:t>建</a:t>
+            </a:r>
+            <a:r>
+              <a:rPr lang="zh-CN" altLang="en-US"/>
+              <a:t>议 </a:t>
+            </a:r>
+            <a:r>
+              <a:rPr lang="en-US" altLang="zh-CN"/>
+              <a:t>3.10+</a:t>
+            </a:r>
+            <a:endParaRPr lang="en-US" altLang="zh-CN" dirty="0"/>
           </a:p>
           <a:p>
             <a:r>
@@ -8545,36 +8062,13 @@
             </a:r>
           </a:p>
           <a:p>
-            <a:pPr lvl="1"/>
-            <a:r>
-              <a:rPr lang="en-US" altLang="zh-CN" dirty="0"/>
-              <a:t>Pycharm</a:t>
-            </a:r>
-            <a:r>
-              <a:rPr lang="zh-CN" altLang="en-US" dirty="0"/>
-              <a:t>（</a:t>
-            </a:r>
-            <a:r>
-              <a:rPr lang="en-US" altLang="zh-CN" dirty="0"/>
-              <a:t>Community</a:t>
-            </a:r>
-            <a:r>
-              <a:rPr lang="zh-CN" altLang="en-US" dirty="0"/>
-              <a:t>）</a:t>
-            </a:r>
-            <a:endParaRPr lang="en-US" altLang="zh-CN" dirty="0"/>
-          </a:p>
-          <a:p>
-            <a:pPr lvl="1"/>
-            <a:r>
-              <a:rPr lang="en-US" altLang="zh-CN" dirty="0"/>
-              <a:t>Sublime</a:t>
-            </a:r>
-          </a:p>
-          <a:p>
-            <a:r>
-              <a:rPr lang="zh-CN" altLang="en-US" dirty="0"/>
-              <a:t>安装</a:t>
+            <a:r>
+              <a:rPr lang="zh-CN" altLang="en-US"/>
+              <a:t>安</a:t>
+            </a:r>
+            <a:r>
+              <a:rPr lang="zh-CN" altLang="en-US" dirty="0"/>
+              <a:t>装</a:t>
             </a:r>
             <a:r>
               <a:rPr lang="en-US" altLang="zh-CN" dirty="0"/>
@@ -8621,7 +8115,7 @@
 </p:sld>
 </file>
 
-<file path=ppt/slides/slide32.xml><?xml version="1.0" encoding="utf-8"?>
+<file path=ppt/slides/slide29.xml><?xml version="1.0" encoding="utf-8"?>
 <p:sld xmlns:a="http://schemas.openxmlformats.org/drawingml/2006/main" xmlns:r="http://schemas.openxmlformats.org/officeDocument/2006/relationships" xmlns:p="http://schemas.openxmlformats.org/presentationml/2006/main">
   <p:cSld>
     <p:spTree>
@@ -8648,7 +8142,12 @@
             <p:ph type="title"/>
           </p:nvPr>
         </p:nvSpPr>
-        <p:spPr/>
+        <p:spPr>
+          <a:xfrm>
+            <a:off x="683568" y="116632"/>
+            <a:ext cx="6408712" cy="792089"/>
+          </a:xfrm>
+        </p:spPr>
         <p:txBody>
           <a:bodyPr/>
           <a:lstStyle/>
@@ -8680,19 +8179,53 @@
         </p:nvSpPr>
         <p:spPr>
           <a:xfrm>
-            <a:off x="395536" y="1700808"/>
-            <a:ext cx="8568952" cy="4824536"/>
+            <a:off x="179512" y="908720"/>
+            <a:ext cx="8424936" cy="5688632"/>
           </a:xfrm>
         </p:spPr>
         <p:txBody>
           <a:bodyPr>
-            <a:normAutofit fontScale="92500" lnSpcReduction="10000"/>
+            <a:normAutofit lnSpcReduction="10000"/>
           </a:bodyPr>
           <a:lstStyle/>
           <a:p>
             <a:r>
-              <a:rPr lang="zh-CN" altLang="en-US" dirty="0"/>
-              <a:t>数据科学与人工智能</a:t>
+              <a:rPr lang="zh-CN" altLang="en-US"/>
+              <a:t>使用</a:t>
+            </a:r>
+            <a:r>
+              <a:rPr lang="en-US" altLang="zh-CN"/>
+              <a:t>pip install</a:t>
+            </a:r>
+            <a:r>
+              <a:rPr lang="zh-CN" altLang="en-US"/>
+              <a:t>命令可以安装</a:t>
+            </a:r>
+            <a:r>
+              <a:rPr lang="en-US" altLang="zh-CN"/>
+              <a:t>Python</a:t>
+            </a:r>
+            <a:r>
+              <a:rPr lang="zh-CN" altLang="en-US"/>
+              <a:t>软件包，例如：</a:t>
+            </a:r>
+            <a:endParaRPr lang="en-US" altLang="zh-CN"/>
+          </a:p>
+          <a:p>
+            <a:pPr lvl="1"/>
+            <a:r>
+              <a:rPr lang="en-US" altLang="zh-CN"/>
+              <a:t>pip install numpy</a:t>
+            </a:r>
+          </a:p>
+          <a:p>
+            <a:r>
+              <a:rPr lang="zh-CN" altLang="en-US"/>
+              <a:t>数</a:t>
+            </a:r>
+            <a:r>
+              <a:rPr lang="zh-CN" altLang="en-US" dirty="0"/>
+              <a:t>据科学与人工智能</a:t>
             </a:r>
             <a:endParaRPr lang="en-US" altLang="zh-CN" dirty="0"/>
           </a:p>
@@ -8704,7 +8237,15 @@
             </a:r>
             <a:r>
               <a:rPr lang="zh-CN" altLang="en-US" dirty="0"/>
-              <a:t>：科学运算（矩阵运算）</a:t>
+              <a:t>：科学运</a:t>
+            </a:r>
+            <a:r>
+              <a:rPr lang="zh-CN" altLang="en-US"/>
+              <a:t>算（数列运</a:t>
+            </a:r>
+            <a:r>
+              <a:rPr lang="zh-CN" altLang="en-US" dirty="0"/>
+              <a:t>算）</a:t>
             </a:r>
             <a:endParaRPr lang="en-US" altLang="zh-CN" dirty="0"/>
           </a:p>
@@ -8798,37 +8339,23 @@
           <a:p>
             <a:r>
               <a:rPr lang="zh-CN" altLang="en-US" dirty="0"/>
-              <a:t>图像处理：</a:t>
-            </a:r>
-            <a:r>
-              <a:rPr lang="en-US" altLang="zh-CN" dirty="0"/>
+              <a:t>图像处理</a:t>
+            </a:r>
+            <a:r>
+              <a:rPr lang="zh-CN" altLang="en-US"/>
+              <a:t>：</a:t>
+            </a:r>
+            <a:r>
+              <a:rPr lang="en-US" altLang="zh-CN"/>
               <a:t>Pillow</a:t>
             </a:r>
           </a:p>
           <a:p>
             <a:r>
-              <a:rPr lang="en-US" altLang="zh-CN" dirty="0"/>
-              <a:t>HTTP</a:t>
-            </a:r>
-            <a:r>
-              <a:rPr lang="zh-CN" altLang="en-US" dirty="0"/>
-              <a:t>网络编程：</a:t>
-            </a:r>
-            <a:r>
-              <a:rPr lang="en-US" altLang="zh-CN" dirty="0"/>
-              <a:t>Requests, urllib3</a:t>
-            </a:r>
-          </a:p>
-          <a:p>
-            <a:r>
-              <a:rPr lang="zh-CN" altLang="en-US" dirty="0"/>
-              <a:t>科学运算： </a:t>
-            </a:r>
-            <a:r>
-              <a:rPr lang="en-US" altLang="zh-CN" dirty="0" err="1"/>
-              <a:t>scipy</a:t>
-            </a:r>
-            <a:endParaRPr lang="zh-CN" altLang="en-US" dirty="0"/>
+              <a:rPr lang="en-US" altLang="zh-CN"/>
+              <a:t>...</a:t>
+            </a:r>
+            <a:endParaRPr lang="en-US" altLang="zh-CN" dirty="0"/>
           </a:p>
         </p:txBody>
       </p:sp>
@@ -8845,7 +8372,146 @@
 </p:sld>
 </file>
 
-<file path=ppt/slides/slide33.xml><?xml version="1.0" encoding="utf-8"?>
+<file path=ppt/slides/slide3.xml><?xml version="1.0" encoding="utf-8"?>
+<p:sld xmlns:a="http://schemas.openxmlformats.org/drawingml/2006/main" xmlns:r="http://schemas.openxmlformats.org/officeDocument/2006/relationships" xmlns:p="http://schemas.openxmlformats.org/presentationml/2006/main">
+  <p:cSld>
+    <p:spTree>
+      <p:nvGrpSpPr>
+        <p:cNvPr id="1" name=""/>
+        <p:cNvGrpSpPr/>
+        <p:nvPr/>
+      </p:nvGrpSpPr>
+      <p:grpSpPr>
+        <a:xfrm>
+          <a:off x="0" y="0"/>
+          <a:ext cx="0" cy="0"/>
+          <a:chOff x="0" y="0"/>
+          <a:chExt cx="0" cy="0"/>
+        </a:xfrm>
+      </p:grpSpPr>
+      <p:sp>
+        <p:nvSpPr>
+          <p:cNvPr id="2" name="标题 1">
+            <a:extLst>
+              <a:ext uri="{FF2B5EF4-FFF2-40B4-BE49-F238E27FC236}">
+                <a16:creationId xmlns:a16="http://schemas.microsoft.com/office/drawing/2014/main" id="{252B6B07-0F1F-D754-6AF7-A4F4A229545A}"/>
+              </a:ext>
+            </a:extLst>
+          </p:cNvPr>
+          <p:cNvSpPr>
+            <a:spLocks noGrp="1"/>
+          </p:cNvSpPr>
+          <p:nvPr>
+            <p:ph type="title"/>
+          </p:nvPr>
+        </p:nvSpPr>
+        <p:spPr/>
+        <p:txBody>
+          <a:bodyPr/>
+          <a:lstStyle/>
+          <a:p>
+            <a:r>
+              <a:rPr lang="zh-CN" altLang="en-US"/>
+              <a:t>课程网站</a:t>
+            </a:r>
+          </a:p>
+        </p:txBody>
+      </p:sp>
+      <p:sp>
+        <p:nvSpPr>
+          <p:cNvPr id="3" name="内容占位符 2">
+            <a:extLst>
+              <a:ext uri="{FF2B5EF4-FFF2-40B4-BE49-F238E27FC236}">
+                <a16:creationId xmlns:a16="http://schemas.microsoft.com/office/drawing/2014/main" id="{11B32AD9-3D03-645E-CC38-671BB13F4D2F}"/>
+              </a:ext>
+            </a:extLst>
+          </p:cNvPr>
+          <p:cNvSpPr>
+            <a:spLocks noGrp="1"/>
+          </p:cNvSpPr>
+          <p:nvPr>
+            <p:ph idx="1"/>
+          </p:nvPr>
+        </p:nvSpPr>
+        <p:spPr/>
+        <p:txBody>
+          <a:bodyPr/>
+          <a:lstStyle/>
+          <a:p>
+            <a:r>
+              <a:rPr lang="zh-CN" altLang="en-US" sz="2800"/>
+              <a:t>课程仓库地址：</a:t>
+            </a:r>
+            <a:endParaRPr lang="en-US" altLang="zh-CN" sz="2800"/>
+          </a:p>
+          <a:p>
+            <a:pPr lvl="1"/>
+            <a:r>
+              <a:rPr lang="en-US" altLang="zh-CN" sz="2600">
+                <a:hlinkClick r:id="rId2"/>
+              </a:rPr>
+              <a:t>https://github.com/zhoujing204/python_course</a:t>
+            </a:r>
+            <a:endParaRPr lang="en-US" altLang="zh-CN" sz="2600"/>
+          </a:p>
+          <a:p>
+            <a:pPr lvl="1"/>
+            <a:r>
+              <a:rPr lang="en-US" altLang="zh-CN" sz="2600">
+                <a:hlinkClick r:id="rId3"/>
+              </a:rPr>
+              <a:t>https://gitee.com/zj204/python_course</a:t>
+            </a:r>
+            <a:endParaRPr lang="en-US" altLang="zh-CN" sz="2600"/>
+          </a:p>
+          <a:p>
+            <a:endParaRPr lang="zh-CN" altLang="en-US"/>
+          </a:p>
+        </p:txBody>
+      </p:sp>
+      <p:sp>
+        <p:nvSpPr>
+          <p:cNvPr id="4" name="灯片编号占位符 3">
+            <a:extLst>
+              <a:ext uri="{FF2B5EF4-FFF2-40B4-BE49-F238E27FC236}">
+                <a16:creationId xmlns:a16="http://schemas.microsoft.com/office/drawing/2014/main" id="{9FB2B7C5-2C4B-93FC-ECD7-C5B3C3ED046A}"/>
+              </a:ext>
+            </a:extLst>
+          </p:cNvPr>
+          <p:cNvSpPr>
+            <a:spLocks noGrp="1"/>
+          </p:cNvSpPr>
+          <p:nvPr>
+            <p:ph type="sldNum" sz="quarter" idx="12"/>
+          </p:nvPr>
+        </p:nvSpPr>
+        <p:spPr/>
+        <p:txBody>
+          <a:bodyPr/>
+          <a:lstStyle/>
+          <a:p>
+            <a:fld id="{3499BFCA-6CB1-449C-B6ED-D6AF360AA522}" type="slidenum">
+              <a:rPr lang="zh-CN" altLang="en-US" smtClean="0"/>
+              <a:t>3</a:t>
+            </a:fld>
+            <a:endParaRPr lang="en-US"/>
+          </a:p>
+        </p:txBody>
+      </p:sp>
+    </p:spTree>
+    <p:extLst>
+      <p:ext uri="{BB962C8B-B14F-4D97-AF65-F5344CB8AC3E}">
+        <p14:creationId xmlns:p14="http://schemas.microsoft.com/office/powerpoint/2010/main" val="2595221119"/>
+      </p:ext>
+    </p:extLst>
+  </p:cSld>
+  <p:clrMapOvr>
+    <a:masterClrMapping/>
+  </p:clrMapOvr>
+</p:sld>
+</file>
+
+<file path=ppt/slides/slide30.xml><?xml version="1.0" encoding="utf-8"?>
 <p:sld xmlns:a="http://schemas.openxmlformats.org/drawingml/2006/main" xmlns:r="http://schemas.openxmlformats.org/officeDocument/2006/relationships" xmlns:p="http://schemas.openxmlformats.org/presentationml/2006/main">
   <p:cSld>
     <p:spTree>
@@ -8993,7 +8659,7 @@
 </p:sld>
 </file>
 
-<file path=ppt/slides/slide34.xml><?xml version="1.0" encoding="utf-8"?>
+<file path=ppt/slides/slide31.xml><?xml version="1.0" encoding="utf-8"?>
 <p:sld xmlns:a="http://schemas.openxmlformats.org/drawingml/2006/main" xmlns:r="http://schemas.openxmlformats.org/officeDocument/2006/relationships" xmlns:p="http://schemas.openxmlformats.org/presentationml/2006/main">
   <p:cSld>
     <p:spTree>
@@ -9149,7 +8815,7 @@
 </p:sld>
 </file>
 
-<file path=ppt/slides/slide35.xml><?xml version="1.0" encoding="utf-8"?>
+<file path=ppt/slides/slide32.xml><?xml version="1.0" encoding="utf-8"?>
 <p:sld xmlns:a="http://schemas.openxmlformats.org/drawingml/2006/main" xmlns:r="http://schemas.openxmlformats.org/officeDocument/2006/relationships" xmlns:p="http://schemas.openxmlformats.org/presentationml/2006/main">
   <p:cSld>
     <p:spTree>
@@ -9299,7 +8965,7 @@
 </p:sld>
 </file>
 
-<file path=ppt/slides/slide36.xml><?xml version="1.0" encoding="utf-8"?>
+<file path=ppt/slides/slide33.xml><?xml version="1.0" encoding="utf-8"?>
 <p:sld xmlns:a="http://schemas.openxmlformats.org/drawingml/2006/main" xmlns:r="http://schemas.openxmlformats.org/officeDocument/2006/relationships" xmlns:p="http://schemas.openxmlformats.org/presentationml/2006/main">
   <p:cSld>
     <p:spTree>
@@ -9337,7 +9003,7 @@
             </a:r>
             <a:r>
               <a:rPr lang="zh-CN" altLang="en-US"/>
-              <a:t>编程问题如何解决？</a:t>
+              <a:t>学习资源</a:t>
             </a:r>
           </a:p>
         </p:txBody>
@@ -9354,8 +9020,8 @@
         </p:nvSpPr>
         <p:spPr>
           <a:xfrm>
-            <a:off x="395536" y="1844824"/>
-            <a:ext cx="8352928" cy="4247202"/>
+            <a:off x="323528" y="1628800"/>
+            <a:ext cx="8424936" cy="4896544"/>
           </a:xfrm>
         </p:spPr>
         <p:txBody>
@@ -9371,8 +9037,54 @@
           <a:p>
             <a:pPr lvl="1"/>
             <a:r>
+              <a:rPr lang="en-US" altLang="zh-CN"/>
+              <a:t>Google.com</a:t>
+            </a:r>
+            <a:r>
+              <a:rPr lang="zh-CN" altLang="en-US"/>
+              <a:t>（</a:t>
+            </a:r>
+            <a:r>
+              <a:rPr lang="en-US" altLang="zh-CN"/>
+              <a:t>bing.com</a:t>
+            </a:r>
+            <a:r>
+              <a:rPr lang="zh-CN" altLang="en-US"/>
+              <a:t>）</a:t>
+            </a:r>
+            <a:endParaRPr lang="en-US" altLang="zh-CN"/>
+          </a:p>
+          <a:p>
+            <a:pPr lvl="1"/>
+            <a:r>
+              <a:rPr lang="en-US" altLang="zh-CN"/>
+              <a:t>Youtube.com</a:t>
+            </a:r>
+          </a:p>
+          <a:p>
+            <a:pPr lvl="1"/>
+            <a:r>
+              <a:rPr lang="en-US" altLang="zh-CN"/>
+              <a:t>pythoncat.top(</a:t>
+            </a:r>
+            <a:r>
+              <a:rPr lang="zh-CN" altLang="en-US"/>
+              <a:t>豌豆花下猫</a:t>
+            </a:r>
+            <a:r>
+              <a:rPr lang="en-US" altLang="zh-CN"/>
+              <a:t>)</a:t>
+            </a:r>
+          </a:p>
+          <a:p>
+            <a:pPr lvl="1"/>
+            <a:r>
+              <a:rPr lang="en-US" altLang="zh-CN"/>
+              <a:t>www</a:t>
+            </a:r>
+            <a:r>
               <a:rPr lang="en-US" altLang="zh-CN" dirty="0"/>
-              <a:t>www.stackoverflow.com</a:t>
+              <a:t>.stackoverflow.com</a:t>
             </a:r>
           </a:p>
           <a:p>
@@ -9390,37 +9102,9 @@
             </a:r>
           </a:p>
           <a:p>
-            <a:pPr lvl="1"/>
-            <a:r>
-              <a:rPr lang="en-US" altLang="zh-CN" dirty="0"/>
-              <a:t>Google.com</a:t>
-            </a:r>
-            <a:r>
-              <a:rPr lang="zh-CN" altLang="en-US" dirty="0"/>
-              <a:t>（</a:t>
-            </a:r>
-            <a:r>
-              <a:rPr lang="en-US" altLang="zh-CN" dirty="0"/>
-              <a:t>bing.</a:t>
-            </a:r>
             <a:r>
               <a:rPr lang="en-US" altLang="zh-CN"/>
-              <a:t>com</a:t>
-            </a:r>
-            <a:r>
-              <a:rPr lang="zh-CN" altLang="en-US"/>
-              <a:t>）</a:t>
-            </a:r>
-            <a:endParaRPr lang="en-US" altLang="zh-CN"/>
-          </a:p>
-          <a:p>
-            <a:r>
-              <a:rPr lang="zh-CN" altLang="en-US"/>
-              <a:t>借助</a:t>
-            </a:r>
-            <a:r>
-              <a:rPr lang="en-US" altLang="zh-CN"/>
-              <a:t>AI</a:t>
+              <a:t>AI:</a:t>
             </a:r>
           </a:p>
           <a:p>
@@ -9434,19 +9118,9 @@
             <a:pPr lvl="1"/>
             <a:r>
               <a:rPr lang="en-US" altLang="zh-CN"/>
-              <a:t>poe.com</a:t>
-            </a:r>
-            <a:endParaRPr lang="en-US" altLang="zh-CN" dirty="0"/>
-          </a:p>
-          <a:p>
-            <a:r>
-              <a:rPr lang="zh-CN" altLang="en-US"/>
-              <a:t>向老师</a:t>
-            </a:r>
-            <a:r>
-              <a:rPr lang="zh-CN" altLang="en-US" dirty="0"/>
-              <a:t>提问</a:t>
-            </a:r>
+              <a:t>devv.ai</a:t>
+            </a:r>
+            <a:endParaRPr lang="zh-CN" altLang="en-US" dirty="0"/>
           </a:p>
         </p:txBody>
       </p:sp>
@@ -9467,7 +9141,7 @@
           <a:p>
             <a:fld id="{3499BFCA-6CB1-449C-B6ED-D6AF360AA522}" type="slidenum">
               <a:rPr lang="zh-CN" altLang="en-US" smtClean="0"/>
-              <a:t>36</a:t>
+              <a:t>33</a:t>
             </a:fld>
             <a:endParaRPr lang="en-US"/>
           </a:p>
@@ -9486,7 +9160,7 @@
 </p:sld>
 </file>
 
-<file path=ppt/slides/slide37.xml><?xml version="1.0" encoding="utf-8"?>
+<file path=ppt/slides/slide34.xml><?xml version="1.0" encoding="utf-8"?>
 <p:sld xmlns:a="http://schemas.openxmlformats.org/drawingml/2006/main" xmlns:r="http://schemas.openxmlformats.org/officeDocument/2006/relationships" xmlns:p="http://schemas.openxmlformats.org/presentationml/2006/main">
   <p:cSld>
     <p:spTree>
@@ -9673,7 +9347,7 @@
           <a:p>
             <a:fld id="{3499BFCA-6CB1-449C-B6ED-D6AF360AA522}" type="slidenum">
               <a:rPr lang="zh-CN" altLang="en-US" smtClean="0"/>
-              <a:t>37</a:t>
+              <a:t>34</a:t>
             </a:fld>
             <a:endParaRPr lang="en-US"/>
           </a:p>
@@ -9692,7 +9366,7 @@
 </p:sld>
 </file>
 
-<file path=ppt/slides/slide38.xml><?xml version="1.0" encoding="utf-8"?>
+<file path=ppt/slides/slide35.xml><?xml version="1.0" encoding="utf-8"?>
 <p:sld xmlns:a="http://schemas.openxmlformats.org/drawingml/2006/main" xmlns:r="http://schemas.openxmlformats.org/officeDocument/2006/relationships" xmlns:p="http://schemas.openxmlformats.org/presentationml/2006/main">
   <p:cSld>
     <p:spTree>
@@ -9711,13 +9385,7 @@
       </p:grpSpPr>
       <p:sp>
         <p:nvSpPr>
-          <p:cNvPr id="2" name="标题 1">
-            <a:extLst>
-              <a:ext uri="{FF2B5EF4-FFF2-40B4-BE49-F238E27FC236}">
-                <a16:creationId xmlns:a16="http://schemas.microsoft.com/office/drawing/2014/main" id="{9A55A026-F20B-A459-338D-665D0CCEBDA8}"/>
-              </a:ext>
-            </a:extLst>
-          </p:cNvPr>
+          <p:cNvPr id="2" name="标题 1"/>
           <p:cNvSpPr>
             <a:spLocks noGrp="1"/>
           </p:cNvSpPr>
@@ -9725,31 +9393,31 @@
             <p:ph type="title"/>
           </p:nvPr>
         </p:nvSpPr>
-        <p:spPr/>
+        <p:spPr>
+          <a:xfrm>
+            <a:off x="683568" y="404664"/>
+            <a:ext cx="7571700" cy="936800"/>
+          </a:xfrm>
+        </p:spPr>
         <p:txBody>
           <a:bodyPr/>
           <a:lstStyle/>
           <a:p>
             <a:r>
-              <a:rPr lang="en-US" altLang="zh-CN" dirty="0"/>
-              <a:t>Python AI</a:t>
-            </a:r>
-            <a:r>
-              <a:rPr lang="zh-CN" altLang="en-US" dirty="0"/>
-              <a:t>应用</a:t>
-            </a:r>
-          </a:p>
-        </p:txBody>
-      </p:sp>
-      <p:sp>
-        <p:nvSpPr>
-          <p:cNvPr id="3" name="内容占位符 2">
-            <a:extLst>
-              <a:ext uri="{FF2B5EF4-FFF2-40B4-BE49-F238E27FC236}">
-                <a16:creationId xmlns:a16="http://schemas.microsoft.com/office/drawing/2014/main" id="{58D90A72-055C-147A-C389-64878B3B620B}"/>
-              </a:ext>
-            </a:extLst>
-          </p:cNvPr>
+              <a:rPr lang="zh-CN" altLang="en-US"/>
+              <a:t>作业</a:t>
+            </a:r>
+            <a:r>
+              <a:rPr lang="en-US" altLang="zh-CN"/>
+              <a:t>1</a:t>
+            </a:r>
+            <a:endParaRPr lang="zh-CN" altLang="en-US"/>
+          </a:p>
+        </p:txBody>
+      </p:sp>
+      <p:sp>
+        <p:nvSpPr>
+          <p:cNvPr id="3" name="内容占位符 2"/>
           <p:cNvSpPr>
             <a:spLocks noGrp="1"/>
           </p:cNvSpPr>
@@ -9759,169 +9427,8 @@
         </p:nvSpPr>
         <p:spPr>
           <a:xfrm>
-            <a:off x="539552" y="1774086"/>
-            <a:ext cx="7758864" cy="2951058"/>
-          </a:xfrm>
-        </p:spPr>
-        <p:txBody>
-          <a:bodyPr/>
-          <a:lstStyle/>
-          <a:p>
-            <a:r>
-              <a:rPr lang="en-US" altLang="zh-CN" dirty="0">
-                <a:hlinkClick r:id="rId3"/>
-              </a:rPr>
-              <a:t>OpenAI-</a:t>
-            </a:r>
-            <a:r>
-              <a:rPr lang="en-US" altLang="zh-CN" dirty="0" err="1">
-                <a:hlinkClick r:id="rId3"/>
-              </a:rPr>
-              <a:t>quickstart</a:t>
-            </a:r>
-            <a:endParaRPr lang="en-US" altLang="zh-CN" dirty="0"/>
-          </a:p>
-          <a:p>
-            <a:r>
-              <a:rPr lang="en-US" altLang="zh-CN" dirty="0">
-                <a:hlinkClick r:id="rId4"/>
-              </a:rPr>
-              <a:t>OpenAI Cookbook</a:t>
-            </a:r>
-            <a:endParaRPr lang="en-US" altLang="zh-CN" dirty="0"/>
-          </a:p>
-          <a:p>
-            <a:r>
-              <a:rPr lang="en-US" altLang="zh-CN" dirty="0">
-                <a:hlinkClick r:id="rId5"/>
-              </a:rPr>
-              <a:t>Stable Diffusion Webui</a:t>
-            </a:r>
-            <a:endParaRPr lang="en-US" altLang="zh-CN" dirty="0"/>
-          </a:p>
-          <a:p>
-            <a:r>
-              <a:rPr lang="en-US" altLang="zh-CN" dirty="0">
-                <a:hlinkClick r:id="rId6"/>
-              </a:rPr>
-              <a:t>Segment Anything</a:t>
-            </a:r>
-            <a:endParaRPr lang="en-US" altLang="zh-CN" dirty="0"/>
-          </a:p>
-          <a:p>
-            <a:r>
-              <a:rPr lang="en-US" altLang="zh-CN" dirty="0">
-                <a:hlinkClick r:id="rId7"/>
-              </a:rPr>
-              <a:t>Draggan</a:t>
-            </a:r>
-            <a:endParaRPr lang="zh-CN" altLang="en-US" dirty="0"/>
-          </a:p>
-          <a:p>
-            <a:endParaRPr lang="zh-CN" altLang="en-US" dirty="0"/>
-          </a:p>
-        </p:txBody>
-      </p:sp>
-      <p:sp>
-        <p:nvSpPr>
-          <p:cNvPr id="4" name="灯片编号占位符 3">
-            <a:extLst>
-              <a:ext uri="{FF2B5EF4-FFF2-40B4-BE49-F238E27FC236}">
-                <a16:creationId xmlns:a16="http://schemas.microsoft.com/office/drawing/2014/main" id="{40FD203A-4214-14CA-7588-86C90730E67A}"/>
-              </a:ext>
-            </a:extLst>
-          </p:cNvPr>
-          <p:cNvSpPr>
-            <a:spLocks noGrp="1"/>
-          </p:cNvSpPr>
-          <p:nvPr>
-            <p:ph type="sldNum" sz="quarter" idx="12"/>
-          </p:nvPr>
-        </p:nvSpPr>
-        <p:spPr/>
-        <p:txBody>
-          <a:bodyPr/>
-          <a:lstStyle/>
-          <a:p>
-            <a:fld id="{3499BFCA-6CB1-449C-B6ED-D6AF360AA522}" type="slidenum">
-              <a:rPr lang="zh-CN" altLang="en-US" smtClean="0"/>
-              <a:t>38</a:t>
-            </a:fld>
-            <a:endParaRPr lang="en-US"/>
-          </a:p>
-        </p:txBody>
-      </p:sp>
-    </p:spTree>
-    <p:extLst>
-      <p:ext uri="{BB962C8B-B14F-4D97-AF65-F5344CB8AC3E}">
-        <p14:creationId xmlns:p14="http://schemas.microsoft.com/office/powerpoint/2010/main" val="3566320337"/>
-      </p:ext>
-    </p:extLst>
-  </p:cSld>
-  <p:clrMapOvr>
-    <a:masterClrMapping/>
-  </p:clrMapOvr>
-</p:sld>
-</file>
-
-<file path=ppt/slides/slide39.xml><?xml version="1.0" encoding="utf-8"?>
-<p:sld xmlns:a="http://schemas.openxmlformats.org/drawingml/2006/main" xmlns:r="http://schemas.openxmlformats.org/officeDocument/2006/relationships" xmlns:p="http://schemas.openxmlformats.org/presentationml/2006/main">
-  <p:cSld>
-    <p:spTree>
-      <p:nvGrpSpPr>
-        <p:cNvPr id="1" name=""/>
-        <p:cNvGrpSpPr/>
-        <p:nvPr/>
-      </p:nvGrpSpPr>
-      <p:grpSpPr>
-        <a:xfrm>
-          <a:off x="0" y="0"/>
-          <a:ext cx="0" cy="0"/>
-          <a:chOff x="0" y="0"/>
-          <a:chExt cx="0" cy="0"/>
-        </a:xfrm>
-      </p:grpSpPr>
-      <p:sp>
-        <p:nvSpPr>
-          <p:cNvPr id="2" name="标题 1"/>
-          <p:cNvSpPr>
-            <a:spLocks noGrp="1"/>
-          </p:cNvSpPr>
-          <p:nvPr>
-            <p:ph type="title"/>
-          </p:nvPr>
-        </p:nvSpPr>
-        <p:spPr/>
-        <p:txBody>
-          <a:bodyPr/>
-          <a:lstStyle/>
-          <a:p>
-            <a:r>
-              <a:rPr lang="zh-CN" altLang="en-US"/>
-              <a:t>作业</a:t>
-            </a:r>
-            <a:r>
-              <a:rPr lang="en-US" altLang="zh-CN"/>
-              <a:t>1</a:t>
-            </a:r>
-            <a:endParaRPr lang="zh-CN" altLang="en-US"/>
-          </a:p>
-        </p:txBody>
-      </p:sp>
-      <p:sp>
-        <p:nvSpPr>
-          <p:cNvPr id="3" name="内容占位符 2"/>
-          <p:cNvSpPr>
-            <a:spLocks noGrp="1"/>
-          </p:cNvSpPr>
-          <p:nvPr>
-            <p:ph idx="1"/>
-          </p:nvPr>
-        </p:nvSpPr>
-        <p:spPr>
-          <a:xfrm>
-            <a:off x="395536" y="1933023"/>
-            <a:ext cx="8237512" cy="4680520"/>
+            <a:off x="184942" y="1268760"/>
+            <a:ext cx="8568952" cy="5328592"/>
           </a:xfrm>
         </p:spPr>
         <p:txBody>
@@ -9934,18 +9441,102 @@
               </a:lnSpc>
             </a:pPr>
             <a:r>
-              <a:rPr lang="zh-CN" altLang="en-US" dirty="0"/>
+              <a:rPr lang="zh-CN" altLang="en-US" sz="2400"/>
+              <a:t>加入</a:t>
+            </a:r>
+            <a:r>
+              <a:rPr lang="en-US" altLang="zh-CN" sz="2400"/>
+              <a:t>QQ</a:t>
+            </a:r>
+            <a:r>
+              <a:rPr lang="zh-CN" altLang="en-US" sz="2400"/>
+              <a:t>群</a:t>
+            </a:r>
+            <a:endParaRPr lang="en-US" altLang="zh-CN" sz="2400"/>
+          </a:p>
+          <a:p>
+            <a:pPr>
+              <a:lnSpc>
+                <a:spcPct val="150000"/>
+              </a:lnSpc>
+            </a:pPr>
+            <a:endParaRPr lang="en-US" altLang="zh-CN" sz="2400"/>
+          </a:p>
+          <a:p>
+            <a:pPr>
+              <a:lnSpc>
+                <a:spcPct val="150000"/>
+              </a:lnSpc>
+            </a:pPr>
+            <a:r>
+              <a:rPr lang="zh-CN" altLang="en-US" sz="2400"/>
               <a:t>安装</a:t>
             </a:r>
             <a:r>
-              <a:rPr lang="en-US" altLang="zh-CN" dirty="0"/>
+              <a:rPr lang="en-US" altLang="zh-CN" sz="2400"/>
+              <a:t>git</a:t>
+            </a:r>
+            <a:r>
+              <a:rPr lang="zh-CN" altLang="en-US" sz="2400"/>
+              <a:t>软件，并注册一个</a:t>
+            </a:r>
+            <a:r>
+              <a:rPr lang="en-US" altLang="zh-CN" sz="2400"/>
+              <a:t>Github</a:t>
+            </a:r>
+            <a:r>
+              <a:rPr lang="zh-CN" altLang="en-US" sz="2400"/>
+              <a:t>账号或者</a:t>
+            </a:r>
+            <a:r>
+              <a:rPr lang="en-US" altLang="zh-CN" sz="2400"/>
+              <a:t>gitee</a:t>
+            </a:r>
+            <a:r>
+              <a:rPr lang="zh-CN" altLang="en-US" sz="2400"/>
+              <a:t>账号，关注课程的网站：</a:t>
+            </a:r>
+            <a:endParaRPr lang="en-US" altLang="zh-CN" sz="2400"/>
+          </a:p>
+          <a:p>
+            <a:pPr lvl="1"/>
+            <a:r>
+              <a:rPr lang="en-US" altLang="zh-CN">
+                <a:hlinkClick r:id="rId3"/>
+              </a:rPr>
+              <a:t>https://github.com/zhoujing204/python_course</a:t>
+            </a:r>
+            <a:endParaRPr lang="en-US" altLang="zh-CN"/>
+          </a:p>
+          <a:p>
+            <a:pPr lvl="1"/>
+            <a:r>
+              <a:rPr lang="en-US" altLang="zh-CN">
+                <a:hlinkClick r:id="rId4"/>
+              </a:rPr>
+              <a:t>https://gitee.com/zj204/python_course</a:t>
+            </a:r>
+            <a:endParaRPr lang="en-US" altLang="zh-CN"/>
+          </a:p>
+          <a:p>
+            <a:pPr>
+              <a:lnSpc>
+                <a:spcPct val="150000"/>
+              </a:lnSpc>
+            </a:pPr>
+            <a:r>
+              <a:rPr lang="zh-CN" altLang="en-US" sz="2400"/>
+              <a:t>安装</a:t>
+            </a:r>
+            <a:r>
+              <a:rPr lang="en-US" altLang="zh-CN" sz="2400"/>
               <a:t>Python</a:t>
             </a:r>
             <a:r>
-              <a:rPr lang="zh-CN" altLang="en-US" dirty="0"/>
+              <a:rPr lang="zh-CN" altLang="en-US" sz="2400"/>
               <a:t>开发环境：</a:t>
             </a:r>
-            <a:endParaRPr lang="en-US" altLang="zh-CN" dirty="0"/>
+            <a:endParaRPr lang="en-US" altLang="zh-CN" sz="2400"/>
           </a:p>
           <a:p>
             <a:pPr lvl="1">
@@ -9954,14 +9545,14 @@
               </a:lnSpc>
             </a:pPr>
             <a:r>
-              <a:rPr lang="en-US" altLang="zh-CN" dirty="0"/>
+              <a:rPr lang="en-US" altLang="zh-CN"/>
               <a:t>Python</a:t>
             </a:r>
             <a:r>
-              <a:rPr lang="zh-CN" altLang="en-US" dirty="0"/>
+              <a:rPr lang="zh-CN" altLang="en-US"/>
               <a:t>安装包</a:t>
             </a:r>
-            <a:endParaRPr lang="en-US" altLang="zh-CN" dirty="0"/>
+            <a:endParaRPr lang="en-US" altLang="zh-CN"/>
           </a:p>
           <a:p>
             <a:pPr lvl="1">
@@ -9970,26 +9561,17 @@
               </a:lnSpc>
             </a:pPr>
             <a:r>
-              <a:rPr lang="en-US" altLang="zh-CN" dirty="0"/>
+              <a:rPr lang="en-US" altLang="zh-CN"/>
               <a:t>pip install</a:t>
             </a:r>
             <a:r>
-              <a:rPr lang="zh-CN" altLang="en-US" dirty="0"/>
+              <a:rPr lang="zh-CN" altLang="en-US"/>
               <a:t>安装</a:t>
             </a:r>
             <a:r>
-              <a:rPr lang="en-US" altLang="zh-CN" dirty="0" err="1"/>
-              <a:t>numpy</a:t>
-            </a:r>
-            <a:r>
-              <a:rPr lang="en-US" altLang="zh-CN" dirty="0"/>
-              <a:t>, pandas, </a:t>
-            </a:r>
-            <a:r>
-              <a:rPr lang="en-US" altLang="zh-CN" dirty="0" err="1"/>
-              <a:t>pygame,matplotlib</a:t>
-            </a:r>
-            <a:endParaRPr lang="en-US" altLang="zh-CN" dirty="0"/>
+              <a:rPr lang="en-US" altLang="zh-CN"/>
+              <a:t>numpy, pandas, pygame,matplotlib</a:t>
+            </a:r>
           </a:p>
           <a:p>
             <a:pPr lvl="1">
@@ -9998,122 +9580,76 @@
               </a:lnSpc>
             </a:pPr>
             <a:r>
-              <a:rPr lang="zh-CN" altLang="en-US" dirty="0"/>
-              <a:t>安装集成开发环境（</a:t>
-            </a:r>
-            <a:r>
-              <a:rPr lang="en-US" altLang="zh-CN" dirty="0" err="1"/>
+              <a:rPr lang="zh-CN" altLang="en-US"/>
+              <a:t>安</a:t>
+            </a:r>
+            <a:r>
+              <a:rPr lang="zh-CN" altLang="en-US" dirty="0"/>
+              <a:t>装集成开发环境</a:t>
+            </a:r>
+            <a:r>
+              <a:rPr lang="zh-CN" altLang="en-US"/>
+              <a:t>（</a:t>
+            </a:r>
+            <a:r>
+              <a:rPr lang="en-US" altLang="zh-CN"/>
               <a:t>vscode</a:t>
             </a:r>
             <a:r>
-              <a:rPr lang="zh-CN" altLang="en-US" dirty="0"/>
-              <a:t>或者</a:t>
-            </a:r>
-            <a:r>
-              <a:rPr lang="en-US" altLang="zh-CN" dirty="0" err="1"/>
-              <a:t>pycharm</a:t>
-            </a:r>
-            <a:r>
-              <a:rPr lang="zh-CN" altLang="en-US" dirty="0"/>
-              <a:t>）及插件</a:t>
-            </a:r>
-            <a:endParaRPr lang="en-US" altLang="zh-CN" dirty="0"/>
-          </a:p>
-          <a:p>
-            <a:pPr>
-              <a:lnSpc>
-                <a:spcPct val="150000"/>
-              </a:lnSpc>
-            </a:pPr>
-            <a:r>
-              <a:rPr lang="zh-CN" altLang="en-US" dirty="0"/>
-              <a:t>注册一个</a:t>
-            </a:r>
-            <a:r>
-              <a:rPr lang="en-US" altLang="zh-CN" dirty="0" err="1"/>
-              <a:t>Github</a:t>
-            </a:r>
-            <a:r>
-              <a:rPr lang="zh-CN" altLang="en-US" dirty="0"/>
-              <a:t>账号，并安装</a:t>
-            </a:r>
-            <a:r>
-              <a:rPr lang="en-US" altLang="zh-CN" dirty="0"/>
-              <a:t>git</a:t>
-            </a:r>
-            <a:r>
-              <a:rPr lang="zh-CN" altLang="en-US" dirty="0"/>
-              <a:t>软件</a:t>
-            </a:r>
-            <a:endParaRPr lang="en-US" altLang="zh-CN" dirty="0"/>
-          </a:p>
-          <a:p>
-            <a:pPr>
-              <a:lnSpc>
-                <a:spcPct val="150000"/>
-              </a:lnSpc>
-            </a:pPr>
-            <a:r>
-              <a:rPr lang="zh-CN" altLang="en-US" dirty="0"/>
-              <a:t>注册</a:t>
-            </a:r>
-            <a:r>
-              <a:rPr lang="en-US" altLang="zh-CN" dirty="0" err="1"/>
-              <a:t>Codewars</a:t>
-            </a:r>
-            <a:r>
-              <a:rPr lang="zh-CN" altLang="en-US" dirty="0"/>
-              <a:t>账号，并完成一个</a:t>
-            </a:r>
-            <a:r>
-              <a:rPr lang="en-US" altLang="zh-CN" dirty="0"/>
-              <a:t>python kata</a:t>
-            </a:r>
-          </a:p>
-          <a:p>
-            <a:pPr lvl="1">
-              <a:lnSpc>
-                <a:spcPct val="150000"/>
-              </a:lnSpc>
-            </a:pPr>
-            <a:r>
-              <a:rPr lang="en-US" altLang="zh-CN" dirty="0"/>
-              <a:t>www.codewars.com</a:t>
-            </a:r>
-          </a:p>
-          <a:p>
+              <a:rPr lang="zh-CN" altLang="en-US"/>
+              <a:t>）</a:t>
+            </a:r>
+            <a:r>
+              <a:rPr lang="zh-CN" altLang="en-US" dirty="0"/>
+              <a:t>及</a:t>
+            </a:r>
+            <a:r>
+              <a:rPr lang="zh-CN" altLang="en-US"/>
+              <a:t>插件</a:t>
+            </a:r>
             <a:endParaRPr lang="zh-CN" altLang="en-US" dirty="0"/>
           </a:p>
         </p:txBody>
       </p:sp>
       <p:pic>
         <p:nvPicPr>
-          <p:cNvPr id="4" name="图片 3">
-            <a:extLst>
-              <a:ext uri="{FF2B5EF4-FFF2-40B4-BE49-F238E27FC236}">
-                <a16:creationId xmlns:a16="http://schemas.microsoft.com/office/drawing/2014/main" id="{CE91173D-832B-C01C-4023-307211E5D6CE}"/>
-              </a:ext>
-            </a:extLst>
-          </p:cNvPr>
+          <p:cNvPr id="5" name="Picture 2" descr="C:\微云同步助手\21软件Python\21软件Python课程群群二维码.png"/>
           <p:cNvPicPr>
-            <a:picLocks noChangeAspect="1"/>
+            <a:picLocks noChangeAspect="1" noChangeArrowheads="1"/>
           </p:cNvPicPr>
           <p:nvPr/>
         </p:nvPicPr>
         <p:blipFill>
-          <a:blip r:embed="rId3"/>
+          <a:blip r:embed="rId5">
+            <a:extLst>
+              <a:ext uri="{28A0092B-C50C-407E-A947-70E740481C1C}">
+                <a14:useLocalDpi xmlns:a14="http://schemas.microsoft.com/office/drawing/2010/main" val="0"/>
+              </a:ext>
+            </a:extLst>
+          </a:blip>
+          <a:srcRect/>
           <a:stretch>
             <a:fillRect/>
           </a:stretch>
         </p:blipFill>
-        <p:spPr>
+        <p:spPr bwMode="auto">
           <a:xfrm>
-            <a:off x="6012998" y="0"/>
-            <a:ext cx="2722021" cy="3492858"/>
+            <a:off x="6300192" y="0"/>
+            <a:ext cx="2232248" cy="2864389"/>
           </a:xfrm>
           <a:prstGeom prst="rect">
             <a:avLst/>
           </a:prstGeom>
+          <a:noFill/>
+          <a:extLst>
+            <a:ext uri="{909E8E84-426E-40DD-AFC4-6F175D3DCCD1}">
+              <a14:hiddenFill xmlns:a14="http://schemas.microsoft.com/office/drawing/2010/main">
+                <a:solidFill>
+                  <a:srgbClr val="FFFFFF"/>
+                </a:solidFill>
+              </a14:hiddenFill>
+            </a:ext>
+          </a:extLst>
         </p:spPr>
       </p:pic>
     </p:spTree>
@@ -10162,8 +9698,24 @@
           <a:lstStyle/>
           <a:p>
             <a:r>
-              <a:rPr lang="zh-CN" altLang="en-US"/>
-              <a:t>教材及参考书介绍</a:t>
+              <a:rPr lang="zh-CN" altLang="en-US" dirty="0"/>
+              <a:t>第</a:t>
+            </a:r>
+            <a:r>
+              <a:rPr lang="en-US" altLang="zh-CN" dirty="0"/>
+              <a:t>1</a:t>
+            </a:r>
+            <a:r>
+              <a:rPr lang="zh-CN" altLang="en-US" dirty="0"/>
+              <a:t>章 </a:t>
+            </a:r>
+            <a:r>
+              <a:rPr lang="en-US" altLang="zh-CN" dirty="0"/>
+              <a:t>Python</a:t>
+            </a:r>
+            <a:r>
+              <a:rPr lang="zh-CN" altLang="en-US" dirty="0"/>
+              <a:t>概述</a:t>
             </a:r>
           </a:p>
         </p:txBody>
@@ -10184,55 +9736,21 @@
           <a:lstStyle/>
           <a:p>
             <a:r>
+              <a:rPr lang="zh-CN" altLang="en-US" dirty="0"/>
+              <a:t>课程介绍</a:t>
+            </a:r>
+            <a:endParaRPr lang="en-US" altLang="zh-CN" dirty="0"/>
+          </a:p>
+          <a:p>
+            <a:r>
               <a:rPr lang="en-US" altLang="zh-CN" dirty="0"/>
-              <a:t>《Python</a:t>
-            </a:r>
-            <a:r>
-              <a:rPr lang="zh-CN" altLang="en-US" dirty="0"/>
-              <a:t>编程</a:t>
-            </a:r>
-            <a:r>
-              <a:rPr lang="en-US" altLang="zh-CN" dirty="0"/>
-              <a:t>-</a:t>
-            </a:r>
-            <a:r>
-              <a:rPr lang="zh-CN" altLang="en-US" dirty="0"/>
-              <a:t>从入门到实践</a:t>
-            </a:r>
-            <a:r>
-              <a:rPr lang="en-US" altLang="zh-CN" dirty="0"/>
-              <a:t>》</a:t>
-            </a:r>
-          </a:p>
-          <a:p>
-            <a:pPr lvl="1"/>
-            <a:r>
-              <a:rPr lang="zh-CN" altLang="en-US" dirty="0"/>
-              <a:t>偏重基础、讲解非常详细</a:t>
+              <a:t>Why Python</a:t>
+            </a:r>
+            <a:r>
+              <a:rPr lang="zh-CN" altLang="en-US" dirty="0"/>
+              <a:t>？</a:t>
             </a:r>
             <a:endParaRPr lang="en-US" altLang="zh-CN" dirty="0"/>
-          </a:p>
-          <a:p>
-            <a:pPr lvl="1"/>
-            <a:r>
-              <a:rPr lang="zh-CN" altLang="en-US" dirty="0"/>
-              <a:t>书的后半部选用了三个完整的实践项目</a:t>
-            </a:r>
-            <a:endParaRPr lang="en-US" altLang="zh-CN" dirty="0"/>
-          </a:p>
-          <a:p>
-            <a:r>
-              <a:rPr lang="en-US" altLang="zh-CN" dirty="0"/>
-              <a:t>《</a:t>
-            </a:r>
-            <a:r>
-              <a:rPr lang="zh-CN" altLang="en-US" dirty="0"/>
-              <a:t>流利的</a:t>
-            </a:r>
-            <a:r>
-              <a:rPr lang="en-US" altLang="zh-CN" dirty="0"/>
-              <a:t>Python》</a:t>
-            </a:r>
           </a:p>
           <a:p>
             <a:pPr lvl="1"/>
@@ -10242,68 +9760,50 @@
             </a:r>
             <a:r>
               <a:rPr lang="zh-CN" altLang="en-US" dirty="0"/>
-              <a:t>语言的高级语法</a:t>
+              <a:t>语言的介绍</a:t>
             </a:r>
             <a:endParaRPr lang="en-US" altLang="zh-CN" dirty="0"/>
           </a:p>
           <a:p>
+            <a:pPr lvl="1"/>
             <a:r>
               <a:rPr lang="en-US" altLang="zh-CN" dirty="0"/>
-              <a:t>《 Python for Data Analysis》</a:t>
-            </a:r>
-          </a:p>
-          <a:p>
-            <a:pPr lvl="1"/>
-            <a:r>
-              <a:rPr lang="zh-CN" altLang="en-US" dirty="0"/>
-              <a:t>使用</a:t>
-            </a:r>
+              <a:t>Python</a:t>
+            </a:r>
+            <a:r>
+              <a:rPr lang="zh-CN" altLang="en-US" dirty="0"/>
+              <a:t>与其他编程语言的对比</a:t>
+            </a:r>
+            <a:endParaRPr lang="en-US" altLang="zh-CN" dirty="0"/>
+          </a:p>
+          <a:p>
             <a:r>
               <a:rPr lang="en-US" altLang="zh-CN" dirty="0"/>
-              <a:t>Numpy</a:t>
-            </a:r>
-            <a:r>
-              <a:rPr lang="zh-CN" altLang="en-US" dirty="0"/>
-              <a:t>和</a:t>
-            </a:r>
+              <a:t>Python</a:t>
+            </a:r>
+            <a:r>
+              <a:rPr lang="zh-CN" altLang="en-US" dirty="0"/>
+              <a:t>开发环境</a:t>
+            </a:r>
+            <a:endParaRPr lang="en-US" altLang="zh-CN" dirty="0"/>
+          </a:p>
+          <a:p>
             <a:r>
               <a:rPr lang="en-US" altLang="zh-CN" dirty="0"/>
-              <a:t>Pandas</a:t>
-            </a:r>
-            <a:r>
-              <a:rPr lang="zh-CN" altLang="en-US" dirty="0"/>
-              <a:t>进行数据分析、机器学习</a:t>
-            </a:r>
-          </a:p>
-        </p:txBody>
-      </p:sp>
-      <p:sp>
-        <p:nvSpPr>
-          <p:cNvPr id="4" name="灯片编号占位符 3"/>
-          <p:cNvSpPr>
-            <a:spLocks noGrp="1"/>
-          </p:cNvSpPr>
-          <p:nvPr>
-            <p:ph type="sldNum" sz="quarter" idx="12"/>
-          </p:nvPr>
-        </p:nvSpPr>
-        <p:spPr/>
-        <p:txBody>
-          <a:bodyPr/>
-          <a:lstStyle/>
-          <a:p>
-            <a:fld id="{3499BFCA-6CB1-449C-B6ED-D6AF360AA522}" type="slidenum">
-              <a:rPr lang="zh-CN" altLang="en-US" smtClean="0"/>
-              <a:t>4</a:t>
-            </a:fld>
-            <a:endParaRPr lang="en-US"/>
+              <a:t>Python</a:t>
+            </a:r>
+            <a:r>
+              <a:rPr lang="zh-CN" altLang="en-US" dirty="0"/>
+              <a:t>应用展示</a:t>
+            </a:r>
+            <a:endParaRPr lang="en-US" altLang="zh-CN" dirty="0"/>
           </a:p>
         </p:txBody>
       </p:sp>
     </p:spTree>
     <p:extLst>
       <p:ext uri="{BB962C8B-B14F-4D97-AF65-F5344CB8AC3E}">
-        <p14:creationId xmlns:p14="http://schemas.microsoft.com/office/powerpoint/2010/main" val="2888590289"/>
+        <p14:creationId xmlns:p14="http://schemas.microsoft.com/office/powerpoint/2010/main" val="1353943256"/>
       </p:ext>
     </p:extLst>
   </p:cSld>
@@ -10332,13 +9832,7 @@
       </p:grpSpPr>
       <p:sp>
         <p:nvSpPr>
-          <p:cNvPr id="2" name="标题 1">
-            <a:extLst>
-              <a:ext uri="{FF2B5EF4-FFF2-40B4-BE49-F238E27FC236}">
-                <a16:creationId xmlns:a16="http://schemas.microsoft.com/office/drawing/2014/main" id="{DCEDD3A3-DE0C-42E5-93C4-8020572B6264}"/>
-              </a:ext>
-            </a:extLst>
-          </p:cNvPr>
+          <p:cNvPr id="2" name="标题 1"/>
           <p:cNvSpPr>
             <a:spLocks noGrp="1"/>
           </p:cNvSpPr>
@@ -10352,26 +9846,15 @@
           <a:lstStyle/>
           <a:p>
             <a:r>
-              <a:rPr lang="zh-CN" altLang="en-US" dirty="0"/>
-              <a:t>课程考核</a:t>
-            </a:r>
-            <a:r>
-              <a:rPr lang="en-US" altLang="zh-CN" dirty="0"/>
-              <a:t>	</a:t>
-            </a:r>
-            <a:endParaRPr lang="zh-CN" altLang="en-US" dirty="0"/>
-          </a:p>
-        </p:txBody>
-      </p:sp>
-      <p:sp>
-        <p:nvSpPr>
-          <p:cNvPr id="3" name="内容占位符 2">
-            <a:extLst>
-              <a:ext uri="{FF2B5EF4-FFF2-40B4-BE49-F238E27FC236}">
-                <a16:creationId xmlns:a16="http://schemas.microsoft.com/office/drawing/2014/main" id="{A9C03D8D-5F32-4F77-AD99-7B37458C9651}"/>
-              </a:ext>
-            </a:extLst>
-          </p:cNvPr>
+              <a:rPr lang="zh-CN" altLang="en-US"/>
+              <a:t>教材及参考书介绍</a:t>
+            </a:r>
+          </a:p>
+        </p:txBody>
+      </p:sp>
+      <p:sp>
+        <p:nvSpPr>
+          <p:cNvPr id="3" name="内容占位符 2"/>
           <p:cNvSpPr>
             <a:spLocks noGrp="1"/>
           </p:cNvSpPr>
@@ -10379,100 +9862,162 @@
             <p:ph idx="1"/>
           </p:nvPr>
         </p:nvSpPr>
-        <p:spPr/>
+        <p:spPr>
+          <a:xfrm>
+            <a:off x="323528" y="1700809"/>
+            <a:ext cx="8280920" cy="4248471"/>
+          </a:xfrm>
+        </p:spPr>
         <p:txBody>
           <a:bodyPr/>
           <a:lstStyle/>
           <a:p>
             <a:r>
               <a:rPr lang="zh-CN" altLang="en-US"/>
-              <a:t>平时成绩（</a:t>
+              <a:t>教材：</a:t>
+            </a:r>
+            <a:endParaRPr lang="en-US" altLang="zh-CN"/>
+          </a:p>
+          <a:p>
+            <a:pPr lvl="1"/>
+            <a:r>
+              <a:rPr lang="en-US" altLang="zh-CN"/>
+              <a:t>《</a:t>
             </a:r>
             <a:r>
               <a:rPr lang="en-US" altLang="zh-CN" dirty="0"/>
-              <a:t>2</a:t>
-            </a:r>
+              <a:t>Python</a:t>
+            </a:r>
+            <a:r>
+              <a:rPr lang="zh-CN" altLang="en-US" dirty="0"/>
+              <a:t>编程</a:t>
+            </a:r>
+            <a:r>
+              <a:rPr lang="en-US" altLang="zh-CN" dirty="0"/>
+              <a:t>-</a:t>
+            </a:r>
+            <a:r>
+              <a:rPr lang="zh-CN" altLang="en-US" dirty="0"/>
+              <a:t>从入门到实践</a:t>
+            </a:r>
+            <a:r>
+              <a:rPr lang="en-US" altLang="zh-CN" dirty="0"/>
+              <a:t>》</a:t>
+            </a:r>
+          </a:p>
+          <a:p>
+            <a:pPr lvl="2"/>
+            <a:r>
+              <a:rPr lang="zh-CN" altLang="en-US" dirty="0"/>
+              <a:t>偏重基础、讲解非常详细</a:t>
+            </a:r>
+            <a:endParaRPr lang="en-US" altLang="zh-CN" dirty="0"/>
+          </a:p>
+          <a:p>
+            <a:pPr lvl="2"/>
+            <a:r>
+              <a:rPr lang="zh-CN" altLang="en-US" dirty="0"/>
+              <a:t>书的后半部选用了三个完整的</a:t>
+            </a:r>
+            <a:r>
+              <a:rPr lang="zh-CN" altLang="en-US"/>
+              <a:t>实践项目</a:t>
+            </a:r>
+            <a:endParaRPr lang="en-US" altLang="zh-CN" dirty="0"/>
+          </a:p>
+          <a:p>
+            <a:r>
+              <a:rPr lang="zh-CN" altLang="en-US"/>
+              <a:t>参考书：</a:t>
+            </a:r>
+            <a:endParaRPr lang="en-US" altLang="zh-CN"/>
+          </a:p>
+          <a:p>
+            <a:pPr lvl="1"/>
             <a:r>
               <a:rPr lang="en-US" altLang="zh-CN"/>
-              <a:t>0</a:t>
+              <a:t>《</a:t>
+            </a:r>
+            <a:r>
+              <a:rPr lang="zh-CN" altLang="en-US"/>
+              <a:t>流畅的</a:t>
             </a:r>
             <a:r>
               <a:rPr lang="en-US" altLang="zh-CN" dirty="0"/>
-              <a:t>%</a:t>
-            </a:r>
-            <a:r>
-              <a:rPr lang="zh-CN" altLang="en-US" dirty="0"/>
-              <a:t>）</a:t>
+              <a:t>Python》</a:t>
+            </a:r>
+          </a:p>
+          <a:p>
+            <a:pPr lvl="2"/>
+            <a:r>
+              <a:rPr lang="en-US" altLang="zh-CN" dirty="0"/>
+              <a:t>Python</a:t>
+            </a:r>
+            <a:r>
+              <a:rPr lang="zh-CN" altLang="en-US" dirty="0"/>
+              <a:t>语言的高级语法</a:t>
             </a:r>
             <a:endParaRPr lang="en-US" altLang="zh-CN" dirty="0"/>
           </a:p>
           <a:p>
-            <a:r>
-              <a:rPr lang="zh-CN" altLang="en-US"/>
-              <a:t>课程实验（</a:t>
-            </a:r>
+            <a:pPr lvl="1"/>
             <a:r>
               <a:rPr lang="en-US" altLang="zh-CN" dirty="0"/>
+              <a:t>《 Python for Data Analysis》</a:t>
+            </a:r>
+          </a:p>
+          <a:p>
+            <a:pPr lvl="2"/>
+            <a:r>
+              <a:rPr lang="zh-CN" altLang="en-US" dirty="0"/>
+              <a:t>使用</a:t>
+            </a:r>
+            <a:r>
+              <a:rPr lang="en-US" altLang="zh-CN" dirty="0"/>
+              <a:t>Numpy</a:t>
+            </a:r>
+            <a:r>
+              <a:rPr lang="zh-CN" altLang="en-US" dirty="0"/>
+              <a:t>和</a:t>
+            </a:r>
+            <a:r>
+              <a:rPr lang="en-US" altLang="zh-CN" dirty="0"/>
+              <a:t>Pandas</a:t>
+            </a:r>
+            <a:r>
+              <a:rPr lang="zh-CN" altLang="en-US" dirty="0"/>
+              <a:t>进行数据分析、机器学习</a:t>
+            </a:r>
+          </a:p>
+        </p:txBody>
+      </p:sp>
+      <p:sp>
+        <p:nvSpPr>
+          <p:cNvPr id="4" name="灯片编号占位符 3"/>
+          <p:cNvSpPr>
+            <a:spLocks noGrp="1"/>
+          </p:cNvSpPr>
+          <p:nvPr>
+            <p:ph type="sldNum" sz="quarter" idx="12"/>
+          </p:nvPr>
+        </p:nvSpPr>
+        <p:spPr/>
+        <p:txBody>
+          <a:bodyPr/>
+          <a:lstStyle/>
+          <a:p>
+            <a:fld id="{3499BFCA-6CB1-449C-B6ED-D6AF360AA522}" type="slidenum">
+              <a:rPr lang="zh-CN" altLang="en-US" smtClean="0"/>
               <a:t>5</a:t>
-            </a:r>
-            <a:r>
-              <a:rPr lang="en-US" altLang="zh-CN"/>
-              <a:t>0</a:t>
-            </a:r>
-            <a:r>
-              <a:rPr lang="en-US" altLang="zh-CN" dirty="0"/>
-              <a:t>%</a:t>
-            </a:r>
-            <a:r>
-              <a:rPr lang="zh-CN" altLang="en-US" dirty="0"/>
-              <a:t>）</a:t>
-            </a:r>
-            <a:endParaRPr lang="en-US" altLang="zh-CN" dirty="0"/>
-          </a:p>
-          <a:p>
-            <a:r>
-              <a:rPr lang="zh-CN" altLang="en-US" dirty="0"/>
-              <a:t>期末</a:t>
-            </a:r>
-            <a:r>
-              <a:rPr lang="zh-CN" altLang="en-US"/>
-              <a:t>考查</a:t>
-            </a:r>
-            <a:r>
-              <a:rPr lang="en-US" altLang="zh-CN"/>
-              <a:t>—</a:t>
-            </a:r>
-            <a:r>
-              <a:rPr lang="zh-CN" altLang="en-US"/>
-              <a:t>项目考查（</a:t>
-            </a:r>
-            <a:r>
-              <a:rPr lang="en-US" altLang="zh-CN" dirty="0"/>
-              <a:t>3</a:t>
-            </a:r>
-            <a:r>
-              <a:rPr lang="en-US" altLang="zh-CN"/>
-              <a:t>0</a:t>
-            </a:r>
-            <a:r>
-              <a:rPr lang="en-US" altLang="zh-CN" dirty="0"/>
-              <a:t>%</a:t>
-            </a:r>
-            <a:r>
-              <a:rPr lang="zh-CN" altLang="en-US" dirty="0"/>
-              <a:t>）</a:t>
-            </a:r>
-            <a:endParaRPr lang="en-US" altLang="zh-CN" dirty="0"/>
-          </a:p>
-          <a:p>
-            <a:endParaRPr lang="en-US" altLang="zh-CN" dirty="0"/>
+            </a:fld>
+            <a:endParaRPr lang="en-US"/>
           </a:p>
         </p:txBody>
       </p:sp>
     </p:spTree>
     <p:extLst>
       <p:ext uri="{BB962C8B-B14F-4D97-AF65-F5344CB8AC3E}">
-        <p14:creationId xmlns:p14="http://schemas.microsoft.com/office/powerpoint/2010/main" val="1368790030"/>
+        <p14:creationId xmlns:p14="http://schemas.microsoft.com/office/powerpoint/2010/main" val="2888590289"/>
       </p:ext>
     </p:extLst>
   </p:cSld>
@@ -10501,7 +10046,13 @@
       </p:grpSpPr>
       <p:sp>
         <p:nvSpPr>
-          <p:cNvPr id="2" name="标题 1"/>
+          <p:cNvPr id="2" name="标题 1">
+            <a:extLst>
+              <a:ext uri="{FF2B5EF4-FFF2-40B4-BE49-F238E27FC236}">
+                <a16:creationId xmlns:a16="http://schemas.microsoft.com/office/drawing/2014/main" id="{DCEDD3A3-DE0C-42E5-93C4-8020572B6264}"/>
+              </a:ext>
+            </a:extLst>
+          </p:cNvPr>
           <p:cNvSpPr>
             <a:spLocks noGrp="1"/>
           </p:cNvSpPr>
@@ -10515,119 +10066,152 @@
           <a:lstStyle/>
           <a:p>
             <a:r>
+              <a:rPr lang="zh-CN" altLang="en-US" dirty="0"/>
+              <a:t>课程考核</a:t>
+            </a:r>
+            <a:r>
+              <a:rPr lang="en-US" altLang="zh-CN" dirty="0"/>
+              <a:t>	</a:t>
+            </a:r>
+            <a:endParaRPr lang="zh-CN" altLang="en-US" dirty="0"/>
+          </a:p>
+        </p:txBody>
+      </p:sp>
+      <p:sp>
+        <p:nvSpPr>
+          <p:cNvPr id="3" name="内容占位符 2">
+            <a:extLst>
+              <a:ext uri="{FF2B5EF4-FFF2-40B4-BE49-F238E27FC236}">
+                <a16:creationId xmlns:a16="http://schemas.microsoft.com/office/drawing/2014/main" id="{A9C03D8D-5F32-4F77-AD99-7B37458C9651}"/>
+              </a:ext>
+            </a:extLst>
+          </p:cNvPr>
+          <p:cNvSpPr>
+            <a:spLocks noGrp="1"/>
+          </p:cNvSpPr>
+          <p:nvPr>
+            <p:ph idx="1"/>
+          </p:nvPr>
+        </p:nvSpPr>
+        <p:spPr>
+          <a:xfrm>
+            <a:off x="323528" y="1772816"/>
+            <a:ext cx="8136904" cy="3816424"/>
+          </a:xfrm>
+        </p:spPr>
+        <p:txBody>
+          <a:bodyPr/>
+          <a:lstStyle/>
+          <a:p>
+            <a:r>
               <a:rPr lang="zh-CN" altLang="en-US"/>
               <a:t>平时成绩（</a:t>
             </a:r>
             <a:r>
+              <a:rPr lang="en-US" altLang="zh-CN" dirty="0"/>
+              <a:t>3</a:t>
+            </a:r>
+            <a:r>
               <a:rPr lang="en-US" altLang="zh-CN"/>
-              <a:t>20</a:t>
+              <a:t>0%</a:t>
             </a:r>
             <a:r>
               <a:rPr lang="zh-CN" altLang="en-US"/>
-              <a:t>分）</a:t>
-            </a:r>
-          </a:p>
-        </p:txBody>
-      </p:sp>
-      <p:sp>
-        <p:nvSpPr>
-          <p:cNvPr id="3" name="内容占位符 2"/>
-          <p:cNvSpPr>
-            <a:spLocks noGrp="1"/>
-          </p:cNvSpPr>
-          <p:nvPr>
-            <p:ph idx="1"/>
-          </p:nvPr>
-        </p:nvSpPr>
-        <p:spPr/>
-        <p:txBody>
-          <a:bodyPr/>
-          <a:lstStyle/>
-          <a:p>
+              <a:t>）</a:t>
+            </a:r>
+            <a:endParaRPr lang="en-US" altLang="zh-CN"/>
+          </a:p>
+          <a:p>
+            <a:pPr lvl="1"/>
             <a:r>
               <a:rPr lang="zh-CN" altLang="en-US"/>
               <a:t>考勤</a:t>
             </a:r>
+            <a:endParaRPr lang="en-US" altLang="zh-CN"/>
+          </a:p>
+          <a:p>
+            <a:pPr lvl="1"/>
+            <a:r>
+              <a:rPr lang="zh-CN" altLang="en-US"/>
+              <a:t>编程的作业</a:t>
+            </a:r>
+            <a:endParaRPr lang="en-US" altLang="zh-CN" dirty="0"/>
+          </a:p>
+          <a:p>
+            <a:r>
+              <a:rPr lang="zh-CN" altLang="en-US"/>
+              <a:t>课程实验（</a:t>
+            </a:r>
             <a:r>
               <a:rPr lang="en-US" altLang="zh-CN"/>
-              <a:t>(10</a:t>
+              <a:t>50%</a:t>
             </a:r>
             <a:r>
               <a:rPr lang="zh-CN" altLang="en-US"/>
-              <a:t>分</a:t>
-            </a:r>
+              <a:t>）</a:t>
+            </a:r>
+            <a:endParaRPr lang="en-US" altLang="zh-CN"/>
+          </a:p>
+          <a:p>
+            <a:pPr lvl="1"/>
+            <a:r>
+              <a:rPr lang="zh-CN" altLang="en-US"/>
+              <a:t>外星人入侵的游戏项目</a:t>
+            </a:r>
+            <a:endParaRPr lang="en-US" altLang="zh-CN"/>
+          </a:p>
+          <a:p>
+            <a:pPr lvl="1"/>
+            <a:r>
+              <a:rPr lang="zh-CN" altLang="en-US"/>
+              <a:t>数据可视化项目</a:t>
+            </a:r>
+            <a:endParaRPr lang="en-US" altLang="zh-CN"/>
+          </a:p>
+          <a:p>
+            <a:pPr lvl="1"/>
             <a:r>
               <a:rPr lang="en-US" altLang="zh-CN"/>
-              <a:t>)</a:t>
-            </a:r>
-          </a:p>
-          <a:p>
+              <a:t>Django Web</a:t>
+            </a:r>
             <a:r>
               <a:rPr lang="zh-CN" altLang="en-US"/>
-              <a:t>课程互动（</a:t>
+              <a:t>应用项目</a:t>
+            </a:r>
+            <a:endParaRPr lang="en-US" altLang="zh-CN" dirty="0"/>
+          </a:p>
+          <a:p>
+            <a:r>
+              <a:rPr lang="zh-CN" altLang="en-US"/>
+              <a:t>期末考查：自选项目考查（</a:t>
+            </a:r>
+            <a:r>
+              <a:rPr lang="en-US" altLang="zh-CN" dirty="0"/>
+              <a:t>2</a:t>
             </a:r>
             <a:r>
               <a:rPr lang="en-US" altLang="zh-CN"/>
-              <a:t>10</a:t>
-            </a:r>
-            <a:r>
-              <a:rPr lang="zh-CN" altLang="en-US"/>
-              <a:t>分）</a:t>
-            </a:r>
-            <a:endParaRPr lang="en-US" altLang="zh-CN"/>
-          </a:p>
-          <a:p>
-            <a:pPr lvl="1"/>
-            <a:r>
-              <a:rPr lang="zh-CN" altLang="en-US"/>
-              <a:t>平时作业</a:t>
-            </a:r>
-            <a:endParaRPr lang="en-US" altLang="zh-CN"/>
-          </a:p>
-          <a:p>
-            <a:pPr lvl="1"/>
-            <a:r>
-              <a:rPr lang="zh-CN" altLang="en-US"/>
-              <a:t>提问或课程反馈</a:t>
-            </a:r>
-            <a:endParaRPr lang="en-US" altLang="zh-CN"/>
-          </a:p>
-          <a:p>
-            <a:pPr lvl="1"/>
-            <a:r>
-              <a:rPr lang="zh-CN" altLang="en-US"/>
-              <a:t>参与课程的投票、调查和讨论</a:t>
-            </a:r>
-          </a:p>
-        </p:txBody>
-      </p:sp>
-      <p:sp>
-        <p:nvSpPr>
-          <p:cNvPr id="4" name="灯片编号占位符 3"/>
-          <p:cNvSpPr>
-            <a:spLocks noGrp="1"/>
-          </p:cNvSpPr>
-          <p:nvPr>
-            <p:ph type="sldNum" sz="quarter" idx="12"/>
-          </p:nvPr>
-        </p:nvSpPr>
-        <p:spPr/>
-        <p:txBody>
-          <a:bodyPr/>
-          <a:lstStyle/>
-          <a:p>
-            <a:fld id="{3499BFCA-6CB1-449C-B6ED-D6AF360AA522}" type="slidenum">
-              <a:rPr lang="zh-CN" altLang="en-US" smtClean="0"/>
-              <a:t>6</a:t>
-            </a:fld>
-            <a:endParaRPr lang="en-US"/>
+              <a:t>0</a:t>
+            </a:r>
+            <a:r>
+              <a:rPr lang="en-US" altLang="zh-CN" dirty="0"/>
+              <a:t>%</a:t>
+            </a:r>
+            <a:r>
+              <a:rPr lang="zh-CN" altLang="en-US" dirty="0"/>
+              <a:t>）</a:t>
+            </a:r>
+            <a:endParaRPr lang="en-US" altLang="zh-CN" dirty="0"/>
+          </a:p>
+          <a:p>
+            <a:endParaRPr lang="en-US" altLang="zh-CN" dirty="0"/>
           </a:p>
         </p:txBody>
       </p:sp>
     </p:spTree>
     <p:extLst>
       <p:ext uri="{BB962C8B-B14F-4D97-AF65-F5344CB8AC3E}">
-        <p14:creationId xmlns:p14="http://schemas.microsoft.com/office/powerpoint/2010/main" val="2986894761"/>
+        <p14:creationId xmlns:p14="http://schemas.microsoft.com/office/powerpoint/2010/main" val="1368790030"/>
       </p:ext>
     </p:extLst>
   </p:cSld>
@@ -10638,304 +10222,6 @@
 </file>
 
 <file path=ppt/slides/slide7.xml><?xml version="1.0" encoding="utf-8"?>
-<p:sld xmlns:a="http://schemas.openxmlformats.org/drawingml/2006/main" xmlns:r="http://schemas.openxmlformats.org/officeDocument/2006/relationships" xmlns:p="http://schemas.openxmlformats.org/presentationml/2006/main">
-  <p:cSld>
-    <p:spTree>
-      <p:nvGrpSpPr>
-        <p:cNvPr id="1" name=""/>
-        <p:cNvGrpSpPr/>
-        <p:nvPr/>
-      </p:nvGrpSpPr>
-      <p:grpSpPr>
-        <a:xfrm>
-          <a:off x="0" y="0"/>
-          <a:ext cx="0" cy="0"/>
-          <a:chOff x="0" y="0"/>
-          <a:chExt cx="0" cy="0"/>
-        </a:xfrm>
-      </p:grpSpPr>
-      <p:sp>
-        <p:nvSpPr>
-          <p:cNvPr id="2" name="标题 1"/>
-          <p:cNvSpPr>
-            <a:spLocks noGrp="1"/>
-          </p:cNvSpPr>
-          <p:nvPr>
-            <p:ph type="title"/>
-          </p:nvPr>
-        </p:nvSpPr>
-        <p:spPr/>
-        <p:txBody>
-          <a:bodyPr/>
-          <a:lstStyle/>
-          <a:p>
-            <a:r>
-              <a:rPr lang="zh-CN" altLang="en-US"/>
-              <a:t>实验评分（</a:t>
-            </a:r>
-            <a:r>
-              <a:rPr lang="en-US" altLang="zh-CN"/>
-              <a:t>50</a:t>
-            </a:r>
-            <a:r>
-              <a:rPr lang="zh-CN" altLang="en-US"/>
-              <a:t>分）</a:t>
-            </a:r>
-          </a:p>
-        </p:txBody>
-      </p:sp>
-      <p:sp>
-        <p:nvSpPr>
-          <p:cNvPr id="3" name="内容占位符 2"/>
-          <p:cNvSpPr>
-            <a:spLocks noGrp="1"/>
-          </p:cNvSpPr>
-          <p:nvPr>
-            <p:ph idx="1"/>
-          </p:nvPr>
-        </p:nvSpPr>
-        <p:spPr/>
-        <p:txBody>
-          <a:bodyPr/>
-          <a:lstStyle/>
-          <a:p>
-            <a:r>
-              <a:rPr lang="zh-CN" altLang="en-US" dirty="0"/>
-              <a:t>实验内容：</a:t>
-            </a:r>
-            <a:endParaRPr lang="en-US" altLang="zh-CN" dirty="0"/>
-          </a:p>
-          <a:p>
-            <a:pPr lvl="1"/>
-            <a:r>
-              <a:rPr lang="en-US" altLang="zh-CN" dirty="0"/>
-              <a:t>Codewar.com</a:t>
-            </a:r>
-            <a:r>
-              <a:rPr lang="zh-CN" altLang="en-US" dirty="0"/>
-              <a:t>的习题</a:t>
-            </a:r>
-            <a:endParaRPr lang="en-US" altLang="zh-CN" dirty="0"/>
-          </a:p>
-          <a:p>
-            <a:r>
-              <a:rPr lang="en-US" altLang="zh-CN" dirty="0"/>
-              <a:t>8</a:t>
-            </a:r>
-            <a:r>
-              <a:rPr lang="zh-CN" altLang="en-US" dirty="0"/>
-              <a:t>次实验课</a:t>
-            </a:r>
-            <a:endParaRPr lang="en-US" altLang="zh-CN" dirty="0"/>
-          </a:p>
-          <a:p>
-            <a:r>
-              <a:rPr lang="en-US" altLang="zh-CN" dirty="0"/>
-              <a:t>7</a:t>
-            </a:r>
-            <a:r>
-              <a:rPr lang="zh-CN" altLang="en-US" dirty="0"/>
-              <a:t>次考评：考查代码、文档并提问</a:t>
-            </a:r>
-            <a:endParaRPr lang="en-US" altLang="zh-CN" dirty="0"/>
-          </a:p>
-          <a:p>
-            <a:endParaRPr lang="en-US" altLang="zh-CN" dirty="0"/>
-          </a:p>
-        </p:txBody>
-      </p:sp>
-      <p:sp>
-        <p:nvSpPr>
-          <p:cNvPr id="4" name="灯片编号占位符 3"/>
-          <p:cNvSpPr>
-            <a:spLocks noGrp="1"/>
-          </p:cNvSpPr>
-          <p:nvPr>
-            <p:ph type="sldNum" sz="quarter" idx="12"/>
-          </p:nvPr>
-        </p:nvSpPr>
-        <p:spPr/>
-        <p:txBody>
-          <a:bodyPr/>
-          <a:lstStyle/>
-          <a:p>
-            <a:fld id="{3499BFCA-6CB1-449C-B6ED-D6AF360AA522}" type="slidenum">
-              <a:rPr lang="zh-CN" altLang="en-US" smtClean="0"/>
-              <a:t>7</a:t>
-            </a:fld>
-            <a:endParaRPr lang="en-US"/>
-          </a:p>
-        </p:txBody>
-      </p:sp>
-    </p:spTree>
-    <p:extLst>
-      <p:ext uri="{BB962C8B-B14F-4D97-AF65-F5344CB8AC3E}">
-        <p14:creationId xmlns:p14="http://schemas.microsoft.com/office/powerpoint/2010/main" val="2952239601"/>
-      </p:ext>
-    </p:extLst>
-  </p:cSld>
-  <p:clrMapOvr>
-    <a:masterClrMapping/>
-  </p:clrMapOvr>
-</p:sld>
-</file>
-
-<file path=ppt/slides/slide8.xml><?xml version="1.0" encoding="utf-8"?>
-<p:sld xmlns:a="http://schemas.openxmlformats.org/drawingml/2006/main" xmlns:r="http://schemas.openxmlformats.org/officeDocument/2006/relationships" xmlns:p="http://schemas.openxmlformats.org/presentationml/2006/main">
-  <p:cSld>
-    <p:spTree>
-      <p:nvGrpSpPr>
-        <p:cNvPr id="1" name=""/>
-        <p:cNvGrpSpPr/>
-        <p:nvPr/>
-      </p:nvGrpSpPr>
-      <p:grpSpPr>
-        <a:xfrm>
-          <a:off x="0" y="0"/>
-          <a:ext cx="0" cy="0"/>
-          <a:chOff x="0" y="0"/>
-          <a:chExt cx="0" cy="0"/>
-        </a:xfrm>
-      </p:grpSpPr>
-      <p:sp>
-        <p:nvSpPr>
-          <p:cNvPr id="2" name="标题 1"/>
-          <p:cNvSpPr>
-            <a:spLocks noGrp="1"/>
-          </p:cNvSpPr>
-          <p:nvPr>
-            <p:ph type="title"/>
-          </p:nvPr>
-        </p:nvSpPr>
-        <p:spPr/>
-        <p:txBody>
-          <a:bodyPr/>
-          <a:lstStyle/>
-          <a:p>
-            <a:r>
-              <a:rPr lang="zh-CN" altLang="en-US"/>
-              <a:t>项目考查（</a:t>
-            </a:r>
-            <a:r>
-              <a:rPr lang="en-US" altLang="zh-CN"/>
-              <a:t>30</a:t>
-            </a:r>
-            <a:r>
-              <a:rPr lang="zh-CN" altLang="en-US"/>
-              <a:t>分）</a:t>
-            </a:r>
-          </a:p>
-        </p:txBody>
-      </p:sp>
-      <p:sp>
-        <p:nvSpPr>
-          <p:cNvPr id="3" name="内容占位符 2"/>
-          <p:cNvSpPr>
-            <a:spLocks noGrp="1"/>
-          </p:cNvSpPr>
-          <p:nvPr>
-            <p:ph idx="1"/>
-          </p:nvPr>
-        </p:nvSpPr>
-        <p:spPr/>
-        <p:txBody>
-          <a:bodyPr/>
-          <a:lstStyle/>
-          <a:p>
-            <a:r>
-              <a:rPr lang="zh-CN" altLang="en-US"/>
-              <a:t>教材上的三个项目：</a:t>
-            </a:r>
-            <a:endParaRPr lang="en-US" altLang="zh-CN"/>
-          </a:p>
-          <a:p>
-            <a:pPr lvl="1"/>
-            <a:r>
-              <a:rPr lang="zh-CN" altLang="en-US"/>
-              <a:t>外星人入侵</a:t>
-            </a:r>
-            <a:endParaRPr lang="en-US" altLang="zh-CN"/>
-          </a:p>
-          <a:p>
-            <a:pPr lvl="1"/>
-            <a:r>
-              <a:rPr lang="zh-CN" altLang="en-US"/>
-              <a:t>数据可视化</a:t>
-            </a:r>
-            <a:endParaRPr lang="en-US" altLang="zh-CN"/>
-          </a:p>
-          <a:p>
-            <a:pPr lvl="1"/>
-            <a:r>
-              <a:rPr lang="en-US" altLang="zh-CN"/>
-              <a:t>Web</a:t>
-            </a:r>
-            <a:r>
-              <a:rPr lang="zh-CN" altLang="en-US"/>
-              <a:t>应用程序</a:t>
-            </a:r>
-            <a:endParaRPr lang="en-US" altLang="zh-CN"/>
-          </a:p>
-          <a:p>
-            <a:r>
-              <a:rPr lang="zh-CN" altLang="en-US"/>
-              <a:t>自选项目：</a:t>
-            </a:r>
-            <a:endParaRPr lang="en-US" altLang="zh-CN"/>
-          </a:p>
-          <a:p>
-            <a:pPr lvl="1"/>
-            <a:r>
-              <a:rPr lang="zh-CN" altLang="en-US"/>
-              <a:t>难度和工作量至少和教材上的项目相当</a:t>
-            </a:r>
-            <a:endParaRPr lang="en-US" altLang="zh-CN"/>
-          </a:p>
-          <a:p>
-            <a:r>
-              <a:rPr lang="zh-CN" altLang="en-US"/>
-              <a:t>提交项目的设计说明书</a:t>
-            </a:r>
-          </a:p>
-        </p:txBody>
-      </p:sp>
-      <p:sp>
-        <p:nvSpPr>
-          <p:cNvPr id="4" name="灯片编号占位符 3"/>
-          <p:cNvSpPr>
-            <a:spLocks noGrp="1"/>
-          </p:cNvSpPr>
-          <p:nvPr>
-            <p:ph type="sldNum" sz="quarter" idx="12"/>
-          </p:nvPr>
-        </p:nvSpPr>
-        <p:spPr/>
-        <p:txBody>
-          <a:bodyPr/>
-          <a:lstStyle/>
-          <a:p>
-            <a:fld id="{3499BFCA-6CB1-449C-B6ED-D6AF360AA522}" type="slidenum">
-              <a:rPr lang="zh-CN" altLang="en-US" smtClean="0"/>
-              <a:t>8</a:t>
-            </a:fld>
-            <a:endParaRPr lang="en-US"/>
-          </a:p>
-        </p:txBody>
-      </p:sp>
-    </p:spTree>
-    <p:extLst>
-      <p:ext uri="{BB962C8B-B14F-4D97-AF65-F5344CB8AC3E}">
-        <p14:creationId xmlns:p14="http://schemas.microsoft.com/office/powerpoint/2010/main" val="3689602822"/>
-      </p:ext>
-    </p:extLst>
-  </p:cSld>
-  <p:clrMapOvr>
-    <a:masterClrMapping/>
-  </p:clrMapOvr>
-</p:sld>
-</file>
-
-<file path=ppt/slides/slide9.xml><?xml version="1.0" encoding="utf-8"?>
 <p:sld xmlns:a="http://schemas.openxmlformats.org/drawingml/2006/main" xmlns:r="http://schemas.openxmlformats.org/officeDocument/2006/relationships" xmlns:p="http://schemas.openxmlformats.org/presentationml/2006/main">
   <p:cSld>
     <p:spTree>
@@ -11234,6 +10520,292 @@
     <p:extLst>
       <p:ext uri="{BB962C8B-B14F-4D97-AF65-F5344CB8AC3E}">
         <p14:creationId xmlns:p14="http://schemas.microsoft.com/office/powerpoint/2010/main" val="3861296300"/>
+      </p:ext>
+    </p:extLst>
+  </p:cSld>
+  <p:clrMapOvr>
+    <a:masterClrMapping/>
+  </p:clrMapOvr>
+</p:sld>
+</file>
+
+<file path=ppt/slides/slide8.xml><?xml version="1.0" encoding="utf-8"?>
+<p:sld xmlns:a="http://schemas.openxmlformats.org/drawingml/2006/main" xmlns:r="http://schemas.openxmlformats.org/officeDocument/2006/relationships" xmlns:p="http://schemas.openxmlformats.org/presentationml/2006/main">
+  <p:cSld>
+    <p:spTree>
+      <p:nvGrpSpPr>
+        <p:cNvPr id="1" name=""/>
+        <p:cNvGrpSpPr/>
+        <p:nvPr/>
+      </p:nvGrpSpPr>
+      <p:grpSpPr>
+        <a:xfrm>
+          <a:off x="0" y="0"/>
+          <a:ext cx="0" cy="0"/>
+          <a:chOff x="0" y="0"/>
+          <a:chExt cx="0" cy="0"/>
+        </a:xfrm>
+      </p:grpSpPr>
+      <p:sp>
+        <p:nvSpPr>
+          <p:cNvPr id="2" name="标题 1"/>
+          <p:cNvSpPr>
+            <a:spLocks noGrp="1"/>
+          </p:cNvSpPr>
+          <p:nvPr>
+            <p:ph type="title"/>
+          </p:nvPr>
+        </p:nvSpPr>
+        <p:spPr>
+          <a:xfrm>
+            <a:off x="1835696" y="476672"/>
+            <a:ext cx="6353904" cy="1080451"/>
+          </a:xfrm>
+        </p:spPr>
+        <p:txBody>
+          <a:bodyPr/>
+          <a:lstStyle/>
+          <a:p>
+            <a:r>
+              <a:rPr lang="en-US" altLang="zh-CN" dirty="0">
+                <a:solidFill>
+                  <a:srgbClr val="0079BF"/>
+                </a:solidFill>
+                <a:latin typeface="Roboto" panose="020B0604020202020204" pitchFamily="2" charset="0"/>
+              </a:rPr>
+              <a:t>TIOBE Index</a:t>
+            </a:r>
+            <a:endParaRPr lang="zh-CN" altLang="en-US" dirty="0"/>
+          </a:p>
+        </p:txBody>
+      </p:sp>
+      <p:pic>
+        <p:nvPicPr>
+          <p:cNvPr id="1026" name="Picture 2"/>
+          <p:cNvPicPr>
+            <a:picLocks noGrp="1" noChangeAspect="1" noChangeArrowheads="1"/>
+          </p:cNvPicPr>
+          <p:nvPr>
+            <p:ph idx="1"/>
+          </p:nvPr>
+        </p:nvPicPr>
+        <p:blipFill>
+          <a:blip r:embed="rId3">
+            <a:extLst>
+              <a:ext uri="{28A0092B-C50C-407E-A947-70E740481C1C}">
+                <a14:useLocalDpi xmlns:a14="http://schemas.microsoft.com/office/drawing/2010/main" val="0"/>
+              </a:ext>
+            </a:extLst>
+          </a:blip>
+          <a:srcRect/>
+          <a:stretch>
+            <a:fillRect/>
+          </a:stretch>
+        </p:blipFill>
+        <p:spPr bwMode="auto">
+          <a:xfrm>
+            <a:off x="251520" y="1556792"/>
+            <a:ext cx="8765116" cy="4824536"/>
+          </a:xfrm>
+          <a:prstGeom prst="rect">
+            <a:avLst/>
+          </a:prstGeom>
+          <a:noFill/>
+          <a:ln>
+            <a:noFill/>
+          </a:ln>
+          <a:effectLst/>
+          <a:extLst>
+            <a:ext uri="{909E8E84-426E-40DD-AFC4-6F175D3DCCD1}">
+              <a14:hiddenFill xmlns:a14="http://schemas.microsoft.com/office/drawing/2010/main">
+                <a:solidFill>
+                  <a:schemeClr val="accent1"/>
+                </a:solidFill>
+              </a14:hiddenFill>
+            </a:ext>
+            <a:ext uri="{91240B29-F687-4F45-9708-019B960494DF}">
+              <a14:hiddenLine xmlns:a14="http://schemas.microsoft.com/office/drawing/2010/main" w="9525">
+                <a:solidFill>
+                  <a:schemeClr val="tx1"/>
+                </a:solidFill>
+                <a:miter lim="800000"/>
+                <a:headEnd/>
+                <a:tailEnd/>
+              </a14:hiddenLine>
+            </a:ext>
+            <a:ext uri="{AF507438-7753-43E0-B8FC-AC1667EBCBE1}">
+              <a14:hiddenEffects xmlns:a14="http://schemas.microsoft.com/office/drawing/2010/main">
+                <a:effectLst>
+                  <a:outerShdw dist="35921" dir="2700000" algn="ctr" rotWithShape="0">
+                    <a:schemeClr val="bg2"/>
+                  </a:outerShdw>
+                </a:effectLst>
+              </a14:hiddenEffects>
+            </a:ext>
+          </a:extLst>
+        </p:spPr>
+      </p:pic>
+    </p:spTree>
+    <p:extLst>
+      <p:ext uri="{BB962C8B-B14F-4D97-AF65-F5344CB8AC3E}">
+        <p14:creationId xmlns:p14="http://schemas.microsoft.com/office/powerpoint/2010/main" val="3539566927"/>
+      </p:ext>
+    </p:extLst>
+  </p:cSld>
+  <p:clrMapOvr>
+    <a:masterClrMapping/>
+  </p:clrMapOvr>
+</p:sld>
+</file>
+
+<file path=ppt/slides/slide9.xml><?xml version="1.0" encoding="utf-8"?>
+<p:sld xmlns:a="http://schemas.openxmlformats.org/drawingml/2006/main" xmlns:r="http://schemas.openxmlformats.org/officeDocument/2006/relationships" xmlns:p="http://schemas.openxmlformats.org/presentationml/2006/main">
+  <p:cSld>
+    <p:spTree>
+      <p:nvGrpSpPr>
+        <p:cNvPr id="1" name=""/>
+        <p:cNvGrpSpPr/>
+        <p:nvPr/>
+      </p:nvGrpSpPr>
+      <p:grpSpPr>
+        <a:xfrm>
+          <a:off x="0" y="0"/>
+          <a:ext cx="0" cy="0"/>
+          <a:chOff x="0" y="0"/>
+          <a:chExt cx="0" cy="0"/>
+        </a:xfrm>
+      </p:grpSpPr>
+      <p:sp>
+        <p:nvSpPr>
+          <p:cNvPr id="2" name="标题 1"/>
+          <p:cNvSpPr>
+            <a:spLocks noGrp="1"/>
+          </p:cNvSpPr>
+          <p:nvPr>
+            <p:ph type="title"/>
+          </p:nvPr>
+        </p:nvSpPr>
+        <p:spPr/>
+        <p:txBody>
+          <a:bodyPr/>
+          <a:lstStyle/>
+          <a:p>
+            <a:r>
+              <a:rPr lang="en-US" altLang="zh-CN"/>
+              <a:t>Python</a:t>
+            </a:r>
+            <a:r>
+              <a:rPr lang="zh-CN" altLang="en-US"/>
+              <a:t>语言可以做什么？</a:t>
+            </a:r>
+          </a:p>
+        </p:txBody>
+      </p:sp>
+      <p:sp>
+        <p:nvSpPr>
+          <p:cNvPr id="3" name="内容占位符 2"/>
+          <p:cNvSpPr>
+            <a:spLocks noGrp="1"/>
+          </p:cNvSpPr>
+          <p:nvPr>
+            <p:ph idx="1"/>
+          </p:nvPr>
+        </p:nvSpPr>
+        <p:spPr>
+          <a:xfrm>
+            <a:off x="323528" y="1628800"/>
+            <a:ext cx="8099296" cy="4536504"/>
+          </a:xfrm>
+        </p:spPr>
+        <p:txBody>
+          <a:bodyPr>
+            <a:normAutofit/>
+          </a:bodyPr>
+          <a:lstStyle/>
+          <a:p>
+            <a:r>
+              <a:rPr lang="zh-CN" altLang="en-US" dirty="0"/>
+              <a:t>数据科学</a:t>
+            </a:r>
+            <a:endParaRPr lang="en-US" altLang="zh-CN" dirty="0"/>
+          </a:p>
+          <a:p>
+            <a:r>
+              <a:rPr lang="zh-CN" altLang="en-US" dirty="0"/>
+              <a:t>人工智能</a:t>
+            </a:r>
+            <a:endParaRPr lang="en-US" altLang="zh-CN" dirty="0"/>
+          </a:p>
+          <a:p>
+            <a:r>
+              <a:rPr lang="zh-CN" altLang="en-US" dirty="0"/>
+              <a:t>科学运算</a:t>
+            </a:r>
+            <a:endParaRPr lang="en-US" altLang="zh-CN" dirty="0"/>
+          </a:p>
+          <a:p>
+            <a:r>
+              <a:rPr lang="en-US" altLang="zh-CN" dirty="0"/>
+              <a:t>Web</a:t>
+            </a:r>
+            <a:r>
+              <a:rPr lang="zh-CN" altLang="en-US" dirty="0"/>
+              <a:t>应用开发</a:t>
+            </a:r>
+            <a:r>
+              <a:rPr lang="en-US" altLang="zh-CN" dirty="0"/>
+              <a:t>(Django)</a:t>
+            </a:r>
+          </a:p>
+          <a:p>
+            <a:r>
+              <a:rPr lang="zh-CN" altLang="en-US" dirty="0"/>
+              <a:t>命令行程序</a:t>
+            </a:r>
+            <a:endParaRPr lang="en-US" altLang="zh-CN" dirty="0"/>
+          </a:p>
+          <a:p>
+            <a:r>
+              <a:rPr lang="zh-CN" altLang="en-US" dirty="0"/>
+              <a:t>网络爬虫</a:t>
+            </a:r>
+            <a:endParaRPr lang="en-US" altLang="zh-CN" dirty="0"/>
+          </a:p>
+          <a:p>
+            <a:r>
+              <a:rPr lang="zh-CN" altLang="en-US" dirty="0"/>
+              <a:t>嵌入式开发（</a:t>
+            </a:r>
+            <a:r>
+              <a:rPr lang="en-US" altLang="zh-CN" dirty="0" err="1"/>
+              <a:t>MicroPython</a:t>
+            </a:r>
+            <a:r>
+              <a:rPr lang="zh-CN" altLang="en-US" dirty="0"/>
+              <a:t>）</a:t>
+            </a:r>
+            <a:endParaRPr lang="en-US" altLang="zh-CN" dirty="0"/>
+          </a:p>
+          <a:p>
+            <a:r>
+              <a:rPr lang="zh-CN" altLang="en-US" dirty="0"/>
+              <a:t>游戏开发（</a:t>
+            </a:r>
+            <a:r>
+              <a:rPr lang="en-US" altLang="zh-CN" dirty="0"/>
+              <a:t>Pygame</a:t>
+            </a:r>
+            <a:r>
+              <a:rPr lang="zh-CN" altLang="en-US" dirty="0"/>
+              <a:t>）</a:t>
+            </a:r>
+          </a:p>
+        </p:txBody>
+      </p:sp>
+    </p:spTree>
+    <p:extLst>
+      <p:ext uri="{BB962C8B-B14F-4D97-AF65-F5344CB8AC3E}">
+        <p14:creationId xmlns:p14="http://schemas.microsoft.com/office/powerpoint/2010/main" val="4040546639"/>
       </p:ext>
     </p:extLst>
   </p:cSld>

--- a/Presentations/01 Python编程概述.pptx
+++ b/Presentations/01 Python编程概述.pptx
@@ -2323,7 +2323,10 @@
               </a:spcAft>
               <a:buSzPts val="4400"/>
               <a:buNone/>
-              <a:defRPr sz="4400" b="1"/>
+              <a:defRPr sz="4400" b="1">
+                <a:latin typeface="+mj-ea"/>
+                <a:ea typeface="+mj-ea"/>
+              </a:defRPr>
             </a:lvl1pPr>
             <a:lvl2pPr lvl="1" rtl="0">
               <a:spcBef>
@@ -2459,6 +2462,8 @@
                 <a:solidFill>
                   <a:schemeClr val="accent3"/>
                 </a:solidFill>
+                <a:latin typeface="+mj-ea"/>
+                <a:ea typeface="+mj-ea"/>
               </a:defRPr>
             </a:lvl1pPr>
             <a:lvl2pPr lvl="1" rtl="0">
@@ -2813,7 +2818,8 @@
           <a:lstStyle>
             <a:lvl1pPr>
               <a:defRPr sz="4000">
-                <a:latin typeface="+mj-lt"/>
+                <a:latin typeface="+mj-ea"/>
+                <a:ea typeface="+mj-ea"/>
               </a:defRPr>
             </a:lvl1pPr>
           </a:lstStyle>
@@ -2849,31 +2855,46 @@
               <a:lnSpc>
                 <a:spcPct val="110000"/>
               </a:lnSpc>
-              <a:defRPr sz="2600"/>
+              <a:defRPr sz="2600">
+                <a:latin typeface="+mn-ea"/>
+                <a:ea typeface="+mn-ea"/>
+              </a:defRPr>
             </a:lvl1pPr>
             <a:lvl2pPr>
               <a:lnSpc>
                 <a:spcPct val="110000"/>
               </a:lnSpc>
-              <a:defRPr sz="2400"/>
+              <a:defRPr sz="2400">
+                <a:latin typeface="+mn-ea"/>
+                <a:ea typeface="+mn-ea"/>
+              </a:defRPr>
             </a:lvl2pPr>
             <a:lvl3pPr>
               <a:lnSpc>
                 <a:spcPct val="110000"/>
               </a:lnSpc>
-              <a:defRPr sz="2200"/>
+              <a:defRPr sz="2200">
+                <a:latin typeface="+mn-ea"/>
+                <a:ea typeface="+mn-ea"/>
+              </a:defRPr>
             </a:lvl3pPr>
             <a:lvl4pPr>
               <a:lnSpc>
                 <a:spcPct val="110000"/>
               </a:lnSpc>
-              <a:defRPr sz="2200"/>
+              <a:defRPr sz="2200">
+                <a:latin typeface="+mn-ea"/>
+                <a:ea typeface="+mn-ea"/>
+              </a:defRPr>
             </a:lvl4pPr>
             <a:lvl5pPr>
               <a:lnSpc>
                 <a:spcPct val="110000"/>
               </a:lnSpc>
-              <a:defRPr sz="2200"/>
+              <a:defRPr sz="2200">
+                <a:latin typeface="+mn-ea"/>
+                <a:ea typeface="+mn-ea"/>
+              </a:defRPr>
             </a:lvl5pPr>
           </a:lstStyle>
           <a:p>
@@ -2939,7 +2960,7 @@
           <a:p>
             <a:fld id="{581A783B-FA21-427C-BB1F-F00F1D0FC79B}" type="datetime1">
               <a:rPr lang="zh-CN" altLang="en-US" smtClean="0"/>
-              <a:t>2024/2/27</a:t>
+              <a:t>2024/8/16</a:t>
             </a:fld>
             <a:endParaRPr lang="en-US"/>
           </a:p>
@@ -3048,7 +3069,8 @@
           <a:lstStyle>
             <a:lvl1pPr>
               <a:defRPr sz="4000">
-                <a:latin typeface="+mj-lt"/>
+                <a:latin typeface="+mj-ea"/>
+                <a:ea typeface="+mj-ea"/>
               </a:defRPr>
             </a:lvl1pPr>
           </a:lstStyle>
@@ -3083,19 +3105,34 @@
           </a:bodyPr>
           <a:lstStyle>
             <a:lvl1pPr>
-              <a:defRPr sz="2400"/>
+              <a:defRPr sz="2400">
+                <a:latin typeface="+mn-ea"/>
+                <a:ea typeface="+mn-ea"/>
+              </a:defRPr>
             </a:lvl1pPr>
             <a:lvl2pPr>
-              <a:defRPr sz="2400"/>
+              <a:defRPr sz="2400">
+                <a:latin typeface="+mn-ea"/>
+                <a:ea typeface="+mn-ea"/>
+              </a:defRPr>
             </a:lvl2pPr>
             <a:lvl3pPr>
-              <a:defRPr sz="2400"/>
+              <a:defRPr sz="2400">
+                <a:latin typeface="+mn-ea"/>
+                <a:ea typeface="+mn-ea"/>
+              </a:defRPr>
             </a:lvl3pPr>
             <a:lvl4pPr>
-              <a:defRPr sz="2400"/>
+              <a:defRPr sz="2400">
+                <a:latin typeface="+mn-ea"/>
+                <a:ea typeface="+mn-ea"/>
+              </a:defRPr>
             </a:lvl4pPr>
             <a:lvl5pPr>
-              <a:defRPr sz="2400"/>
+              <a:defRPr sz="2400">
+                <a:latin typeface="+mn-ea"/>
+                <a:ea typeface="+mn-ea"/>
+              </a:defRPr>
             </a:lvl5pPr>
           </a:lstStyle>
           <a:p>
@@ -3158,19 +3195,34 @@
           </a:bodyPr>
           <a:lstStyle>
             <a:lvl1pPr>
-              <a:defRPr sz="2400"/>
+              <a:defRPr sz="2400">
+                <a:latin typeface="+mn-ea"/>
+                <a:ea typeface="+mn-ea"/>
+              </a:defRPr>
             </a:lvl1pPr>
             <a:lvl2pPr>
-              <a:defRPr sz="2400"/>
+              <a:defRPr sz="2400">
+                <a:latin typeface="+mn-ea"/>
+                <a:ea typeface="+mn-ea"/>
+              </a:defRPr>
             </a:lvl2pPr>
             <a:lvl3pPr>
-              <a:defRPr sz="2400"/>
+              <a:defRPr sz="2400">
+                <a:latin typeface="+mn-ea"/>
+                <a:ea typeface="+mn-ea"/>
+              </a:defRPr>
             </a:lvl3pPr>
             <a:lvl4pPr>
-              <a:defRPr sz="2400"/>
+              <a:defRPr sz="2400">
+                <a:latin typeface="+mn-ea"/>
+                <a:ea typeface="+mn-ea"/>
+              </a:defRPr>
             </a:lvl4pPr>
             <a:lvl5pPr>
-              <a:defRPr sz="2400"/>
+              <a:defRPr sz="2400">
+                <a:latin typeface="+mn-ea"/>
+                <a:ea typeface="+mn-ea"/>
+              </a:defRPr>
             </a:lvl5pPr>
           </a:lstStyle>
           <a:p>
@@ -3236,7 +3288,7 @@
           <a:p>
             <a:fld id="{92C6830D-5A2E-4233-93B1-0D08F65EB96A}" type="datetime1">
               <a:rPr lang="zh-CN" altLang="en-US" smtClean="0"/>
-              <a:t>2024/2/27</a:t>
+              <a:t>2024/8/16</a:t>
             </a:fld>
             <a:endParaRPr lang="en-US"/>
           </a:p>
@@ -4017,12 +4069,12 @@
           <a:srgbClr val="000000"/>
         </a:buClr>
         <a:buFont typeface="Arial"/>
-        <a:defRPr sz="1400" b="0" i="0" u="none" strike="noStrike" cap="none">
+        <a:defRPr sz="3600" b="0" i="0" u="none" strike="noStrike" cap="none">
           <a:solidFill>
             <a:srgbClr val="000000"/>
           </a:solidFill>
-          <a:latin typeface="Arial"/>
-          <a:ea typeface="Arial"/>
+          <a:latin typeface="+mj-ea"/>
+          <a:ea typeface="+mj-ea"/>
           <a:cs typeface="Arial"/>
           <a:sym typeface="Arial"/>
         </a:defRPr>
@@ -4250,8 +4302,8 @@
           <a:solidFill>
             <a:srgbClr val="000000"/>
           </a:solidFill>
-          <a:latin typeface="Arial"/>
-          <a:ea typeface="Arial"/>
+          <a:latin typeface="+mn-ea"/>
+          <a:ea typeface="+mn-ea"/>
           <a:cs typeface="Arial"/>
           <a:sym typeface="Arial"/>
         </a:defRPr>
@@ -5547,10 +5599,6 @@
           <a:lstStyle/>
           <a:p>
             <a:r>
-              <a:rPr lang="zh-CN" altLang="en-US"/>
-              <a:t>如何解决</a:t>
-            </a:r>
-            <a:r>
               <a:rPr lang="en-US" altLang="zh-CN"/>
               <a:t>Python</a:t>
             </a:r>
@@ -5582,46 +5630,79 @@
           <a:lstStyle/>
           <a:p>
             <a:r>
-              <a:rPr lang="en-US" altLang="zh-CN"/>
+              <a:rPr lang="en-US" altLang="zh-CN">
+                <a:latin typeface="+mn-ea"/>
+                <a:ea typeface="+mn-ea"/>
+              </a:rPr>
               <a:t>Python 3.11</a:t>
             </a:r>
             <a:r>
-              <a:rPr lang="zh-CN" altLang="en-US"/>
+              <a:rPr lang="zh-CN" altLang="en-US">
+                <a:latin typeface="+mn-ea"/>
+                <a:ea typeface="+mn-ea"/>
+              </a:rPr>
               <a:t>相比</a:t>
             </a:r>
             <a:r>
-              <a:rPr lang="en-US" altLang="zh-CN"/>
+              <a:rPr lang="en-US" altLang="zh-CN">
+                <a:latin typeface="+mn-ea"/>
+                <a:ea typeface="+mn-ea"/>
+              </a:rPr>
               <a:t>Python 3.10</a:t>
             </a:r>
             <a:r>
-              <a:rPr lang="zh-CN" altLang="en-US"/>
+              <a:rPr lang="zh-CN" altLang="en-US">
+                <a:latin typeface="+mn-ea"/>
+                <a:ea typeface="+mn-ea"/>
+              </a:rPr>
               <a:t>性能提升了</a:t>
             </a:r>
             <a:r>
-              <a:rPr lang="en-US" altLang="zh-CN"/>
+              <a:rPr lang="en-US" altLang="zh-CN">
+                <a:latin typeface="+mn-ea"/>
+                <a:ea typeface="+mn-ea"/>
+              </a:rPr>
               <a:t>10%-60%</a:t>
             </a:r>
             <a:r>
-              <a:rPr lang="zh-CN" altLang="en-US"/>
+              <a:rPr lang="zh-CN" altLang="en-US">
+                <a:latin typeface="+mn-ea"/>
+                <a:ea typeface="+mn-ea"/>
+              </a:rPr>
               <a:t>。</a:t>
             </a:r>
-            <a:endParaRPr lang="en-US" altLang="zh-CN"/>
-          </a:p>
-          <a:p>
-            <a:r>
-              <a:rPr lang="zh-CN" altLang="en-US"/>
+            <a:endParaRPr lang="en-US" altLang="zh-CN">
+              <a:latin typeface="+mn-ea"/>
+              <a:ea typeface="+mn-ea"/>
+            </a:endParaRPr>
+          </a:p>
+          <a:p>
+            <a:r>
+              <a:rPr lang="zh-CN" altLang="en-US">
+                <a:latin typeface="+mn-ea"/>
+                <a:ea typeface="+mn-ea"/>
+              </a:rPr>
               <a:t>即时编译特性（</a:t>
             </a:r>
             <a:r>
-              <a:rPr lang="en-US" altLang="zh-CN"/>
+              <a:rPr lang="en-US" altLang="zh-CN">
+                <a:latin typeface="+mn-ea"/>
+                <a:ea typeface="+mn-ea"/>
+              </a:rPr>
               <a:t>JIT</a:t>
             </a:r>
             <a:r>
-              <a:rPr lang="zh-CN" altLang="en-US"/>
+              <a:rPr lang="zh-CN" altLang="en-US">
+                <a:latin typeface="+mn-ea"/>
+                <a:ea typeface="+mn-ea"/>
+              </a:rPr>
               <a:t>）即将加入</a:t>
             </a:r>
             <a:r>
-              <a:rPr lang="en-US" altLang="zh-CN"/>
+              <a:rPr lang="en-US" altLang="zh-CN">
+                <a:latin typeface="+mn-ea"/>
+                <a:ea typeface="+mn-ea"/>
+              </a:rPr>
               <a:t>Python 3.13.</a:t>
             </a:r>
           </a:p>
@@ -5631,6 +5712,8 @@
                 <a:solidFill>
                   <a:schemeClr val="tx1"/>
                 </a:solidFill>
+                <a:latin typeface="+mn-ea"/>
+                <a:ea typeface="+mn-ea"/>
               </a:rPr>
               <a:t>Python</a:t>
             </a:r>
@@ -5639,6 +5722,8 @@
                 <a:solidFill>
                   <a:schemeClr val="tx1"/>
                 </a:solidFill>
+                <a:latin typeface="+mn-ea"/>
+                <a:ea typeface="+mn-ea"/>
               </a:rPr>
               <a:t>语言可以调用其他高性能编译语言编写的库（例如</a:t>
             </a:r>
@@ -5647,6 +5732,8 @@
                 <a:solidFill>
                   <a:schemeClr val="tx1"/>
                 </a:solidFill>
+                <a:latin typeface="+mn-ea"/>
+                <a:ea typeface="+mn-ea"/>
               </a:rPr>
               <a:t>Numpy</a:t>
             </a:r>
@@ -5655,6 +5742,8 @@
                 <a:solidFill>
                   <a:schemeClr val="tx1"/>
                 </a:solidFill>
+                <a:latin typeface="+mn-ea"/>
+                <a:ea typeface="+mn-ea"/>
               </a:rPr>
               <a:t>和</a:t>
             </a:r>
@@ -5663,6 +5752,8 @@
                 <a:solidFill>
                   <a:schemeClr val="tx1"/>
                 </a:solidFill>
+                <a:latin typeface="+mn-ea"/>
+                <a:ea typeface="+mn-ea"/>
               </a:rPr>
               <a:t>Pandas</a:t>
             </a:r>
@@ -5671,6 +5762,8 @@
                 <a:solidFill>
                   <a:schemeClr val="tx1"/>
                 </a:solidFill>
+                <a:latin typeface="+mn-ea"/>
+                <a:ea typeface="+mn-ea"/>
               </a:rPr>
               <a:t>），大大提升</a:t>
             </a:r>
@@ -5679,6 +5772,8 @@
                 <a:solidFill>
                   <a:schemeClr val="tx1"/>
                 </a:solidFill>
+                <a:latin typeface="+mn-ea"/>
+                <a:ea typeface="+mn-ea"/>
               </a:rPr>
               <a:t>Python</a:t>
             </a:r>
@@ -5687,6 +5782,8 @@
                 <a:solidFill>
                   <a:schemeClr val="tx1"/>
                 </a:solidFill>
+                <a:latin typeface="+mn-ea"/>
+                <a:ea typeface="+mn-ea"/>
               </a:rPr>
               <a:t>程序的性能。</a:t>
             </a:r>
@@ -5694,6 +5791,8 @@
               <a:solidFill>
                 <a:schemeClr val="tx1"/>
               </a:solidFill>
+              <a:latin typeface="+mn-ea"/>
+              <a:ea typeface="+mn-ea"/>
             </a:endParaRPr>
           </a:p>
           <a:p>
@@ -5702,6 +5801,8 @@
                 <a:solidFill>
                   <a:schemeClr val="tx1"/>
                 </a:solidFill>
+                <a:latin typeface="+mn-ea"/>
+                <a:ea typeface="+mn-ea"/>
               </a:rPr>
               <a:t>优化你的</a:t>
             </a:r>
@@ -5710,6 +5811,8 @@
                 <a:solidFill>
                   <a:schemeClr val="tx1"/>
                 </a:solidFill>
+                <a:latin typeface="+mn-ea"/>
+                <a:ea typeface="+mn-ea"/>
               </a:rPr>
               <a:t>Python</a:t>
             </a:r>
@@ -5718,6 +5821,8 @@
                 <a:solidFill>
                   <a:schemeClr val="tx1"/>
                 </a:solidFill>
+                <a:latin typeface="+mn-ea"/>
+                <a:ea typeface="+mn-ea"/>
               </a:rPr>
               <a:t>代码（数据结构和算法）。</a:t>
             </a:r>
@@ -5725,6 +5830,8 @@
               <a:solidFill>
                 <a:schemeClr val="tx1"/>
               </a:solidFill>
+              <a:latin typeface="+mn-ea"/>
+              <a:ea typeface="+mn-ea"/>
             </a:endParaRPr>
           </a:p>
           <a:p>
@@ -7564,7 +7671,7 @@
         </p:spPr>
         <p:txBody>
           <a:bodyPr>
-            <a:normAutofit/>
+            <a:normAutofit fontScale="92500" lnSpcReduction="10000"/>
           </a:bodyPr>
           <a:lstStyle/>
           <a:p>
@@ -10109,7 +10216,7 @@
             </a:r>
             <a:r>
               <a:rPr lang="en-US" altLang="zh-CN" dirty="0"/>
-              <a:t>3</a:t>
+              <a:t>1</a:t>
             </a:r>
             <a:r>
               <a:rPr lang="en-US" altLang="zh-CN"/>
@@ -10144,7 +10251,7 @@
             </a:r>
             <a:r>
               <a:rPr lang="en-US" altLang="zh-CN"/>
-              <a:t>50%</a:t>
+              <a:t>60%</a:t>
             </a:r>
             <a:r>
               <a:rPr lang="zh-CN" altLang="en-US"/>
@@ -10156,7 +10263,7 @@
             <a:pPr lvl="1"/>
             <a:r>
               <a:rPr lang="zh-CN" altLang="en-US"/>
-              <a:t>外星人入侵的游戏项目</a:t>
+              <a:t>项目一：外星人入侵的游戏项目</a:t>
             </a:r>
             <a:endParaRPr lang="en-US" altLang="zh-CN"/>
           </a:p>
@@ -10164,12 +10271,31 @@
             <a:pPr lvl="1"/>
             <a:r>
               <a:rPr lang="zh-CN" altLang="en-US"/>
-              <a:t>数据可视化项目</a:t>
+              <a:t>项目二：数据可视化项目</a:t>
             </a:r>
             <a:endParaRPr lang="en-US" altLang="zh-CN"/>
           </a:p>
           <a:p>
+            <a:r>
+              <a:rPr lang="zh-CN" altLang="en-US"/>
+              <a:t>期末考查（</a:t>
+            </a:r>
+            <a:r>
+              <a:rPr lang="en-US" altLang="zh-CN"/>
+              <a:t>30%</a:t>
+            </a:r>
+            <a:r>
+              <a:rPr lang="zh-CN" altLang="en-US"/>
+              <a:t>）：</a:t>
+            </a:r>
+            <a:endParaRPr lang="en-US" altLang="zh-CN"/>
+          </a:p>
+          <a:p>
             <a:pPr lvl="1"/>
+            <a:r>
+              <a:rPr lang="zh-CN" altLang="en-US"/>
+              <a:t>项目三： </a:t>
+            </a:r>
             <a:r>
               <a:rPr lang="en-US" altLang="zh-CN"/>
               <a:t>Django Web</a:t>
@@ -10178,32 +10304,6 @@
               <a:rPr lang="zh-CN" altLang="en-US"/>
               <a:t>应用项目</a:t>
             </a:r>
-            <a:endParaRPr lang="en-US" altLang="zh-CN" dirty="0"/>
-          </a:p>
-          <a:p>
-            <a:r>
-              <a:rPr lang="zh-CN" altLang="en-US"/>
-              <a:t>期末考查：自选项目考查（</a:t>
-            </a:r>
-            <a:r>
-              <a:rPr lang="en-US" altLang="zh-CN" dirty="0"/>
-              <a:t>2</a:t>
-            </a:r>
-            <a:r>
-              <a:rPr lang="en-US" altLang="zh-CN"/>
-              <a:t>0</a:t>
-            </a:r>
-            <a:r>
-              <a:rPr lang="en-US" altLang="zh-CN" dirty="0"/>
-              <a:t>%</a:t>
-            </a:r>
-            <a:r>
-              <a:rPr lang="zh-CN" altLang="en-US" dirty="0"/>
-              <a:t>）</a:t>
-            </a:r>
-            <a:endParaRPr lang="en-US" altLang="zh-CN" dirty="0"/>
-          </a:p>
-          <a:p>
             <a:endParaRPr lang="en-US" altLang="zh-CN" dirty="0"/>
           </a:p>
         </p:txBody>

--- a/Presentations/01 Python编程概述.pptx
+++ b/Presentations/01 Python编程概述.pptx
@@ -9860,48 +9860,24 @@
             <a:endParaRPr lang="en-US" altLang="zh-CN" dirty="0"/>
           </a:p>
           <a:p>
-            <a:pPr lvl="1"/>
-            <a:r>
-              <a:rPr lang="en-US" altLang="zh-CN" dirty="0"/>
+            <a:r>
+              <a:rPr lang="en-US" altLang="zh-CN"/>
               <a:t>Python</a:t>
             </a:r>
             <a:r>
-              <a:rPr lang="zh-CN" altLang="en-US" dirty="0"/>
-              <a:t>语言的介绍</a:t>
-            </a:r>
-            <a:endParaRPr lang="en-US" altLang="zh-CN" dirty="0"/>
-          </a:p>
-          <a:p>
-            <a:pPr lvl="1"/>
-            <a:r>
-              <a:rPr lang="en-US" altLang="zh-CN" dirty="0"/>
+              <a:rPr lang="zh-CN" altLang="en-US"/>
+              <a:t>课程项目</a:t>
+            </a:r>
+            <a:endParaRPr lang="en-US" altLang="zh-CN"/>
+          </a:p>
+          <a:p>
+            <a:r>
+              <a:rPr lang="en-US" altLang="zh-CN"/>
               <a:t>Python</a:t>
             </a:r>
             <a:r>
-              <a:rPr lang="zh-CN" altLang="en-US" dirty="0"/>
-              <a:t>与其他编程语言的对比</a:t>
-            </a:r>
-            <a:endParaRPr lang="en-US" altLang="zh-CN" dirty="0"/>
-          </a:p>
-          <a:p>
-            <a:r>
-              <a:rPr lang="en-US" altLang="zh-CN" dirty="0"/>
-              <a:t>Python</a:t>
-            </a:r>
-            <a:r>
-              <a:rPr lang="zh-CN" altLang="en-US" dirty="0"/>
-              <a:t>开发环境</a:t>
-            </a:r>
-            <a:endParaRPr lang="en-US" altLang="zh-CN" dirty="0"/>
-          </a:p>
-          <a:p>
-            <a:r>
-              <a:rPr lang="en-US" altLang="zh-CN" dirty="0"/>
-              <a:t>Python</a:t>
-            </a:r>
-            <a:r>
-              <a:rPr lang="zh-CN" altLang="en-US" dirty="0"/>
-              <a:t>应用展示</a:t>
+              <a:rPr lang="zh-CN" altLang="en-US"/>
+              <a:t>的应用</a:t>
             </a:r>
             <a:endParaRPr lang="en-US" altLang="zh-CN" dirty="0"/>
           </a:p>

--- a/Presentations/01 Python编程概述.pptx
+++ b/Presentations/01 Python编程概述.pptx
@@ -10795,7 +10795,7 @@
         </p:spPr>
         <p:txBody>
           <a:bodyPr>
-            <a:normAutofit/>
+            <a:normAutofit lnSpcReduction="10000"/>
           </a:bodyPr>
           <a:lstStyle/>
           <a:p>
@@ -10825,18 +10825,26 @@
               <a:t>Web</a:t>
             </a:r>
             <a:r>
-              <a:rPr lang="zh-CN" altLang="en-US" dirty="0"/>
+              <a:rPr lang="zh-CN" altLang="en-US"/>
               <a:t>应用开发</a:t>
             </a:r>
-            <a:r>
-              <a:rPr lang="en-US" altLang="zh-CN" dirty="0"/>
-              <a:t>(Django)</a:t>
-            </a:r>
-          </a:p>
-          <a:p>
-            <a:r>
-              <a:rPr lang="zh-CN" altLang="en-US" dirty="0"/>
-              <a:t>命令行程序</a:t>
+            <a:endParaRPr lang="en-US" altLang="zh-CN"/>
+          </a:p>
+          <a:p>
+            <a:r>
+              <a:rPr lang="zh-CN" altLang="en-US"/>
+              <a:t>服务器管理</a:t>
+            </a:r>
+            <a:endParaRPr lang="en-US" altLang="zh-CN"/>
+          </a:p>
+          <a:p>
+            <a:r>
+              <a:rPr lang="zh-CN" altLang="en-US"/>
+              <a:t>命令行</a:t>
+            </a:r>
+            <a:r>
+              <a:rPr lang="zh-CN" altLang="en-US" dirty="0"/>
+              <a:t>程序</a:t>
             </a:r>
             <a:endParaRPr lang="en-US" altLang="zh-CN" dirty="0"/>
           </a:p>
